--- a/resume-templates/template2/template2.pptx
+++ b/resume-templates/template2/template2.pptx
@@ -8,7 +8,7 @@
     <p:notesMasterId r:id="rId3"/>
   </p:notesMasterIdLst>
   <p:sldIdLst>
-    <p:sldId id="264" r:id="rId2"/>
+    <p:sldId id="257" r:id="rId2"/>
   </p:sldIdLst>
   <p:sldSz cx="7874000" cy="11137900"/>
   <p:notesSz cx="6858000" cy="9144000"/>
@@ -310,11 +310,6 @@
       </a:defRPr>
     </a:lvl9pPr>
   </p:defaultTextStyle>
-  <p:extLst>
-    <p:ext uri="{EFAFB233-063F-42B5-8137-9DF3F51BA10A}">
-      <p15:sldGuideLst xmlns:p15="http://schemas.microsoft.com/office/powerpoint/2012/main"/>
-    </p:ext>
-  </p:extLst>
 </p:presentation>
 </file>
 
@@ -476,6 +471,415 @@
 
 <file path=ppt/slideLayouts/slideLayout1.xml><?xml version="1.0" encoding="utf-8"?>
 <p:sldLayout xmlns:a="http://schemas.openxmlformats.org/drawingml/2006/main" xmlns:r="http://schemas.openxmlformats.org/officeDocument/2006/relationships" xmlns:p="http://schemas.openxmlformats.org/presentationml/2006/main" type="tx">
+  <p:cSld name="Заголовок и объект">
+    <p:spTree>
+      <p:nvGrpSpPr>
+        <p:cNvPr id="1" name=""/>
+        <p:cNvGrpSpPr/>
+        <p:nvPr/>
+      </p:nvGrpSpPr>
+      <p:grpSpPr>
+        <a:xfrm>
+          <a:off x="0" y="0"/>
+          <a:ext cx="0" cy="0"/>
+          <a:chOff x="0" y="0"/>
+          <a:chExt cx="0" cy="0"/>
+        </a:xfrm>
+      </p:grpSpPr>
+      <p:sp>
+        <p:nvSpPr>
+          <p:cNvPr id="20" name="Title Text"/>
+          <p:cNvSpPr txBox="1">
+            <a:spLocks noGrp="1"/>
+          </p:cNvSpPr>
+          <p:nvPr>
+            <p:ph type="title"/>
+          </p:nvPr>
+        </p:nvSpPr>
+        <p:spPr>
+          <a:prstGeom prst="rect">
+            <a:avLst/>
+          </a:prstGeom>
+        </p:spPr>
+        <p:txBody>
+          <a:bodyPr/>
+          <a:lstStyle/>
+          <a:p>
+            <a:r>
+              <a:t>Title Text</a:t>
+            </a:r>
+          </a:p>
+        </p:txBody>
+      </p:sp>
+      <p:sp>
+        <p:nvSpPr>
+          <p:cNvPr id="21" name="Body Level One…"/>
+          <p:cNvSpPr txBox="1">
+            <a:spLocks noGrp="1"/>
+          </p:cNvSpPr>
+          <p:nvPr>
+            <p:ph type="body" idx="1"/>
+          </p:nvPr>
+        </p:nvSpPr>
+        <p:spPr>
+          <a:prstGeom prst="rect">
+            <a:avLst/>
+          </a:prstGeom>
+        </p:spPr>
+        <p:txBody>
+          <a:bodyPr/>
+          <a:lstStyle/>
+          <a:p>
+            <a:r>
+              <a:t>Body Level One</a:t>
+            </a:r>
+          </a:p>
+          <a:p>
+            <a:pPr lvl="1"/>
+            <a:r>
+              <a:t>Body Level Two</a:t>
+            </a:r>
+          </a:p>
+          <a:p>
+            <a:pPr lvl="2"/>
+            <a:r>
+              <a:t>Body Level Three</a:t>
+            </a:r>
+          </a:p>
+          <a:p>
+            <a:pPr lvl="3"/>
+            <a:r>
+              <a:t>Body Level Four</a:t>
+            </a:r>
+          </a:p>
+          <a:p>
+            <a:pPr lvl="4"/>
+            <a:r>
+              <a:t>Body Level Five</a:t>
+            </a:r>
+          </a:p>
+        </p:txBody>
+      </p:sp>
+      <p:sp>
+        <p:nvSpPr>
+          <p:cNvPr id="22" name="01"/>
+          <p:cNvSpPr txBox="1">
+            <a:spLocks noGrp="1"/>
+          </p:cNvSpPr>
+          <p:nvPr>
+            <p:ph type="sldNum" sz="quarter" idx="2"/>
+          </p:nvPr>
+        </p:nvSpPr>
+        <p:spPr>
+          <a:prstGeom prst="rect">
+            <a:avLst/>
+          </a:prstGeom>
+        </p:spPr>
+        <p:txBody>
+          <a:bodyPr/>
+          <a:lstStyle/>
+          <a:p>
+            <a:fld id="{86CB4B4D-7CA3-9044-876B-883B54F8677D}" type="slidenum">
+              <a:t>‹#›</a:t>
+            </a:fld>
+            <a:endParaRPr/>
+          </a:p>
+        </p:txBody>
+      </p:sp>
+    </p:spTree>
+  </p:cSld>
+  <p:clrMapOvr>
+    <a:masterClrMapping/>
+  </p:clrMapOvr>
+  <p:transition spd="med"/>
+</p:sldLayout>
+</file>
+
+<file path=ppt/slideLayouts/slideLayout10.xml><?xml version="1.0" encoding="utf-8"?>
+<p:sldLayout xmlns:a="http://schemas.openxmlformats.org/drawingml/2006/main" xmlns:r="http://schemas.openxmlformats.org/officeDocument/2006/relationships" xmlns:p="http://schemas.openxmlformats.org/presentationml/2006/main" type="tx">
+  <p:cSld name="Заголовок и пункты">
+    <p:spTree>
+      <p:nvGrpSpPr>
+        <p:cNvPr id="1" name=""/>
+        <p:cNvGrpSpPr/>
+        <p:nvPr/>
+      </p:nvGrpSpPr>
+      <p:grpSpPr>
+        <a:xfrm>
+          <a:off x="0" y="0"/>
+          <a:ext cx="0" cy="0"/>
+          <a:chOff x="0" y="0"/>
+          <a:chExt cx="0" cy="0"/>
+        </a:xfrm>
+      </p:grpSpPr>
+      <p:sp>
+        <p:nvSpPr>
+          <p:cNvPr id="102" name="Body Level One…"/>
+          <p:cNvSpPr txBox="1">
+            <a:spLocks noGrp="1"/>
+          </p:cNvSpPr>
+          <p:nvPr>
+            <p:ph type="body" sz="quarter" idx="1" hasCustomPrompt="1"/>
+          </p:nvPr>
+        </p:nvSpPr>
+        <p:spPr>
+          <a:xfrm>
+            <a:off x="1301439" y="4698119"/>
+            <a:ext cx="5271122" cy="2768204"/>
+          </a:xfrm>
+          <a:prstGeom prst="rect">
+            <a:avLst/>
+          </a:prstGeom>
+        </p:spPr>
+        <p:txBody>
+          <a:bodyPr lIns="23068" tIns="23068" rIns="23068" bIns="23068"/>
+          <a:lstStyle>
+            <a:lvl1pPr marL="190500" indent="-190500" defTabSz="1980021">
+              <a:lnSpc>
+                <a:spcPct val="110000"/>
+              </a:lnSpc>
+              <a:spcBef>
+                <a:spcPts val="3600"/>
+              </a:spcBef>
+              <a:buSzPct val="123000"/>
+              <a:buFontTx/>
+              <a:defRPr sz="1500">
+                <a:latin typeface="+mn-lt"/>
+                <a:ea typeface="+mn-ea"/>
+                <a:cs typeface="+mn-cs"/>
+                <a:sym typeface="Helvetica"/>
+              </a:defRPr>
+            </a:lvl1pPr>
+            <a:lvl2pPr marL="571500" indent="-190500" defTabSz="1980021">
+              <a:lnSpc>
+                <a:spcPct val="110000"/>
+              </a:lnSpc>
+              <a:spcBef>
+                <a:spcPts val="3600"/>
+              </a:spcBef>
+              <a:buSzPct val="123000"/>
+              <a:buFontTx/>
+              <a:defRPr sz="1500">
+                <a:latin typeface="+mn-lt"/>
+                <a:ea typeface="+mn-ea"/>
+                <a:cs typeface="+mn-cs"/>
+                <a:sym typeface="Helvetica"/>
+              </a:defRPr>
+            </a:lvl2pPr>
+            <a:lvl3pPr marL="952500" indent="-190500" defTabSz="1980021">
+              <a:lnSpc>
+                <a:spcPct val="110000"/>
+              </a:lnSpc>
+              <a:spcBef>
+                <a:spcPts val="3600"/>
+              </a:spcBef>
+              <a:buSzPct val="123000"/>
+              <a:buFontTx/>
+              <a:defRPr sz="1500">
+                <a:latin typeface="+mn-lt"/>
+                <a:ea typeface="+mn-ea"/>
+                <a:cs typeface="+mn-cs"/>
+                <a:sym typeface="Helvetica"/>
+              </a:defRPr>
+            </a:lvl3pPr>
+            <a:lvl4pPr marL="1333500" indent="-190500" defTabSz="1980021">
+              <a:lnSpc>
+                <a:spcPct val="110000"/>
+              </a:lnSpc>
+              <a:spcBef>
+                <a:spcPts val="3600"/>
+              </a:spcBef>
+              <a:buSzPct val="123000"/>
+              <a:buFontTx/>
+              <a:defRPr sz="1500">
+                <a:latin typeface="+mn-lt"/>
+                <a:ea typeface="+mn-ea"/>
+                <a:cs typeface="+mn-cs"/>
+                <a:sym typeface="Helvetica"/>
+              </a:defRPr>
+            </a:lvl4pPr>
+            <a:lvl5pPr marL="1714500" indent="-190500" defTabSz="1980021">
+              <a:lnSpc>
+                <a:spcPct val="110000"/>
+              </a:lnSpc>
+              <a:spcBef>
+                <a:spcPts val="3600"/>
+              </a:spcBef>
+              <a:buSzPct val="123000"/>
+              <a:buFontTx/>
+              <a:defRPr sz="1500">
+                <a:latin typeface="+mn-lt"/>
+                <a:ea typeface="+mn-ea"/>
+                <a:cs typeface="+mn-cs"/>
+                <a:sym typeface="Helvetica"/>
+              </a:defRPr>
+            </a:lvl5pPr>
+          </a:lstStyle>
+          <a:p>
+            <a:r>
+              <a:t>Текст пункта на слайде</a:t>
+            </a:r>
+          </a:p>
+          <a:p>
+            <a:pPr lvl="1"/>
+            <a:endParaRPr/>
+          </a:p>
+          <a:p>
+            <a:pPr lvl="2"/>
+            <a:endParaRPr/>
+          </a:p>
+          <a:p>
+            <a:pPr lvl="3"/>
+            <a:endParaRPr/>
+          </a:p>
+          <a:p>
+            <a:pPr lvl="4"/>
+            <a:endParaRPr/>
+          </a:p>
+        </p:txBody>
+      </p:sp>
+      <p:sp>
+        <p:nvSpPr>
+          <p:cNvPr id="103" name="Подзаголовок слайда"/>
+          <p:cNvSpPr txBox="1">
+            <a:spLocks noGrp="1"/>
+          </p:cNvSpPr>
+          <p:nvPr>
+            <p:ph type="body" sz="quarter" idx="21" hasCustomPrompt="1"/>
+          </p:nvPr>
+        </p:nvSpPr>
+        <p:spPr>
+          <a:xfrm>
+            <a:off x="1301439" y="3996022"/>
+            <a:ext cx="5271122" cy="305067"/>
+          </a:xfrm>
+          <a:prstGeom prst="rect">
+            <a:avLst/>
+          </a:prstGeom>
+          <a:ln w="3175"/>
+        </p:spPr>
+        <p:txBody>
+          <a:bodyPr lIns="23068" tIns="23068" rIns="23068" bIns="23068"/>
+          <a:lstStyle>
+            <a:lvl1pPr marL="0" indent="0" defTabSz="315058">
+              <a:lnSpc>
+                <a:spcPct val="100000"/>
+              </a:lnSpc>
+              <a:spcBef>
+                <a:spcPts val="0"/>
+              </a:spcBef>
+              <a:buSzTx/>
+              <a:buFontTx/>
+              <a:buNone/>
+              <a:defRPr sz="1692" b="1">
+                <a:latin typeface="Helvetica Neue"/>
+                <a:ea typeface="Helvetica Neue"/>
+                <a:cs typeface="Helvetica Neue"/>
+                <a:sym typeface="Helvetica Neue"/>
+              </a:defRPr>
+            </a:lvl1pPr>
+          </a:lstStyle>
+          <a:p>
+            <a:r>
+              <a:t>Подзаголовок слайда</a:t>
+            </a:r>
+          </a:p>
+        </p:txBody>
+      </p:sp>
+      <p:sp>
+        <p:nvSpPr>
+          <p:cNvPr id="104" name="Заголовок слайда"/>
+          <p:cNvSpPr txBox="1">
+            <a:spLocks noGrp="1"/>
+          </p:cNvSpPr>
+          <p:nvPr>
+            <p:ph type="title" hasCustomPrompt="1"/>
+          </p:nvPr>
+        </p:nvSpPr>
+        <p:spPr>
+          <a:xfrm>
+            <a:off x="1301439" y="3554313"/>
+            <a:ext cx="5271122" cy="461368"/>
+          </a:xfrm>
+          <a:prstGeom prst="rect">
+            <a:avLst/>
+          </a:prstGeom>
+        </p:spPr>
+        <p:txBody>
+          <a:bodyPr lIns="23068" tIns="23068" rIns="23068" bIns="23068" anchor="t"/>
+          <a:lstStyle>
+            <a:lvl1pPr defTabSz="1980021">
+              <a:lnSpc>
+                <a:spcPct val="80000"/>
+              </a:lnSpc>
+              <a:defRPr sz="6200" b="1" spc="-124">
+                <a:latin typeface="Helvetica Neue"/>
+                <a:ea typeface="Helvetica Neue"/>
+                <a:cs typeface="Helvetica Neue"/>
+                <a:sym typeface="Helvetica Neue"/>
+              </a:defRPr>
+            </a:lvl1pPr>
+          </a:lstStyle>
+          <a:p>
+            <a:r>
+              <a:t>Заголовок слайда</a:t>
+            </a:r>
+          </a:p>
+        </p:txBody>
+      </p:sp>
+      <p:sp>
+        <p:nvSpPr>
+          <p:cNvPr id="105" name="01"/>
+          <p:cNvSpPr txBox="1">
+            <a:spLocks noGrp="1"/>
+          </p:cNvSpPr>
+          <p:nvPr>
+            <p:ph type="sldNum" sz="quarter" idx="2"/>
+          </p:nvPr>
+        </p:nvSpPr>
+        <p:spPr>
+          <a:xfrm>
+            <a:off x="3821309" y="7452169"/>
+            <a:ext cx="228306" cy="219670"/>
+          </a:xfrm>
+          <a:prstGeom prst="rect">
+            <a:avLst/>
+          </a:prstGeom>
+        </p:spPr>
+        <p:txBody>
+          <a:bodyPr lIns="23068" tIns="23068" rIns="23068" bIns="23068" anchor="b"/>
+          <a:lstStyle>
+            <a:lvl1pPr algn="ctr" defTabSz="667113">
+              <a:defRPr sz="1200">
+                <a:solidFill>
+                  <a:srgbClr val="000000"/>
+                </a:solidFill>
+                <a:latin typeface="Helvetica Neue"/>
+                <a:ea typeface="Helvetica Neue"/>
+                <a:cs typeface="Helvetica Neue"/>
+                <a:sym typeface="Helvetica Neue"/>
+              </a:defRPr>
+            </a:lvl1pPr>
+          </a:lstStyle>
+          <a:p>
+            <a:fld id="{86CB4B4D-7CA3-9044-876B-883B54F8677D}" type="slidenum">
+              <a:t>‹#›</a:t>
+            </a:fld>
+            <a:endParaRPr/>
+          </a:p>
+        </p:txBody>
+      </p:sp>
+    </p:spTree>
+  </p:cSld>
+  <p:clrMapOvr>
+    <a:masterClrMapping/>
+  </p:clrMapOvr>
+  <p:transition spd="med"/>
+</p:sldLayout>
+</file>
+
+<file path=ppt/slideLayouts/slideLayout2.xml><?xml version="1.0" encoding="utf-8"?>
+<p:sldLayout xmlns:a="http://schemas.openxmlformats.org/drawingml/2006/main" xmlns:r="http://schemas.openxmlformats.org/officeDocument/2006/relationships" xmlns:p="http://schemas.openxmlformats.org/presentationml/2006/main" type="tx">
   <p:cSld name="Заголовок раздела">
     <p:spTree>
       <p:nvGrpSpPr>
@@ -493,7 +897,7 @@
       </p:grpSpPr>
       <p:sp>
         <p:nvSpPr>
-          <p:cNvPr id="29" name="Текст заголовка"/>
+          <p:cNvPr id="29" name="Title Text"/>
           <p:cNvSpPr txBox="1">
             <a:spLocks noGrp="1"/>
           </p:cNvSpPr>
@@ -519,14 +923,14 @@
           </a:lstStyle>
           <a:p>
             <a:r>
-              <a:t>Текст заголовка</a:t>
-            </a:r>
-          </a:p>
-        </p:txBody>
-      </p:sp>
-      <p:sp>
-        <p:nvSpPr>
-          <p:cNvPr id="30" name="Уровень текста 1…"/>
+              <a:t>Title Text</a:t>
+            </a:r>
+          </a:p>
+        </p:txBody>
+      </p:sp>
+      <p:sp>
+        <p:nvSpPr>
+          <p:cNvPr id="30" name="Body Level One…"/>
           <p:cNvSpPr txBox="1">
             <a:spLocks noGrp="1"/>
           </p:cNvSpPr>
@@ -579,38 +983,38 @@
           </a:lstStyle>
           <a:p>
             <a:r>
-              <a:t>Уровень текста 1</a:t>
+              <a:t>Body Level One</a:t>
             </a:r>
           </a:p>
           <a:p>
             <a:pPr lvl="1"/>
             <a:r>
-              <a:t>Уровень текста 2</a:t>
+              <a:t>Body Level Two</a:t>
             </a:r>
           </a:p>
           <a:p>
             <a:pPr lvl="2"/>
             <a:r>
-              <a:t>Уровень текста 3</a:t>
+              <a:t>Body Level Three</a:t>
             </a:r>
           </a:p>
           <a:p>
             <a:pPr lvl="3"/>
             <a:r>
-              <a:t>Уровень текста 4</a:t>
+              <a:t>Body Level Four</a:t>
             </a:r>
           </a:p>
           <a:p>
             <a:pPr lvl="4"/>
             <a:r>
-              <a:t>Уровень текста 5</a:t>
-            </a:r>
-          </a:p>
-        </p:txBody>
-      </p:sp>
-      <p:sp>
-        <p:nvSpPr>
-          <p:cNvPr id="31" name="Номер слайда"/>
+              <a:t>Body Level Five</a:t>
+            </a:r>
+          </a:p>
+        </p:txBody>
+      </p:sp>
+      <p:sp>
+        <p:nvSpPr>
+          <p:cNvPr id="31" name="01"/>
           <p:cNvSpPr txBox="1">
             <a:spLocks noGrp="1"/>
           </p:cNvSpPr>
@@ -643,7 +1047,7 @@
 </p:sldLayout>
 </file>
 
-<file path=ppt/slideLayouts/slideLayout2.xml><?xml version="1.0" encoding="utf-8"?>
+<file path=ppt/slideLayouts/slideLayout3.xml><?xml version="1.0" encoding="utf-8"?>
 <p:sldLayout xmlns:a="http://schemas.openxmlformats.org/drawingml/2006/main" xmlns:r="http://schemas.openxmlformats.org/officeDocument/2006/relationships" xmlns:p="http://schemas.openxmlformats.org/presentationml/2006/main" type="tx">
   <p:cSld name="Два объекта">
     <p:spTree>
@@ -662,7 +1066,7 @@
       </p:grpSpPr>
       <p:sp>
         <p:nvSpPr>
-          <p:cNvPr id="38" name="Текст заголовка"/>
+          <p:cNvPr id="38" name="Title Text"/>
           <p:cNvSpPr txBox="1">
             <a:spLocks noGrp="1"/>
           </p:cNvSpPr>
@@ -680,14 +1084,14 @@
           <a:lstStyle/>
           <a:p>
             <a:r>
-              <a:t>Текст заголовка</a:t>
-            </a:r>
-          </a:p>
-        </p:txBody>
-      </p:sp>
-      <p:sp>
-        <p:nvSpPr>
-          <p:cNvPr id="39" name="Уровень текста 1…"/>
+              <a:t>Title Text</a:t>
+            </a:r>
+          </a:p>
+        </p:txBody>
+      </p:sp>
+      <p:sp>
+        <p:nvSpPr>
+          <p:cNvPr id="39" name="Body Level One…"/>
           <p:cNvSpPr txBox="1">
             <a:spLocks noGrp="1"/>
           </p:cNvSpPr>
@@ -709,38 +1113,38 @@
           <a:lstStyle/>
           <a:p>
             <a:r>
-              <a:t>Уровень текста 1</a:t>
+              <a:t>Body Level One</a:t>
             </a:r>
           </a:p>
           <a:p>
             <a:pPr lvl="1"/>
             <a:r>
-              <a:t>Уровень текста 2</a:t>
+              <a:t>Body Level Two</a:t>
             </a:r>
           </a:p>
           <a:p>
             <a:pPr lvl="2"/>
             <a:r>
-              <a:t>Уровень текста 3</a:t>
+              <a:t>Body Level Three</a:t>
             </a:r>
           </a:p>
           <a:p>
             <a:pPr lvl="3"/>
             <a:r>
-              <a:t>Уровень текста 4</a:t>
+              <a:t>Body Level Four</a:t>
             </a:r>
           </a:p>
           <a:p>
             <a:pPr lvl="4"/>
             <a:r>
-              <a:t>Уровень текста 5</a:t>
-            </a:r>
-          </a:p>
-        </p:txBody>
-      </p:sp>
-      <p:sp>
-        <p:nvSpPr>
-          <p:cNvPr id="40" name="Номер слайда"/>
+              <a:t>Body Level Five</a:t>
+            </a:r>
+          </a:p>
+        </p:txBody>
+      </p:sp>
+      <p:sp>
+        <p:nvSpPr>
+          <p:cNvPr id="40" name="01"/>
           <p:cNvSpPr txBox="1">
             <a:spLocks noGrp="1"/>
           </p:cNvSpPr>
@@ -773,7 +1177,7 @@
 </p:sldLayout>
 </file>
 
-<file path=ppt/slideLayouts/slideLayout3.xml><?xml version="1.0" encoding="utf-8"?>
+<file path=ppt/slideLayouts/slideLayout4.xml><?xml version="1.0" encoding="utf-8"?>
 <p:sldLayout xmlns:a="http://schemas.openxmlformats.org/drawingml/2006/main" xmlns:r="http://schemas.openxmlformats.org/officeDocument/2006/relationships" xmlns:p="http://schemas.openxmlformats.org/presentationml/2006/main" type="tx">
   <p:cSld name="Сравнение">
     <p:spTree>
@@ -792,7 +1196,7 @@
       </p:grpSpPr>
       <p:sp>
         <p:nvSpPr>
-          <p:cNvPr id="47" name="Текст заголовка"/>
+          <p:cNvPr id="47" name="Title Text"/>
           <p:cNvSpPr txBox="1">
             <a:spLocks noGrp="1"/>
           </p:cNvSpPr>
@@ -814,14 +1218,14 @@
           <a:lstStyle/>
           <a:p>
             <a:r>
-              <a:t>Текст заголовка</a:t>
-            </a:r>
-          </a:p>
-        </p:txBody>
-      </p:sp>
-      <p:sp>
-        <p:nvSpPr>
-          <p:cNvPr id="48" name="Уровень текста 1…"/>
+              <a:t>Title Text</a:t>
+            </a:r>
+          </a:p>
+        </p:txBody>
+      </p:sp>
+      <p:sp>
+        <p:nvSpPr>
+          <p:cNvPr id="48" name="Body Level One…"/>
           <p:cNvSpPr txBox="1">
             <a:spLocks noGrp="1"/>
           </p:cNvSpPr>
@@ -874,31 +1278,31 @@
           </a:lstStyle>
           <a:p>
             <a:r>
-              <a:t>Уровень текста 1</a:t>
+              <a:t>Body Level One</a:t>
             </a:r>
           </a:p>
           <a:p>
             <a:pPr lvl="1"/>
             <a:r>
-              <a:t>Уровень текста 2</a:t>
+              <a:t>Body Level Two</a:t>
             </a:r>
           </a:p>
           <a:p>
             <a:pPr lvl="2"/>
             <a:r>
-              <a:t>Уровень текста 3</a:t>
+              <a:t>Body Level Three</a:t>
             </a:r>
           </a:p>
           <a:p>
             <a:pPr lvl="3"/>
             <a:r>
-              <a:t>Уровень текста 4</a:t>
+              <a:t>Body Level Four</a:t>
             </a:r>
           </a:p>
           <a:p>
             <a:pPr lvl="4"/>
             <a:r>
-              <a:t>Уровень текста 5</a:t>
+              <a:t>Body Level Five</a:t>
             </a:r>
           </a:p>
         </p:txBody>
@@ -938,7 +1342,7 @@
       </p:sp>
       <p:sp>
         <p:nvSpPr>
-          <p:cNvPr id="50" name="Номер слайда"/>
+          <p:cNvPr id="50" name="01"/>
           <p:cNvSpPr txBox="1">
             <a:spLocks noGrp="1"/>
           </p:cNvSpPr>
@@ -971,7 +1375,7 @@
 </p:sldLayout>
 </file>
 
-<file path=ppt/slideLayouts/slideLayout4.xml><?xml version="1.0" encoding="utf-8"?>
+<file path=ppt/slideLayouts/slideLayout5.xml><?xml version="1.0" encoding="utf-8"?>
 <p:sldLayout xmlns:a="http://schemas.openxmlformats.org/drawingml/2006/main" xmlns:r="http://schemas.openxmlformats.org/officeDocument/2006/relationships" xmlns:p="http://schemas.openxmlformats.org/presentationml/2006/main" type="tx">
   <p:cSld name="Только заголовок">
     <p:spTree>
@@ -990,7 +1394,7 @@
       </p:grpSpPr>
       <p:sp>
         <p:nvSpPr>
-          <p:cNvPr id="57" name="Текст заголовка"/>
+          <p:cNvPr id="57" name="Title Text"/>
           <p:cNvSpPr txBox="1">
             <a:spLocks noGrp="1"/>
           </p:cNvSpPr>
@@ -1008,14 +1412,14 @@
           <a:lstStyle/>
           <a:p>
             <a:r>
-              <a:t>Текст заголовка</a:t>
-            </a:r>
-          </a:p>
-        </p:txBody>
-      </p:sp>
-      <p:sp>
-        <p:nvSpPr>
-          <p:cNvPr id="58" name="Номер слайда"/>
+              <a:t>Title Text</a:t>
+            </a:r>
+          </a:p>
+        </p:txBody>
+      </p:sp>
+      <p:sp>
+        <p:nvSpPr>
+          <p:cNvPr id="58" name="01"/>
           <p:cNvSpPr txBox="1">
             <a:spLocks noGrp="1"/>
           </p:cNvSpPr>
@@ -1048,7 +1452,7 @@
 </p:sldLayout>
 </file>
 
-<file path=ppt/slideLayouts/slideLayout5.xml><?xml version="1.0" encoding="utf-8"?>
+<file path=ppt/slideLayouts/slideLayout6.xml><?xml version="1.0" encoding="utf-8"?>
 <p:sldLayout xmlns:a="http://schemas.openxmlformats.org/drawingml/2006/main" xmlns:r="http://schemas.openxmlformats.org/officeDocument/2006/relationships" xmlns:p="http://schemas.openxmlformats.org/presentationml/2006/main" type="tx">
   <p:cSld name="Пустой слайд">
     <p:spTree>
@@ -1067,7 +1471,7 @@
       </p:grpSpPr>
       <p:sp>
         <p:nvSpPr>
-          <p:cNvPr id="65" name="Номер слайда"/>
+          <p:cNvPr id="65" name="01"/>
           <p:cNvSpPr txBox="1">
             <a:spLocks noGrp="1"/>
           </p:cNvSpPr>
@@ -1100,7 +1504,7 @@
 </p:sldLayout>
 </file>
 
-<file path=ppt/slideLayouts/slideLayout6.xml><?xml version="1.0" encoding="utf-8"?>
+<file path=ppt/slideLayouts/slideLayout7.xml><?xml version="1.0" encoding="utf-8"?>
 <p:sldLayout xmlns:a="http://schemas.openxmlformats.org/drawingml/2006/main" xmlns:r="http://schemas.openxmlformats.org/officeDocument/2006/relationships" xmlns:p="http://schemas.openxmlformats.org/presentationml/2006/main" type="tx">
   <p:cSld name="Объект с подписью">
     <p:spTree>
@@ -1119,7 +1523,7 @@
       </p:grpSpPr>
       <p:sp>
         <p:nvSpPr>
-          <p:cNvPr id="72" name="Текст заголовка"/>
+          <p:cNvPr id="72" name="Title Text"/>
           <p:cNvSpPr txBox="1">
             <a:spLocks noGrp="1"/>
           </p:cNvSpPr>
@@ -1145,14 +1549,14 @@
           </a:lstStyle>
           <a:p>
             <a:r>
-              <a:t>Текст заголовка</a:t>
-            </a:r>
-          </a:p>
-        </p:txBody>
-      </p:sp>
-      <p:sp>
-        <p:nvSpPr>
-          <p:cNvPr id="73" name="Уровень текста 1…"/>
+              <a:t>Title Text</a:t>
+            </a:r>
+          </a:p>
+        </p:txBody>
+      </p:sp>
+      <p:sp>
+        <p:nvSpPr>
+          <p:cNvPr id="73" name="Body Level One…"/>
           <p:cNvSpPr txBox="1">
             <a:spLocks noGrp="1"/>
           </p:cNvSpPr>
@@ -1190,31 +1594,31 @@
           </a:lstStyle>
           <a:p>
             <a:r>
-              <a:t>Уровень текста 1</a:t>
+              <a:t>Body Level One</a:t>
             </a:r>
           </a:p>
           <a:p>
             <a:pPr lvl="1"/>
             <a:r>
-              <a:t>Уровень текста 2</a:t>
+              <a:t>Body Level Two</a:t>
             </a:r>
           </a:p>
           <a:p>
             <a:pPr lvl="2"/>
             <a:r>
-              <a:t>Уровень текста 3</a:t>
+              <a:t>Body Level Three</a:t>
             </a:r>
           </a:p>
           <a:p>
             <a:pPr lvl="3"/>
             <a:r>
-              <a:t>Уровень текста 4</a:t>
+              <a:t>Body Level Four</a:t>
             </a:r>
           </a:p>
           <a:p>
             <a:pPr lvl="4"/>
             <a:r>
-              <a:t>Уровень текста 5</a:t>
+              <a:t>Body Level Five</a:t>
             </a:r>
           </a:p>
         </p:txBody>
@@ -1254,7 +1658,7 @@
       </p:sp>
       <p:sp>
         <p:nvSpPr>
-          <p:cNvPr id="75" name="Номер слайда"/>
+          <p:cNvPr id="75" name="01"/>
           <p:cNvSpPr txBox="1">
             <a:spLocks noGrp="1"/>
           </p:cNvSpPr>
@@ -1287,7 +1691,7 @@
 </p:sldLayout>
 </file>
 
-<file path=ppt/slideLayouts/slideLayout7.xml><?xml version="1.0" encoding="utf-8"?>
+<file path=ppt/slideLayouts/slideLayout8.xml><?xml version="1.0" encoding="utf-8"?>
 <p:sldLayout xmlns:a="http://schemas.openxmlformats.org/drawingml/2006/main" xmlns:r="http://schemas.openxmlformats.org/officeDocument/2006/relationships" xmlns:p="http://schemas.openxmlformats.org/presentationml/2006/main" type="tx">
   <p:cSld name="Рисунок с подписью">
     <p:spTree>
@@ -1306,7 +1710,7 @@
       </p:grpSpPr>
       <p:sp>
         <p:nvSpPr>
-          <p:cNvPr id="82" name="Текст заголовка"/>
+          <p:cNvPr id="82" name="Title Text"/>
           <p:cNvSpPr txBox="1">
             <a:spLocks noGrp="1"/>
           </p:cNvSpPr>
@@ -1332,7 +1736,7 @@
           </a:lstStyle>
           <a:p>
             <a:r>
-              <a:t>Текст заголовка</a:t>
+              <a:t>Title Text</a:t>
             </a:r>
           </a:p>
         </p:txBody>
@@ -1368,7 +1772,7 @@
       </p:sp>
       <p:sp>
         <p:nvSpPr>
-          <p:cNvPr id="84" name="Уровень текста 1…"/>
+          <p:cNvPr id="84" name="Body Level One…"/>
           <p:cNvSpPr txBox="1">
             <a:spLocks noGrp="1"/>
           </p:cNvSpPr>
@@ -1421,38 +1825,38 @@
           </a:lstStyle>
           <a:p>
             <a:r>
-              <a:t>Уровень текста 1</a:t>
+              <a:t>Body Level One</a:t>
             </a:r>
           </a:p>
           <a:p>
             <a:pPr lvl="1"/>
             <a:r>
-              <a:t>Уровень текста 2</a:t>
+              <a:t>Body Level Two</a:t>
             </a:r>
           </a:p>
           <a:p>
             <a:pPr lvl="2"/>
             <a:r>
-              <a:t>Уровень текста 3</a:t>
+              <a:t>Body Level Three</a:t>
             </a:r>
           </a:p>
           <a:p>
             <a:pPr lvl="3"/>
             <a:r>
-              <a:t>Уровень текста 4</a:t>
+              <a:t>Body Level Four</a:t>
             </a:r>
           </a:p>
           <a:p>
             <a:pPr lvl="4"/>
             <a:r>
-              <a:t>Уровень текста 5</a:t>
-            </a:r>
-          </a:p>
-        </p:txBody>
-      </p:sp>
-      <p:sp>
-        <p:nvSpPr>
-          <p:cNvPr id="85" name="Номер слайда"/>
+              <a:t>Body Level Five</a:t>
+            </a:r>
+          </a:p>
+        </p:txBody>
+      </p:sp>
+      <p:sp>
+        <p:nvSpPr>
+          <p:cNvPr id="85" name="01"/>
           <p:cNvSpPr txBox="1">
             <a:spLocks noGrp="1"/>
           </p:cNvSpPr>
@@ -1468,289 +1872,6 @@
         <p:txBody>
           <a:bodyPr/>
           <a:lstStyle/>
-          <a:p>
-            <a:fld id="{86CB4B4D-7CA3-9044-876B-883B54F8677D}" type="slidenum">
-              <a:t>‹#›</a:t>
-            </a:fld>
-            <a:endParaRPr/>
-          </a:p>
-        </p:txBody>
-      </p:sp>
-    </p:spTree>
-  </p:cSld>
-  <p:clrMapOvr>
-    <a:masterClrMapping/>
-  </p:clrMapOvr>
-  <p:transition spd="med"/>
-</p:sldLayout>
-</file>
-
-<file path=ppt/slideLayouts/slideLayout8.xml><?xml version="1.0" encoding="utf-8"?>
-<p:sldLayout xmlns:a="http://schemas.openxmlformats.org/drawingml/2006/main" xmlns:r="http://schemas.openxmlformats.org/officeDocument/2006/relationships" xmlns:p="http://schemas.openxmlformats.org/presentationml/2006/main" type="tx">
-  <p:cSld name="Заголовок и пункты">
-    <p:spTree>
-      <p:nvGrpSpPr>
-        <p:cNvPr id="1" name=""/>
-        <p:cNvGrpSpPr/>
-        <p:nvPr/>
-      </p:nvGrpSpPr>
-      <p:grpSpPr>
-        <a:xfrm>
-          <a:off x="0" y="0"/>
-          <a:ext cx="0" cy="0"/>
-          <a:chOff x="0" y="0"/>
-          <a:chExt cx="0" cy="0"/>
-        </a:xfrm>
-      </p:grpSpPr>
-      <p:sp>
-        <p:nvSpPr>
-          <p:cNvPr id="92" name="Уровень текста 1…"/>
-          <p:cNvSpPr txBox="1">
-            <a:spLocks noGrp="1"/>
-          </p:cNvSpPr>
-          <p:nvPr>
-            <p:ph type="body" sz="quarter" idx="1" hasCustomPrompt="1"/>
-          </p:nvPr>
-        </p:nvSpPr>
-        <p:spPr>
-          <a:xfrm>
-            <a:off x="1356047" y="4716162"/>
-            <a:ext cx="5161906" cy="2710848"/>
-          </a:xfrm>
-          <a:prstGeom prst="rect">
-            <a:avLst/>
-          </a:prstGeom>
-        </p:spPr>
-        <p:txBody>
-          <a:bodyPr lIns="22590" tIns="22590" rIns="22590" bIns="22590"/>
-          <a:lstStyle>
-            <a:lvl1pPr marL="152400" indent="-152400" defTabSz="1980021">
-              <a:lnSpc>
-                <a:spcPct val="110000"/>
-              </a:lnSpc>
-              <a:spcBef>
-                <a:spcPts val="3600"/>
-              </a:spcBef>
-              <a:buSzPct val="123000"/>
-              <a:buFontTx/>
-              <a:defRPr sz="1200">
-                <a:latin typeface="Roboto Light"/>
-                <a:ea typeface="Roboto Light"/>
-                <a:cs typeface="Roboto Light"/>
-                <a:sym typeface="Roboto Light"/>
-              </a:defRPr>
-            </a:lvl1pPr>
-            <a:lvl2pPr marL="533400" indent="-152400" defTabSz="1980021">
-              <a:lnSpc>
-                <a:spcPct val="110000"/>
-              </a:lnSpc>
-              <a:spcBef>
-                <a:spcPts val="3600"/>
-              </a:spcBef>
-              <a:buSzPct val="123000"/>
-              <a:buFontTx/>
-              <a:defRPr sz="1200">
-                <a:latin typeface="Roboto Light"/>
-                <a:ea typeface="Roboto Light"/>
-                <a:cs typeface="Roboto Light"/>
-                <a:sym typeface="Roboto Light"/>
-              </a:defRPr>
-            </a:lvl2pPr>
-            <a:lvl3pPr marL="914400" indent="-152400" defTabSz="1980021">
-              <a:lnSpc>
-                <a:spcPct val="110000"/>
-              </a:lnSpc>
-              <a:spcBef>
-                <a:spcPts val="3600"/>
-              </a:spcBef>
-              <a:buSzPct val="123000"/>
-              <a:buFontTx/>
-              <a:defRPr sz="1200">
-                <a:latin typeface="Roboto Light"/>
-                <a:ea typeface="Roboto Light"/>
-                <a:cs typeface="Roboto Light"/>
-                <a:sym typeface="Roboto Light"/>
-              </a:defRPr>
-            </a:lvl3pPr>
-            <a:lvl4pPr marL="1295400" indent="-152400" defTabSz="1980021">
-              <a:lnSpc>
-                <a:spcPct val="110000"/>
-              </a:lnSpc>
-              <a:spcBef>
-                <a:spcPts val="3600"/>
-              </a:spcBef>
-              <a:buSzPct val="123000"/>
-              <a:buFontTx/>
-              <a:defRPr sz="1200">
-                <a:latin typeface="Roboto Light"/>
-                <a:ea typeface="Roboto Light"/>
-                <a:cs typeface="Roboto Light"/>
-                <a:sym typeface="Roboto Light"/>
-              </a:defRPr>
-            </a:lvl4pPr>
-            <a:lvl5pPr marL="1676400" indent="-152400" defTabSz="1980021">
-              <a:lnSpc>
-                <a:spcPct val="110000"/>
-              </a:lnSpc>
-              <a:spcBef>
-                <a:spcPts val="3600"/>
-              </a:spcBef>
-              <a:buSzPct val="123000"/>
-              <a:buFontTx/>
-              <a:defRPr sz="1200">
-                <a:latin typeface="Roboto Light"/>
-                <a:ea typeface="Roboto Light"/>
-                <a:cs typeface="Roboto Light"/>
-                <a:sym typeface="Roboto Light"/>
-              </a:defRPr>
-            </a:lvl5pPr>
-          </a:lstStyle>
-          <a:p>
-            <a:r>
-              <a:t>Текст пункта на слайде</a:t>
-            </a:r>
-          </a:p>
-          <a:p>
-            <a:pPr lvl="1"/>
-            <a:endParaRPr/>
-          </a:p>
-          <a:p>
-            <a:pPr lvl="2"/>
-            <a:endParaRPr/>
-          </a:p>
-          <a:p>
-            <a:pPr lvl="3"/>
-            <a:endParaRPr/>
-          </a:p>
-          <a:p>
-            <a:pPr lvl="4"/>
-            <a:endParaRPr/>
-          </a:p>
-        </p:txBody>
-      </p:sp>
-      <p:sp>
-        <p:nvSpPr>
-          <p:cNvPr id="93" name="Подзаголовок слайда"/>
-          <p:cNvSpPr txBox="1">
-            <a:spLocks noGrp="1"/>
-          </p:cNvSpPr>
-          <p:nvPr>
-            <p:ph type="body" sz="quarter" idx="21" hasCustomPrompt="1"/>
-          </p:nvPr>
-        </p:nvSpPr>
-        <p:spPr>
-          <a:xfrm>
-            <a:off x="1356047" y="4028613"/>
-            <a:ext cx="5161906" cy="298746"/>
-          </a:xfrm>
-          <a:prstGeom prst="rect">
-            <a:avLst/>
-          </a:prstGeom>
-          <a:ln w="3175"/>
-        </p:spPr>
-        <p:txBody>
-          <a:bodyPr lIns="22590" tIns="22590" rIns="22590" bIns="22590"/>
-          <a:lstStyle>
-            <a:lvl1pPr marL="0" indent="0" defTabSz="335168">
-              <a:lnSpc>
-                <a:spcPct val="100000"/>
-              </a:lnSpc>
-              <a:spcBef>
-                <a:spcPts val="0"/>
-              </a:spcBef>
-              <a:buSzTx/>
-              <a:buFontTx/>
-              <a:buNone/>
-              <a:defRPr sz="1700" b="1">
-                <a:latin typeface="Helvetica Neue"/>
-                <a:ea typeface="Helvetica Neue"/>
-                <a:cs typeface="Helvetica Neue"/>
-                <a:sym typeface="Helvetica Neue"/>
-              </a:defRPr>
-            </a:lvl1pPr>
-          </a:lstStyle>
-          <a:p>
-            <a:r>
-              <a:t>Подзаголовок слайда</a:t>
-            </a:r>
-          </a:p>
-        </p:txBody>
-      </p:sp>
-      <p:sp>
-        <p:nvSpPr>
-          <p:cNvPr id="94" name="Заголовок слайда"/>
-          <p:cNvSpPr txBox="1">
-            <a:spLocks noGrp="1"/>
-          </p:cNvSpPr>
-          <p:nvPr>
-            <p:ph type="title" hasCustomPrompt="1"/>
-          </p:nvPr>
-        </p:nvSpPr>
-        <p:spPr>
-          <a:xfrm>
-            <a:off x="1356047" y="3596055"/>
-            <a:ext cx="5161906" cy="451809"/>
-          </a:xfrm>
-          <a:prstGeom prst="rect">
-            <a:avLst/>
-          </a:prstGeom>
-        </p:spPr>
-        <p:txBody>
-          <a:bodyPr lIns="22590" tIns="22590" rIns="22590" bIns="22590" anchor="t"/>
-          <a:lstStyle>
-            <a:lvl1pPr defTabSz="1980021">
-              <a:lnSpc>
-                <a:spcPct val="80000"/>
-              </a:lnSpc>
-              <a:defRPr sz="6000" b="1" spc="-119">
-                <a:latin typeface="Helvetica Neue"/>
-                <a:ea typeface="Helvetica Neue"/>
-                <a:cs typeface="Helvetica Neue"/>
-                <a:sym typeface="Helvetica Neue"/>
-              </a:defRPr>
-            </a:lvl1pPr>
-          </a:lstStyle>
-          <a:p>
-            <a:r>
-              <a:t>Заголовок слайда</a:t>
-            </a:r>
-          </a:p>
-        </p:txBody>
-      </p:sp>
-      <p:sp>
-        <p:nvSpPr>
-          <p:cNvPr id="95" name="Номер слайда"/>
-          <p:cNvSpPr txBox="1">
-            <a:spLocks noGrp="1"/>
-          </p:cNvSpPr>
-          <p:nvPr>
-            <p:ph type="sldNum" sz="quarter" idx="2"/>
-          </p:nvPr>
-        </p:nvSpPr>
-        <p:spPr>
-          <a:xfrm>
-            <a:off x="3828880" y="7434598"/>
-            <a:ext cx="213228" cy="193670"/>
-          </a:xfrm>
-          <a:prstGeom prst="rect">
-            <a:avLst/>
-          </a:prstGeom>
-        </p:spPr>
-        <p:txBody>
-          <a:bodyPr lIns="22590" tIns="22590" rIns="22590" bIns="22590" anchor="b"/>
-          <a:lstStyle>
-            <a:lvl1pPr algn="ctr" defTabSz="667113">
-              <a:defRPr sz="1100">
-                <a:solidFill>
-                  <a:srgbClr val="000000"/>
-                </a:solidFill>
-                <a:latin typeface="Helvetica Neue"/>
-                <a:ea typeface="Helvetica Neue"/>
-                <a:cs typeface="Helvetica Neue"/>
-                <a:sym typeface="Helvetica Neue"/>
-              </a:defRPr>
-            </a:lvl1pPr>
-          </a:lstStyle>
           <a:p>
             <a:fld id="{86CB4B4D-7CA3-9044-876B-883B54F8677D}" type="slidenum">
               <a:t>‹#›</a:t>
@@ -1787,7 +1908,7 @@
       </p:grpSpPr>
       <p:sp>
         <p:nvSpPr>
-          <p:cNvPr id="102" name="Уровень текста 1…"/>
+          <p:cNvPr id="92" name="Body Level One…"/>
           <p:cNvSpPr txBox="1">
             <a:spLocks noGrp="1"/>
           </p:cNvSpPr>
@@ -1797,17 +1918,17 @@
         </p:nvSpPr>
         <p:spPr>
           <a:xfrm>
-            <a:off x="1301439" y="4698119"/>
-            <a:ext cx="5271122" cy="2768204"/>
+            <a:off x="1356047" y="4716162"/>
+            <a:ext cx="5161906" cy="2710848"/>
           </a:xfrm>
           <a:prstGeom prst="rect">
             <a:avLst/>
           </a:prstGeom>
         </p:spPr>
         <p:txBody>
-          <a:bodyPr lIns="23068" tIns="23068" rIns="23068" bIns="23068"/>
+          <a:bodyPr lIns="22590" tIns="22590" rIns="22590" bIns="22590"/>
           <a:lstStyle>
-            <a:lvl1pPr marL="190500" indent="-190500" defTabSz="1980021">
+            <a:lvl1pPr marL="152400" indent="-152400" defTabSz="1980021">
               <a:lnSpc>
                 <a:spcPct val="110000"/>
               </a:lnSpc>
@@ -1816,14 +1937,14 @@
               </a:spcBef>
               <a:buSzPct val="123000"/>
               <a:buFontTx/>
-              <a:defRPr sz="1500">
-                <a:latin typeface="Roboto Light"/>
-                <a:ea typeface="Roboto Light"/>
-                <a:cs typeface="Roboto Light"/>
-                <a:sym typeface="Roboto Light"/>
+              <a:defRPr sz="1200">
+                <a:latin typeface="+mn-lt"/>
+                <a:ea typeface="+mn-ea"/>
+                <a:cs typeface="+mn-cs"/>
+                <a:sym typeface="Helvetica"/>
               </a:defRPr>
             </a:lvl1pPr>
-            <a:lvl2pPr marL="571500" indent="-190500" defTabSz="1980021">
+            <a:lvl2pPr marL="533400" indent="-152400" defTabSz="1980021">
               <a:lnSpc>
                 <a:spcPct val="110000"/>
               </a:lnSpc>
@@ -1832,14 +1953,14 @@
               </a:spcBef>
               <a:buSzPct val="123000"/>
               <a:buFontTx/>
-              <a:defRPr sz="1500">
-                <a:latin typeface="Roboto Light"/>
-                <a:ea typeface="Roboto Light"/>
-                <a:cs typeface="Roboto Light"/>
-                <a:sym typeface="Roboto Light"/>
+              <a:defRPr sz="1200">
+                <a:latin typeface="+mn-lt"/>
+                <a:ea typeface="+mn-ea"/>
+                <a:cs typeface="+mn-cs"/>
+                <a:sym typeface="Helvetica"/>
               </a:defRPr>
             </a:lvl2pPr>
-            <a:lvl3pPr marL="952500" indent="-190500" defTabSz="1980021">
+            <a:lvl3pPr marL="914400" indent="-152400" defTabSz="1980021">
               <a:lnSpc>
                 <a:spcPct val="110000"/>
               </a:lnSpc>
@@ -1848,14 +1969,14 @@
               </a:spcBef>
               <a:buSzPct val="123000"/>
               <a:buFontTx/>
-              <a:defRPr sz="1500">
-                <a:latin typeface="Roboto Light"/>
-                <a:ea typeface="Roboto Light"/>
-                <a:cs typeface="Roboto Light"/>
-                <a:sym typeface="Roboto Light"/>
+              <a:defRPr sz="1200">
+                <a:latin typeface="+mn-lt"/>
+                <a:ea typeface="+mn-ea"/>
+                <a:cs typeface="+mn-cs"/>
+                <a:sym typeface="Helvetica"/>
               </a:defRPr>
             </a:lvl3pPr>
-            <a:lvl4pPr marL="1333500" indent="-190500" defTabSz="1980021">
+            <a:lvl4pPr marL="1295400" indent="-152400" defTabSz="1980021">
               <a:lnSpc>
                 <a:spcPct val="110000"/>
               </a:lnSpc>
@@ -1864,14 +1985,14 @@
               </a:spcBef>
               <a:buSzPct val="123000"/>
               <a:buFontTx/>
-              <a:defRPr sz="1500">
-                <a:latin typeface="Roboto Light"/>
-                <a:ea typeface="Roboto Light"/>
-                <a:cs typeface="Roboto Light"/>
-                <a:sym typeface="Roboto Light"/>
+              <a:defRPr sz="1200">
+                <a:latin typeface="+mn-lt"/>
+                <a:ea typeface="+mn-ea"/>
+                <a:cs typeface="+mn-cs"/>
+                <a:sym typeface="Helvetica"/>
               </a:defRPr>
             </a:lvl4pPr>
-            <a:lvl5pPr marL="1714500" indent="-190500" defTabSz="1980021">
+            <a:lvl5pPr marL="1676400" indent="-152400" defTabSz="1980021">
               <a:lnSpc>
                 <a:spcPct val="110000"/>
               </a:lnSpc>
@@ -1880,11 +2001,11 @@
               </a:spcBef>
               <a:buSzPct val="123000"/>
               <a:buFontTx/>
-              <a:defRPr sz="1500">
-                <a:latin typeface="Roboto Light"/>
-                <a:ea typeface="Roboto Light"/>
-                <a:cs typeface="Roboto Light"/>
-                <a:sym typeface="Roboto Light"/>
+              <a:defRPr sz="1200">
+                <a:latin typeface="+mn-lt"/>
+                <a:ea typeface="+mn-ea"/>
+                <a:cs typeface="+mn-cs"/>
+                <a:sym typeface="Helvetica"/>
               </a:defRPr>
             </a:lvl5pPr>
           </a:lstStyle>
@@ -1913,7 +2034,7 @@
       </p:sp>
       <p:sp>
         <p:nvSpPr>
-          <p:cNvPr id="103" name="Подзаголовок слайда"/>
+          <p:cNvPr id="93" name="Подзаголовок слайда"/>
           <p:cNvSpPr txBox="1">
             <a:spLocks noGrp="1"/>
           </p:cNvSpPr>
@@ -1923,8 +2044,8 @@
         </p:nvSpPr>
         <p:spPr>
           <a:xfrm>
-            <a:off x="1301439" y="3996022"/>
-            <a:ext cx="5271122" cy="305067"/>
+            <a:off x="1356047" y="4028613"/>
+            <a:ext cx="5161906" cy="298746"/>
           </a:xfrm>
           <a:prstGeom prst="rect">
             <a:avLst/>
@@ -1932,9 +2053,9 @@
           <a:ln w="3175"/>
         </p:spPr>
         <p:txBody>
-          <a:bodyPr lIns="23068" tIns="23068" rIns="23068" bIns="23068"/>
+          <a:bodyPr lIns="22590" tIns="22590" rIns="22590" bIns="22590"/>
           <a:lstStyle>
-            <a:lvl1pPr marL="0" indent="0" defTabSz="315058">
+            <a:lvl1pPr marL="0" indent="0" defTabSz="335168">
               <a:lnSpc>
                 <a:spcPct val="100000"/>
               </a:lnSpc>
@@ -1944,7 +2065,7 @@
               <a:buSzTx/>
               <a:buFontTx/>
               <a:buNone/>
-              <a:defRPr sz="1692" b="1">
+              <a:defRPr sz="1700" b="1">
                 <a:latin typeface="Helvetica Neue"/>
                 <a:ea typeface="Helvetica Neue"/>
                 <a:cs typeface="Helvetica Neue"/>
@@ -1961,7 +2082,7 @@
       </p:sp>
       <p:sp>
         <p:nvSpPr>
-          <p:cNvPr id="104" name="Заголовок слайда"/>
+          <p:cNvPr id="94" name="Заголовок слайда"/>
           <p:cNvSpPr txBox="1">
             <a:spLocks noGrp="1"/>
           </p:cNvSpPr>
@@ -1971,21 +2092,21 @@
         </p:nvSpPr>
         <p:spPr>
           <a:xfrm>
-            <a:off x="1301439" y="3554313"/>
-            <a:ext cx="5271122" cy="461368"/>
+            <a:off x="1356047" y="3596055"/>
+            <a:ext cx="5161906" cy="451809"/>
           </a:xfrm>
           <a:prstGeom prst="rect">
             <a:avLst/>
           </a:prstGeom>
         </p:spPr>
         <p:txBody>
-          <a:bodyPr lIns="23068" tIns="23068" rIns="23068" bIns="23068" anchor="t"/>
+          <a:bodyPr lIns="22590" tIns="22590" rIns="22590" bIns="22590" anchor="t"/>
           <a:lstStyle>
             <a:lvl1pPr defTabSz="1980021">
               <a:lnSpc>
                 <a:spcPct val="80000"/>
               </a:lnSpc>
-              <a:defRPr sz="6200" b="1" spc="-124">
+              <a:defRPr sz="6000" b="1" spc="-119">
                 <a:latin typeface="Helvetica Neue"/>
                 <a:ea typeface="Helvetica Neue"/>
                 <a:cs typeface="Helvetica Neue"/>
@@ -2002,7 +2123,7 @@
       </p:sp>
       <p:sp>
         <p:nvSpPr>
-          <p:cNvPr id="105" name="Номер слайда"/>
+          <p:cNvPr id="95" name="01"/>
           <p:cNvSpPr txBox="1">
             <a:spLocks noGrp="1"/>
           </p:cNvSpPr>
@@ -2012,18 +2133,18 @@
         </p:nvSpPr>
         <p:spPr>
           <a:xfrm>
-            <a:off x="3821309" y="7452169"/>
-            <a:ext cx="228306" cy="219670"/>
+            <a:off x="3828880" y="7434598"/>
+            <a:ext cx="213228" cy="193670"/>
           </a:xfrm>
           <a:prstGeom prst="rect">
             <a:avLst/>
           </a:prstGeom>
         </p:spPr>
         <p:txBody>
-          <a:bodyPr lIns="23068" tIns="23068" rIns="23068" bIns="23068" anchor="b"/>
+          <a:bodyPr lIns="22590" tIns="22590" rIns="22590" bIns="22590" anchor="b"/>
           <a:lstStyle>
             <a:lvl1pPr algn="ctr" defTabSz="667113">
-              <a:defRPr sz="1200">
+              <a:defRPr sz="1100">
                 <a:solidFill>
                   <a:srgbClr val="000000"/>
                 </a:solidFill>
@@ -2078,7 +2199,7 @@
       </p:grpSpPr>
       <p:sp>
         <p:nvSpPr>
-          <p:cNvPr id="2" name="Текст заголовка"/>
+          <p:cNvPr id="2" name="Title Text"/>
           <p:cNvSpPr txBox="1">
             <a:spLocks noGrp="1"/>
           </p:cNvSpPr>
@@ -2099,7 +2220,7 @@
           </a:ln>
           <a:extLst>
             <a:ext uri="{C572A759-6A51-4108-AA02-DFA0A04FC94B}">
-              <ma14:wrappingTextBoxFlag xmlns="" xmlns:m="http://schemas.openxmlformats.org/officeDocument/2006/math" xmlns:a14="http://schemas.microsoft.com/office/drawing/2010/main" xmlns:ma14="http://schemas.microsoft.com/office/mac/drawingml/2011/main" val="1"/>
+              <ma14:wrappingTextBoxFlag xmlns:ma14="http://schemas.microsoft.com/office/mac/drawingml/2011/main" xmlns:a14="http://schemas.microsoft.com/office/drawing/2010/main" xmlns:m="http://schemas.openxmlformats.org/officeDocument/2006/math" xmlns="" val="1"/>
             </a:ext>
           </a:extLst>
         </p:spPr>
@@ -2110,14 +2231,14 @@
           <a:lstStyle/>
           <a:p>
             <a:r>
-              <a:t>Текст заголовка</a:t>
-            </a:r>
-          </a:p>
-        </p:txBody>
-      </p:sp>
-      <p:sp>
-        <p:nvSpPr>
-          <p:cNvPr id="3" name="Уровень текста 1…"/>
+              <a:t>Title Text</a:t>
+            </a:r>
+          </a:p>
+        </p:txBody>
+      </p:sp>
+      <p:sp>
+        <p:nvSpPr>
+          <p:cNvPr id="3" name="Body Level One…"/>
           <p:cNvSpPr txBox="1">
             <a:spLocks noGrp="1"/>
           </p:cNvSpPr>
@@ -2138,7 +2259,7 @@
           </a:ln>
           <a:extLst>
             <a:ext uri="{C572A759-6A51-4108-AA02-DFA0A04FC94B}">
-              <ma14:wrappingTextBoxFlag xmlns="" xmlns:m="http://schemas.openxmlformats.org/officeDocument/2006/math" xmlns:a14="http://schemas.microsoft.com/office/drawing/2010/main" xmlns:ma14="http://schemas.microsoft.com/office/mac/drawingml/2011/main" val="1"/>
+              <ma14:wrappingTextBoxFlag xmlns:ma14="http://schemas.microsoft.com/office/mac/drawingml/2011/main" xmlns:a14="http://schemas.microsoft.com/office/drawing/2010/main" xmlns:m="http://schemas.openxmlformats.org/officeDocument/2006/math" xmlns="" val="1"/>
             </a:ext>
           </a:extLst>
         </p:spPr>
@@ -2149,38 +2270,38 @@
           <a:lstStyle/>
           <a:p>
             <a:r>
-              <a:t>Уровень текста 1</a:t>
+              <a:t>Body Level One</a:t>
             </a:r>
           </a:p>
           <a:p>
             <a:pPr lvl="1"/>
             <a:r>
-              <a:t>Уровень текста 2</a:t>
+              <a:t>Body Level Two</a:t>
             </a:r>
           </a:p>
           <a:p>
             <a:pPr lvl="2"/>
             <a:r>
-              <a:t>Уровень текста 3</a:t>
+              <a:t>Body Level Three</a:t>
             </a:r>
           </a:p>
           <a:p>
             <a:pPr lvl="3"/>
             <a:r>
-              <a:t>Уровень текста 4</a:t>
+              <a:t>Body Level Four</a:t>
             </a:r>
           </a:p>
           <a:p>
             <a:pPr lvl="4"/>
             <a:r>
-              <a:t>Уровень текста 5</a:t>
-            </a:r>
-          </a:p>
-        </p:txBody>
-      </p:sp>
-      <p:sp>
-        <p:nvSpPr>
-          <p:cNvPr id="4" name="Номер слайда"/>
+              <a:t>Body Level Five</a:t>
+            </a:r>
+          </a:p>
+        </p:txBody>
+      </p:sp>
+      <p:sp>
+        <p:nvSpPr>
+          <p:cNvPr id="4" name="01"/>
           <p:cNvSpPr txBox="1">
             <a:spLocks noGrp="1"/>
           </p:cNvSpPr>
@@ -2225,15 +2346,16 @@
   </p:cSld>
   <p:clrMap bg1="lt1" tx1="dk1" bg2="lt2" tx2="dk2" accent1="accent1" accent2="accent2" accent3="accent3" accent4="accent4" accent5="accent5" accent6="accent6" hlink="hlink" folHlink="folHlink"/>
   <p:sldLayoutIdLst>
-    <p:sldLayoutId id="2147483651" r:id="rId1"/>
-    <p:sldLayoutId id="2147483652" r:id="rId2"/>
-    <p:sldLayoutId id="2147483653" r:id="rId3"/>
-    <p:sldLayoutId id="2147483654" r:id="rId4"/>
-    <p:sldLayoutId id="2147483655" r:id="rId5"/>
-    <p:sldLayoutId id="2147483656" r:id="rId6"/>
-    <p:sldLayoutId id="2147483657" r:id="rId7"/>
-    <p:sldLayoutId id="2147483658" r:id="rId8"/>
-    <p:sldLayoutId id="2147483659" r:id="rId9"/>
+    <p:sldLayoutId id="2147483650" r:id="rId1"/>
+    <p:sldLayoutId id="2147483651" r:id="rId2"/>
+    <p:sldLayoutId id="2147483652" r:id="rId3"/>
+    <p:sldLayoutId id="2147483653" r:id="rId4"/>
+    <p:sldLayoutId id="2147483654" r:id="rId5"/>
+    <p:sldLayoutId id="2147483655" r:id="rId6"/>
+    <p:sldLayoutId id="2147483656" r:id="rId7"/>
+    <p:sldLayoutId id="2147483657" r:id="rId8"/>
+    <p:sldLayoutId id="2147483658" r:id="rId9"/>
+    <p:sldLayoutId id="2147483659" r:id="rId10"/>
   </p:sldLayoutIdLst>
   <p:transition spd="med"/>
   <p:txStyles>
@@ -2968,20 +3090,20 @@
       </p:grpSpPr>
       <p:sp>
         <p:nvSpPr>
-          <p:cNvPr id="483" name="Прямоугольник"/>
+          <p:cNvPr id="159" name="Rectangle"/>
           <p:cNvSpPr/>
           <p:nvPr/>
         </p:nvSpPr>
         <p:spPr>
           <a:xfrm>
-            <a:off x="453378" y="456666"/>
-            <a:ext cx="2366667" cy="10181810"/>
+            <a:off x="4571" y="1882421"/>
+            <a:ext cx="2837953" cy="9246156"/>
           </a:xfrm>
           <a:prstGeom prst="rect">
             <a:avLst/>
           </a:prstGeom>
           <a:solidFill>
-            <a:srgbClr val="D2D7DF"/>
+            <a:srgbClr val="F0F4F8"/>
           </a:solidFill>
           <a:ln w="3175">
             <a:miter lim="400000"/>
@@ -3008,24 +3130,21 @@
       </p:sp>
       <p:sp>
         <p:nvSpPr>
-          <p:cNvPr id="484" name="Кружок"/>
+          <p:cNvPr id="160" name="Rectangle"/>
           <p:cNvSpPr/>
           <p:nvPr/>
         </p:nvSpPr>
         <p:spPr>
           <a:xfrm>
-            <a:off x="915943" y="725553"/>
-            <a:ext cx="1441538" cy="1441539"/>
+            <a:off x="4571" y="-4011"/>
+            <a:ext cx="7874001" cy="1886433"/>
           </a:xfrm>
-          <a:prstGeom prst="ellipse">
-            <a:avLst/>
-          </a:prstGeom>
-          <a:blipFill>
-            <a:blip r:embed="rId2"/>
-            <a:stretch>
-              <a:fillRect/>
-            </a:stretch>
-          </a:blipFill>
+          <a:prstGeom prst="rect">
+            <a:avLst/>
+          </a:prstGeom>
+          <a:solidFill>
+            <a:srgbClr val="1D3557"/>
+          </a:solidFill>
           <a:ln w="3175">
             <a:miter lim="400000"/>
           </a:ln>
@@ -3049,206 +3168,30 @@
           </a:p>
         </p:txBody>
       </p:sp>
-      <p:sp>
-        <p:nvSpPr>
-          <p:cNvPr id="485" name="Прямоугольник"/>
-          <p:cNvSpPr/>
-          <p:nvPr/>
-        </p:nvSpPr>
-        <p:spPr>
-          <a:xfrm>
-            <a:off x="3194269" y="456666"/>
-            <a:ext cx="4213389" cy="1811468"/>
-          </a:xfrm>
-          <a:prstGeom prst="rect">
-            <a:avLst/>
-          </a:prstGeom>
-          <a:gradFill>
-            <a:gsLst>
-              <a:gs pos="0">
-                <a:srgbClr val="D2D7DF"/>
-              </a:gs>
-              <a:gs pos="100000">
-                <a:srgbClr val="F5F7F8"/>
-              </a:gs>
-            </a:gsLst>
-            <a:lin ang="5400000"/>
-          </a:gradFill>
-          <a:ln w="3175">
-            <a:miter lim="400000"/>
-          </a:ln>
-        </p:spPr>
-        <p:txBody>
-          <a:bodyPr lIns="50800" tIns="50800" rIns="50800" bIns="50800" anchor="ctr"/>
-          <a:lstStyle/>
-          <a:p>
-            <a:pPr algn="ctr" defTabSz="584200">
-              <a:defRPr sz="1200">
-                <a:solidFill>
-                  <a:srgbClr val="F5F7F8"/>
-                </a:solidFill>
-                <a:latin typeface="Helvetica Neue Medium"/>
-                <a:ea typeface="Helvetica Neue Medium"/>
-                <a:cs typeface="Helvetica Neue Medium"/>
-                <a:sym typeface="Helvetica Neue Medium"/>
-              </a:defRPr>
-            </a:pPr>
-            <a:endParaRPr/>
-          </a:p>
-        </p:txBody>
-      </p:sp>
-      <p:sp>
-        <p:nvSpPr>
-          <p:cNvPr id="486" name="Alex moreno"/>
-          <p:cNvSpPr txBox="1"/>
-          <p:nvPr/>
-        </p:nvSpPr>
-        <p:spPr>
-          <a:xfrm>
-            <a:off x="3305041" y="609924"/>
-            <a:ext cx="3991846" cy="1106610"/>
-          </a:xfrm>
-          <a:prstGeom prst="rect">
-            <a:avLst/>
-          </a:prstGeom>
-          <a:ln w="12700">
-            <a:miter lim="400000"/>
-          </a:ln>
-          <a:extLst>
-            <a:ext uri="{C572A759-6A51-4108-AA02-DFA0A04FC94B}">
-              <ma14:wrappingTextBoxFlag xmlns="" xmlns:m="http://schemas.openxmlformats.org/officeDocument/2006/math" xmlns:a14="http://schemas.microsoft.com/office/drawing/2010/main" xmlns:ma14="http://schemas.microsoft.com/office/mac/drawingml/2011/main" val="1"/>
-            </a:ext>
-          </a:extLst>
-        </p:spPr>
-        <p:txBody>
-          <a:bodyPr lIns="0" tIns="0" rIns="0" bIns="0" anchor="ctr"/>
-          <a:lstStyle>
-            <a:lvl1pPr algn="ctr" defTabSz="457200">
-              <a:defRPr sz="2500" cap="all" spc="900">
-                <a:latin typeface="Helvetica Neue Medium"/>
-                <a:ea typeface="Helvetica Neue Medium"/>
-                <a:cs typeface="Helvetica Neue Medium"/>
-                <a:sym typeface="Helvetica Neue Medium"/>
-              </a:defRPr>
-            </a:lvl1pPr>
-          </a:lstStyle>
-          <a:p>
-            <a:r>
-              <a:t>Alex moreno</a:t>
-            </a:r>
-          </a:p>
-        </p:txBody>
-      </p:sp>
-      <p:sp>
-        <p:nvSpPr>
-          <p:cNvPr id="487" name="Designer"/>
-          <p:cNvSpPr txBox="1"/>
-          <p:nvPr/>
-        </p:nvSpPr>
-        <p:spPr>
-          <a:xfrm>
-            <a:off x="4528655" y="1446322"/>
-            <a:ext cx="1544617" cy="270212"/>
-          </a:xfrm>
-          <a:prstGeom prst="rect">
-            <a:avLst/>
-          </a:prstGeom>
-          <a:ln w="12700">
-            <a:miter lim="400000"/>
-          </a:ln>
-          <a:extLst>
-            <a:ext uri="{C572A759-6A51-4108-AA02-DFA0A04FC94B}">
-              <ma14:wrappingTextBoxFlag xmlns="" xmlns:m="http://schemas.openxmlformats.org/officeDocument/2006/math" xmlns:a14="http://schemas.microsoft.com/office/drawing/2010/main" xmlns:ma14="http://schemas.microsoft.com/office/mac/drawingml/2011/main" val="1"/>
-            </a:ext>
-          </a:extLst>
-        </p:spPr>
-        <p:txBody>
-          <a:bodyPr lIns="0" tIns="0" rIns="0" bIns="0" anchor="ctr"/>
-          <a:lstStyle>
-            <a:lvl1pPr algn="ctr" defTabSz="457200">
-              <a:defRPr sz="1200" cap="all" spc="432">
-                <a:latin typeface="Helvetica Neue Light"/>
-                <a:ea typeface="Helvetica Neue Light"/>
-                <a:cs typeface="Helvetica Neue Light"/>
-                <a:sym typeface="Helvetica Neue Light"/>
-              </a:defRPr>
-            </a:lvl1pPr>
-          </a:lstStyle>
-          <a:p>
-            <a:r>
-              <a:t>Designer</a:t>
-            </a:r>
-          </a:p>
-        </p:txBody>
-      </p:sp>
       <p:grpSp>
         <p:nvGrpSpPr>
-          <p:cNvPr id="496" name="Сгруппировать"/>
+          <p:cNvPr id="163" name="Group"/>
           <p:cNvGrpSpPr/>
           <p:nvPr/>
         </p:nvGrpSpPr>
         <p:grpSpPr>
           <a:xfrm>
-            <a:off x="715645" y="2450143"/>
-            <a:ext cx="1842134" cy="1984208"/>
+            <a:off x="716576" y="588335"/>
+            <a:ext cx="6793903" cy="945487"/>
             <a:chOff x="0" y="0"/>
-            <a:chExt cx="1842133" cy="1984206"/>
+            <a:chExt cx="6793901" cy="945486"/>
           </a:xfrm>
         </p:grpSpPr>
         <p:sp>
           <p:nvSpPr>
-            <p:cNvPr id="488" name="Прямоугольник"/>
-            <p:cNvSpPr/>
+            <p:cNvPr id="161" name="JESSICA WRIGHT"/>
+            <p:cNvSpPr txBox="1"/>
             <p:nvPr/>
           </p:nvSpPr>
           <p:spPr>
             <a:xfrm>
               <a:off x="0" y="0"/>
-              <a:ext cx="1842134" cy="448474"/>
-            </a:xfrm>
-            <a:prstGeom prst="rect">
-              <a:avLst/>
-            </a:prstGeom>
-            <a:solidFill>
-              <a:srgbClr val="FFFFFF"/>
-            </a:solidFill>
-            <a:ln w="3175" cap="flat">
-              <a:noFill/>
-              <a:miter lim="400000"/>
-            </a:ln>
-            <a:effectLst/>
-          </p:spPr>
-          <p:txBody>
-            <a:bodyPr wrap="square" lIns="50800" tIns="50800" rIns="50800" bIns="50800" numCol="1" anchor="ctr">
-              <a:noAutofit/>
-            </a:bodyPr>
-            <a:lstStyle/>
-            <a:p>
-              <a:pPr algn="ctr" defTabSz="584200">
-                <a:defRPr sz="1200">
-                  <a:solidFill>
-                    <a:srgbClr val="FFFFFF"/>
-                  </a:solidFill>
-                  <a:latin typeface="Helvetica Neue Medium"/>
-                  <a:ea typeface="Helvetica Neue Medium"/>
-                  <a:cs typeface="Helvetica Neue Medium"/>
-                  <a:sym typeface="Helvetica Neue Medium"/>
-                </a:defRPr>
-              </a:pPr>
-              <a:endParaRPr/>
-            </a:p>
-          </p:txBody>
-        </p:sp>
-        <p:sp>
-          <p:nvSpPr>
-            <p:cNvPr id="489" name="EDUCATION"/>
-            <p:cNvSpPr txBox="1"/>
-            <p:nvPr/>
-          </p:nvSpPr>
-          <p:spPr>
-            <a:xfrm>
-              <a:off x="148758" y="89131"/>
-              <a:ext cx="1544617" cy="270212"/>
+              <a:ext cx="6793902" cy="659021"/>
             </a:xfrm>
             <a:prstGeom prst="rect">
               <a:avLst/>
@@ -3261,41 +3204,44 @@
             <a:effectLst/>
             <a:extLst>
               <a:ext uri="{C572A759-6A51-4108-AA02-DFA0A04FC94B}">
-                <ma14:wrappingTextBoxFlag xmlns="" xmlns:m="http://schemas.openxmlformats.org/officeDocument/2006/math" xmlns:a14="http://schemas.microsoft.com/office/drawing/2010/main" xmlns:ma14="http://schemas.microsoft.com/office/mac/drawingml/2011/main" val="1"/>
+                <ma14:wrappingTextBoxFlag xmlns:ma14="http://schemas.microsoft.com/office/mac/drawingml/2011/main" xmlns:a14="http://schemas.microsoft.com/office/drawing/2010/main" xmlns:m="http://schemas.openxmlformats.org/officeDocument/2006/math" xmlns="" val="1"/>
               </a:ext>
             </a:extLst>
           </p:spPr>
           <p:txBody>
-            <a:bodyPr wrap="square" lIns="0" tIns="0" rIns="0" bIns="0" numCol="1" anchor="ctr">
+            <a:bodyPr wrap="square" lIns="50800" tIns="50800" rIns="50800" bIns="50800" numCol="1" anchor="ctr">
               <a:noAutofit/>
             </a:bodyPr>
             <a:lstStyle>
-              <a:lvl1pPr algn="ctr" defTabSz="457200">
-                <a:defRPr sz="1200" cap="all" spc="432">
-                  <a:latin typeface="Helvetica Neue Light"/>
-                  <a:ea typeface="Helvetica Neue Light"/>
-                  <a:cs typeface="Helvetica Neue Light"/>
-                  <a:sym typeface="Helvetica Neue Light"/>
+              <a:lvl1pPr defTabSz="457200">
+                <a:defRPr sz="3000" cap="all" spc="450">
+                  <a:solidFill>
+                    <a:srgbClr val="FFFFFF"/>
+                  </a:solidFill>
+                  <a:latin typeface="Helvetica Neue"/>
+                  <a:ea typeface="Helvetica Neue"/>
+                  <a:cs typeface="Helvetica Neue"/>
+                  <a:sym typeface="Helvetica Neue"/>
                 </a:defRPr>
               </a:lvl1pPr>
             </a:lstStyle>
             <a:p>
               <a:r>
-                <a:t>EDUCATION</a:t>
+                <a:t>JESSICA WRIGHT</a:t>
               </a:r>
             </a:p>
           </p:txBody>
         </p:sp>
         <p:sp>
           <p:nvSpPr>
-            <p:cNvPr id="490" name="Enter your degree"/>
+            <p:cNvPr id="162" name="Senior UX/UI Designer"/>
             <p:cNvSpPr txBox="1"/>
             <p:nvPr/>
           </p:nvSpPr>
           <p:spPr>
             <a:xfrm>
-              <a:off x="78622" y="657807"/>
-              <a:ext cx="1684889" cy="259183"/>
+              <a:off x="0" y="498104"/>
+              <a:ext cx="3519308" cy="447383"/>
             </a:xfrm>
             <a:prstGeom prst="rect">
               <a:avLst/>
@@ -3308,41 +3254,531 @@
             <a:effectLst/>
             <a:extLst>
               <a:ext uri="{C572A759-6A51-4108-AA02-DFA0A04FC94B}">
-                <ma14:wrappingTextBoxFlag xmlns="" xmlns:m="http://schemas.openxmlformats.org/officeDocument/2006/math" xmlns:a14="http://schemas.microsoft.com/office/drawing/2010/main" xmlns:ma14="http://schemas.microsoft.com/office/mac/drawingml/2011/main" val="1"/>
+                <ma14:wrappingTextBoxFlag xmlns:ma14="http://schemas.microsoft.com/office/mac/drawingml/2011/main" xmlns:a14="http://schemas.microsoft.com/office/drawing/2010/main" xmlns:m="http://schemas.openxmlformats.org/officeDocument/2006/math" xmlns="" val="1"/>
               </a:ext>
             </a:extLst>
           </p:spPr>
           <p:txBody>
-            <a:bodyPr wrap="square" lIns="0" tIns="0" rIns="0" bIns="0" numCol="1" anchor="ctr">
+            <a:bodyPr wrap="square" lIns="50800" tIns="50800" rIns="50800" bIns="50800" numCol="1" anchor="ctr">
               <a:noAutofit/>
             </a:bodyPr>
             <a:lstStyle>
-              <a:lvl1pPr algn="ctr" defTabSz="457200">
-                <a:defRPr sz="900" cap="all">
-                  <a:latin typeface="Helvetica Neue"/>
-                  <a:ea typeface="Helvetica Neue"/>
-                  <a:cs typeface="Helvetica Neue"/>
-                  <a:sym typeface="Helvetica Neue"/>
+              <a:lvl1pPr defTabSz="457200">
+                <a:defRPr sz="1300" cap="all" spc="286">
+                  <a:solidFill>
+                    <a:srgbClr val="C8C8C8"/>
+                  </a:solidFill>
+                  <a:latin typeface="Helvetica Neue Light"/>
+                  <a:ea typeface="Helvetica Neue Light"/>
+                  <a:cs typeface="Helvetica Neue Light"/>
+                  <a:sym typeface="Helvetica Neue Light"/>
                 </a:defRPr>
               </a:lvl1pPr>
             </a:lstStyle>
             <a:p>
               <a:r>
-                <a:t>Enter your degree</a:t>
+                <a:t>Senior UX/UI Designer</a:t>
               </a:r>
             </a:p>
           </p:txBody>
         </p:sp>
+      </p:grpSp>
+      <p:sp>
+        <p:nvSpPr>
+          <p:cNvPr id="164" name="I am an experienced and passionate UX/UI Designer with over 8 years of expertise in creating intuitive, user-centered designs that enhance both user engagement and business outcomes. Throughout my career, I have led design teams and collaborated closely "/>
+          <p:cNvSpPr txBox="1"/>
+          <p:nvPr/>
+        </p:nvSpPr>
+        <p:spPr>
+          <a:xfrm>
+            <a:off x="3079248" y="2614561"/>
+            <a:ext cx="4408465" cy="1926491"/>
+          </a:xfrm>
+          <a:prstGeom prst="rect">
+            <a:avLst/>
+          </a:prstGeom>
+          <a:ln w="12700">
+            <a:miter lim="400000"/>
+          </a:ln>
+          <a:extLst>
+            <a:ext uri="{C572A759-6A51-4108-AA02-DFA0A04FC94B}">
+              <ma14:wrappingTextBoxFlag xmlns:ma14="http://schemas.microsoft.com/office/mac/drawingml/2011/main" xmlns:a14="http://schemas.microsoft.com/office/drawing/2010/main" xmlns:m="http://schemas.openxmlformats.org/officeDocument/2006/math" xmlns="" val="1"/>
+            </a:ext>
+          </a:extLst>
+        </p:spPr>
+        <p:txBody>
+          <a:bodyPr lIns="0" tIns="0" rIns="0" bIns="0"/>
+          <a:lstStyle/>
+          <a:p>
+            <a:pPr algn="just" defTabSz="457200">
+              <a:lnSpc>
+                <a:spcPct val="130000"/>
+              </a:lnSpc>
+              <a:defRPr sz="900">
+                <a:solidFill>
+                  <a:srgbClr val="333333"/>
+                </a:solidFill>
+                <a:latin typeface="Helvetica Neue Light"/>
+                <a:ea typeface="Helvetica Neue Light"/>
+                <a:cs typeface="Helvetica Neue Light"/>
+                <a:sym typeface="Helvetica Neue Light"/>
+              </a:defRPr>
+            </a:pPr>
+            <a:r>
+              <a:t>I am an experienced and passionate UX/UI Designer with over 8 years of expertise in creating intuitive, user-centered designs that enhance both user engagement and business outcomes. Throughout my career, I have led design teams and collaborated closely with product managers and developers to ensure seamless, efficient, and visually appealing user experiences. </a:t>
+            </a:r>
+          </a:p>
+          <a:p>
+            <a:pPr algn="just" defTabSz="457200">
+              <a:lnSpc>
+                <a:spcPct val="130000"/>
+              </a:lnSpc>
+              <a:defRPr sz="900">
+                <a:solidFill>
+                  <a:srgbClr val="333333"/>
+                </a:solidFill>
+                <a:latin typeface="Helvetica Neue Light"/>
+                <a:ea typeface="Helvetica Neue Light"/>
+                <a:cs typeface="Helvetica Neue Light"/>
+                <a:sym typeface="Helvetica Neue Light"/>
+              </a:defRPr>
+            </a:pPr>
+            <a:endParaRPr/>
+          </a:p>
+          <a:p>
+            <a:pPr algn="just" defTabSz="457200">
+              <a:lnSpc>
+                <a:spcPct val="130000"/>
+              </a:lnSpc>
+              <a:defRPr sz="900">
+                <a:solidFill>
+                  <a:srgbClr val="333333"/>
+                </a:solidFill>
+                <a:latin typeface="Helvetica Neue Light"/>
+                <a:ea typeface="Helvetica Neue Light"/>
+                <a:cs typeface="Helvetica Neue Light"/>
+                <a:sym typeface="Helvetica Neue Light"/>
+              </a:defRPr>
+            </a:pPr>
+            <a:r>
+              <a:t>With a strong background in design research, wireframing, and prototyping, I excel at transforming complex ideas into innovative, functional, and aesthetically pleasing solutions. My approach to design emphasizes empathy, understanding user needs, and solving real-world problems through thoughtful and effective user interfaces. </a:t>
+            </a:r>
+          </a:p>
+        </p:txBody>
+      </p:sp>
+      <p:sp>
+        <p:nvSpPr>
+          <p:cNvPr id="165" name="Profile Summary"/>
+          <p:cNvSpPr txBox="1"/>
+          <p:nvPr/>
+        </p:nvSpPr>
+        <p:spPr>
+          <a:xfrm>
+            <a:off x="3026339" y="2094059"/>
+            <a:ext cx="2659256" cy="447383"/>
+          </a:xfrm>
+          <a:prstGeom prst="rect">
+            <a:avLst/>
+          </a:prstGeom>
+          <a:ln w="12700">
+            <a:miter lim="400000"/>
+          </a:ln>
+          <a:extLst>
+            <a:ext uri="{C572A759-6A51-4108-AA02-DFA0A04FC94B}">
+              <ma14:wrappingTextBoxFlag xmlns:ma14="http://schemas.microsoft.com/office/mac/drawingml/2011/main" xmlns:a14="http://schemas.microsoft.com/office/drawing/2010/main" xmlns:m="http://schemas.openxmlformats.org/officeDocument/2006/math" xmlns="" val="1"/>
+            </a:ext>
+          </a:extLst>
+        </p:spPr>
+        <p:txBody>
+          <a:bodyPr lIns="50800" tIns="50800" rIns="50800" bIns="50800" anchor="ctr"/>
+          <a:lstStyle>
+            <a:lvl1pPr defTabSz="457200">
+              <a:defRPr sz="1300" cap="all" spc="455">
+                <a:solidFill>
+                  <a:srgbClr val="F77F00"/>
+                </a:solidFill>
+                <a:latin typeface="Helvetica Neue"/>
+                <a:ea typeface="Helvetica Neue"/>
+                <a:cs typeface="Helvetica Neue"/>
+                <a:sym typeface="Helvetica Neue"/>
+              </a:defRPr>
+            </a:lvl1pPr>
+          </a:lstStyle>
+          <a:p>
+            <a:r>
+              <a:t>Profile Summary</a:t>
+            </a:r>
+          </a:p>
+        </p:txBody>
+      </p:sp>
+      <p:sp>
+        <p:nvSpPr>
+          <p:cNvPr id="166" name="Responsibilities:…"/>
+          <p:cNvSpPr txBox="1"/>
+          <p:nvPr/>
+        </p:nvSpPr>
+        <p:spPr>
+          <a:xfrm>
+            <a:off x="3103223" y="5568590"/>
+            <a:ext cx="4408465" cy="921988"/>
+          </a:xfrm>
+          <a:prstGeom prst="rect">
+            <a:avLst/>
+          </a:prstGeom>
+          <a:ln w="12700">
+            <a:miter lim="400000"/>
+          </a:ln>
+          <a:extLst>
+            <a:ext uri="{C572A759-6A51-4108-AA02-DFA0A04FC94B}">
+              <ma14:wrappingTextBoxFlag xmlns:ma14="http://schemas.microsoft.com/office/mac/drawingml/2011/main" xmlns:a14="http://schemas.microsoft.com/office/drawing/2010/main" xmlns:m="http://schemas.openxmlformats.org/officeDocument/2006/math" xmlns="" val="1"/>
+            </a:ext>
+          </a:extLst>
+        </p:spPr>
+        <p:txBody>
+          <a:bodyPr lIns="0" tIns="0" rIns="0" bIns="0"/>
+          <a:lstStyle/>
+          <a:p>
+            <a:pPr algn="just" defTabSz="457200">
+              <a:lnSpc>
+                <a:spcPct val="130000"/>
+              </a:lnSpc>
+              <a:defRPr sz="900">
+                <a:solidFill>
+                  <a:srgbClr val="333333"/>
+                </a:solidFill>
+                <a:latin typeface="Helvetica Neue Light"/>
+                <a:ea typeface="Helvetica Neue Light"/>
+                <a:cs typeface="Helvetica Neue Light"/>
+                <a:sym typeface="Helvetica Neue Light"/>
+              </a:defRPr>
+            </a:pPr>
+            <a:r>
+              <a:rPr b="1">
+                <a:latin typeface="Helvetica Neue"/>
+                <a:ea typeface="Helvetica Neue"/>
+                <a:cs typeface="Helvetica Neue"/>
+                <a:sym typeface="Helvetica Neue"/>
+              </a:rPr>
+              <a:t>Responsibilities</a:t>
+            </a:r>
+            <a:r>
+              <a:t>:</a:t>
+            </a:r>
+          </a:p>
+          <a:p>
+            <a:pPr algn="just" defTabSz="457200">
+              <a:lnSpc>
+                <a:spcPct val="130000"/>
+              </a:lnSpc>
+              <a:defRPr sz="900">
+                <a:solidFill>
+                  <a:srgbClr val="333333"/>
+                </a:solidFill>
+                <a:latin typeface="Helvetica Neue Light"/>
+                <a:ea typeface="Helvetica Neue Light"/>
+                <a:cs typeface="Helvetica Neue Light"/>
+                <a:sym typeface="Helvetica Neue Light"/>
+              </a:defRPr>
+            </a:pPr>
+            <a:r>
+              <a:t>- Led a team of designers in the development of user-centric designs for various clients.</a:t>
+            </a:r>
+          </a:p>
+          <a:p>
+            <a:pPr algn="just" defTabSz="457200">
+              <a:lnSpc>
+                <a:spcPct val="130000"/>
+              </a:lnSpc>
+              <a:defRPr sz="900">
+                <a:solidFill>
+                  <a:srgbClr val="333333"/>
+                </a:solidFill>
+                <a:latin typeface="Helvetica Neue Light"/>
+                <a:ea typeface="Helvetica Neue Light"/>
+                <a:cs typeface="Helvetica Neue Light"/>
+                <a:sym typeface="Helvetica Neue Light"/>
+              </a:defRPr>
+            </a:pPr>
+            <a:r>
+              <a:t>- Collaborated with product managers to define user requirements and design solutions.</a:t>
+            </a:r>
+          </a:p>
+          <a:p>
+            <a:pPr algn="just" defTabSz="457200">
+              <a:lnSpc>
+                <a:spcPct val="130000"/>
+              </a:lnSpc>
+              <a:defRPr sz="900">
+                <a:solidFill>
+                  <a:srgbClr val="333333"/>
+                </a:solidFill>
+                <a:latin typeface="Helvetica Neue Light"/>
+                <a:ea typeface="Helvetica Neue Light"/>
+                <a:cs typeface="Helvetica Neue Light"/>
+                <a:sym typeface="Helvetica Neue Light"/>
+              </a:defRPr>
+            </a:pPr>
+            <a:r>
+              <a:t>- Enhanced user engagement by improving navigation and user flow.</a:t>
+            </a:r>
+          </a:p>
+        </p:txBody>
+      </p:sp>
+      <p:sp>
+        <p:nvSpPr>
+          <p:cNvPr id="167" name="Professional Experience"/>
+          <p:cNvSpPr txBox="1"/>
+          <p:nvPr/>
+        </p:nvSpPr>
+        <p:spPr>
+          <a:xfrm>
+            <a:off x="3050313" y="4537971"/>
+            <a:ext cx="3829804" cy="447383"/>
+          </a:xfrm>
+          <a:prstGeom prst="rect">
+            <a:avLst/>
+          </a:prstGeom>
+          <a:ln w="12700">
+            <a:miter lim="400000"/>
+          </a:ln>
+          <a:extLst>
+            <a:ext uri="{C572A759-6A51-4108-AA02-DFA0A04FC94B}">
+              <ma14:wrappingTextBoxFlag xmlns:ma14="http://schemas.microsoft.com/office/mac/drawingml/2011/main" xmlns:a14="http://schemas.microsoft.com/office/drawing/2010/main" xmlns:m="http://schemas.openxmlformats.org/officeDocument/2006/math" xmlns="" val="1"/>
+            </a:ext>
+          </a:extLst>
+        </p:spPr>
+        <p:txBody>
+          <a:bodyPr lIns="50800" tIns="50800" rIns="50800" bIns="50800" anchor="ctr"/>
+          <a:lstStyle>
+            <a:lvl1pPr defTabSz="457200">
+              <a:defRPr sz="1300" cap="all" spc="403">
+                <a:solidFill>
+                  <a:srgbClr val="F77F00"/>
+                </a:solidFill>
+                <a:latin typeface="Helvetica Neue"/>
+                <a:ea typeface="Helvetica Neue"/>
+                <a:cs typeface="Helvetica Neue"/>
+                <a:sym typeface="Helvetica Neue"/>
+              </a:defRPr>
+            </a:lvl1pPr>
+          </a:lstStyle>
+          <a:p>
+            <a:r>
+              <a:t>Professional Experience</a:t>
+            </a:r>
+          </a:p>
+        </p:txBody>
+      </p:sp>
+      <p:sp>
+        <p:nvSpPr>
+          <p:cNvPr id="168" name="Lead UX/UI Designer"/>
+          <p:cNvSpPr txBox="1"/>
+          <p:nvPr/>
+        </p:nvSpPr>
+        <p:spPr>
+          <a:xfrm>
+            <a:off x="3098263" y="5086510"/>
+            <a:ext cx="2465645" cy="164369"/>
+          </a:xfrm>
+          <a:prstGeom prst="rect">
+            <a:avLst/>
+          </a:prstGeom>
+          <a:ln w="12700">
+            <a:miter lim="400000"/>
+          </a:ln>
+          <a:extLst>
+            <a:ext uri="{C572A759-6A51-4108-AA02-DFA0A04FC94B}">
+              <ma14:wrappingTextBoxFlag xmlns:ma14="http://schemas.microsoft.com/office/mac/drawingml/2011/main" xmlns:a14="http://schemas.microsoft.com/office/drawing/2010/main" xmlns:m="http://schemas.openxmlformats.org/officeDocument/2006/math" xmlns="" val="1"/>
+            </a:ext>
+          </a:extLst>
+        </p:spPr>
+        <p:txBody>
+          <a:bodyPr lIns="0" tIns="0" rIns="0" bIns="0"/>
+          <a:lstStyle>
+            <a:lvl1pPr defTabSz="457200">
+              <a:lnSpc>
+                <a:spcPct val="120000"/>
+              </a:lnSpc>
+              <a:defRPr sz="900" b="1" cap="all" spc="45">
+                <a:solidFill>
+                  <a:srgbClr val="1D3557"/>
+                </a:solidFill>
+                <a:latin typeface="Helvetica Neue"/>
+                <a:ea typeface="Helvetica Neue"/>
+                <a:cs typeface="Helvetica Neue"/>
+                <a:sym typeface="Helvetica Neue"/>
+              </a:defRPr>
+            </a:lvl1pPr>
+          </a:lstStyle>
+          <a:p>
+            <a:r>
+              <a:t>Lead UX/UI Designer</a:t>
+            </a:r>
+          </a:p>
+        </p:txBody>
+      </p:sp>
+      <p:sp>
+        <p:nvSpPr>
+          <p:cNvPr id="169" name="ABC Design Studio | New York, NY | 2018-2022"/>
+          <p:cNvSpPr txBox="1"/>
+          <p:nvPr/>
+        </p:nvSpPr>
+        <p:spPr>
+          <a:xfrm>
+            <a:off x="3098263" y="5282732"/>
+            <a:ext cx="2945301" cy="217943"/>
+          </a:xfrm>
+          <a:prstGeom prst="rect">
+            <a:avLst/>
+          </a:prstGeom>
+          <a:ln w="12700">
+            <a:miter lim="400000"/>
+          </a:ln>
+          <a:extLst>
+            <a:ext uri="{C572A759-6A51-4108-AA02-DFA0A04FC94B}">
+              <ma14:wrappingTextBoxFlag xmlns:ma14="http://schemas.microsoft.com/office/mac/drawingml/2011/main" xmlns:a14="http://schemas.microsoft.com/office/drawing/2010/main" xmlns:m="http://schemas.openxmlformats.org/officeDocument/2006/math" xmlns="" val="1"/>
+            </a:ext>
+          </a:extLst>
+        </p:spPr>
+        <p:txBody>
+          <a:bodyPr lIns="0" tIns="0" rIns="0" bIns="0"/>
+          <a:lstStyle>
+            <a:lvl1pPr defTabSz="457200">
+              <a:lnSpc>
+                <a:spcPct val="120000"/>
+              </a:lnSpc>
+              <a:defRPr sz="900" cap="all">
+                <a:solidFill>
+                  <a:srgbClr val="333333"/>
+                </a:solidFill>
+                <a:latin typeface="Helvetica Neue"/>
+                <a:ea typeface="Helvetica Neue"/>
+                <a:cs typeface="Helvetica Neue"/>
+                <a:sym typeface="Helvetica Neue"/>
+              </a:defRPr>
+            </a:lvl1pPr>
+          </a:lstStyle>
+          <a:p>
+            <a:r>
+              <a:t>ABC Design Studio | New York, NY | 2018-2022</a:t>
+            </a:r>
+          </a:p>
+        </p:txBody>
+      </p:sp>
+      <p:sp>
+        <p:nvSpPr>
+          <p:cNvPr id="170" name="References"/>
+          <p:cNvSpPr txBox="1"/>
+          <p:nvPr/>
+        </p:nvSpPr>
+        <p:spPr>
+          <a:xfrm>
+            <a:off x="3026339" y="7723161"/>
+            <a:ext cx="3344623" cy="447382"/>
+          </a:xfrm>
+          <a:prstGeom prst="rect">
+            <a:avLst/>
+          </a:prstGeom>
+          <a:ln w="12700">
+            <a:miter lim="400000"/>
+          </a:ln>
+          <a:extLst>
+            <a:ext uri="{C572A759-6A51-4108-AA02-DFA0A04FC94B}">
+              <ma14:wrappingTextBoxFlag xmlns:ma14="http://schemas.microsoft.com/office/mac/drawingml/2011/main" xmlns:a14="http://schemas.microsoft.com/office/drawing/2010/main" xmlns:m="http://schemas.openxmlformats.org/officeDocument/2006/math" xmlns="" val="1"/>
+            </a:ext>
+          </a:extLst>
+        </p:spPr>
+        <p:txBody>
+          <a:bodyPr lIns="50800" tIns="50800" rIns="50800" bIns="50800" anchor="ctr"/>
+          <a:lstStyle>
+            <a:lvl1pPr defTabSz="457200">
+              <a:defRPr sz="1300" cap="all" spc="156">
+                <a:solidFill>
+                  <a:srgbClr val="F77F00"/>
+                </a:solidFill>
+                <a:latin typeface="Helvetica Neue"/>
+                <a:ea typeface="Helvetica Neue"/>
+                <a:cs typeface="Helvetica Neue"/>
+                <a:sym typeface="Helvetica Neue"/>
+              </a:defRPr>
+            </a:lvl1pPr>
+          </a:lstStyle>
+          <a:p>
+            <a:r>
+              <a:t>References</a:t>
+            </a:r>
+          </a:p>
+        </p:txBody>
+      </p:sp>
+      <p:sp>
+        <p:nvSpPr>
+          <p:cNvPr id="171" name="Contacts"/>
+          <p:cNvSpPr txBox="1"/>
+          <p:nvPr/>
+        </p:nvSpPr>
+        <p:spPr>
+          <a:xfrm>
+            <a:off x="714450" y="2094059"/>
+            <a:ext cx="2298662" cy="447383"/>
+          </a:xfrm>
+          <a:prstGeom prst="rect">
+            <a:avLst/>
+          </a:prstGeom>
+          <a:ln w="12700">
+            <a:miter lim="400000"/>
+          </a:ln>
+          <a:extLst>
+            <a:ext uri="{C572A759-6A51-4108-AA02-DFA0A04FC94B}">
+              <ma14:wrappingTextBoxFlag xmlns:ma14="http://schemas.microsoft.com/office/mac/drawingml/2011/main" xmlns:a14="http://schemas.microsoft.com/office/drawing/2010/main" xmlns:m="http://schemas.openxmlformats.org/officeDocument/2006/math" xmlns="" val="1"/>
+            </a:ext>
+          </a:extLst>
+        </p:spPr>
+        <p:txBody>
+          <a:bodyPr lIns="50800" tIns="50800" rIns="50800" bIns="50800" anchor="ctr"/>
+          <a:lstStyle>
+            <a:lvl1pPr defTabSz="457200">
+              <a:defRPr sz="1300" cap="all" spc="455">
+                <a:solidFill>
+                  <a:srgbClr val="F77F00"/>
+                </a:solidFill>
+                <a:latin typeface="Helvetica Neue"/>
+                <a:ea typeface="Helvetica Neue"/>
+                <a:cs typeface="Helvetica Neue"/>
+                <a:sym typeface="Helvetica Neue"/>
+              </a:defRPr>
+            </a:lvl1pPr>
+          </a:lstStyle>
+          <a:p>
+            <a:r>
+              <a:t>Contacts</a:t>
+            </a:r>
+          </a:p>
+        </p:txBody>
+      </p:sp>
+      <p:grpSp>
+        <p:nvGrpSpPr>
+          <p:cNvPr id="181" name="Group"/>
+          <p:cNvGrpSpPr/>
+          <p:nvPr/>
+        </p:nvGrpSpPr>
+        <p:grpSpPr>
+          <a:xfrm>
+            <a:off x="700978" y="2788099"/>
+            <a:ext cx="2114917" cy="1613865"/>
+            <a:chOff x="0" y="0"/>
+            <a:chExt cx="2114915" cy="1613863"/>
+          </a:xfrm>
+        </p:grpSpPr>
         <p:sp>
           <p:nvSpPr>
-            <p:cNvPr id="491" name="University name"/>
+            <p:cNvPr id="172" name="123 Main St, New York, NY"/>
             <p:cNvSpPr txBox="1"/>
             <p:nvPr/>
           </p:nvSpPr>
           <p:spPr>
             <a:xfrm>
-              <a:off x="0" y="852218"/>
-              <a:ext cx="1825161" cy="259183"/>
+              <a:off x="366269" y="1325593"/>
+              <a:ext cx="1525930" cy="288271"/>
             </a:xfrm>
             <a:prstGeom prst="rect">
               <a:avLst/>
@@ -3355,41 +3791,44 @@
             <a:effectLst/>
             <a:extLst>
               <a:ext uri="{C572A759-6A51-4108-AA02-DFA0A04FC94B}">
-                <ma14:wrappingTextBoxFlag xmlns="" xmlns:m="http://schemas.openxmlformats.org/officeDocument/2006/math" xmlns:a14="http://schemas.microsoft.com/office/drawing/2010/main" xmlns:ma14="http://schemas.microsoft.com/office/mac/drawingml/2011/main" val="1"/>
+                <ma14:wrappingTextBoxFlag xmlns:ma14="http://schemas.microsoft.com/office/mac/drawingml/2011/main" xmlns:a14="http://schemas.microsoft.com/office/drawing/2010/main" xmlns:m="http://schemas.openxmlformats.org/officeDocument/2006/math" xmlns="" val="1"/>
               </a:ext>
             </a:extLst>
           </p:spPr>
           <p:txBody>
-            <a:bodyPr wrap="square" lIns="0" tIns="0" rIns="0" bIns="0" numCol="1" anchor="ctr">
+            <a:bodyPr wrap="square" lIns="50800" tIns="50800" rIns="50800" bIns="50800" numCol="1" anchor="t">
               <a:noAutofit/>
             </a:bodyPr>
             <a:lstStyle>
-              <a:lvl1pPr algn="ctr" defTabSz="457200">
+              <a:lvl1pPr defTabSz="457200">
                 <a:defRPr sz="900">
-                  <a:latin typeface="Helvetica Neue Medium"/>
-                  <a:ea typeface="Helvetica Neue Medium"/>
-                  <a:cs typeface="Helvetica Neue Medium"/>
-                  <a:sym typeface="Helvetica Neue Medium"/>
+                  <a:solidFill>
+                    <a:srgbClr val="333333"/>
+                  </a:solidFill>
+                  <a:latin typeface="Helvetica Neue"/>
+                  <a:ea typeface="Helvetica Neue"/>
+                  <a:cs typeface="Helvetica Neue"/>
+                  <a:sym typeface="Helvetica Neue"/>
                 </a:defRPr>
               </a:lvl1pPr>
             </a:lstStyle>
             <a:p>
               <a:r>
-                <a:t>University name</a:t>
+                <a:t>123 Main St, New York, NY</a:t>
               </a:r>
             </a:p>
           </p:txBody>
         </p:sp>
         <p:sp>
           <p:nvSpPr>
-            <p:cNvPr id="492" name="2010 = 2011"/>
+            <p:cNvPr id="173" name="+1234 567 890"/>
             <p:cNvSpPr txBox="1"/>
             <p:nvPr/>
           </p:nvSpPr>
           <p:spPr>
             <a:xfrm>
-              <a:off x="0" y="1033616"/>
-              <a:ext cx="1825161" cy="259183"/>
+              <a:off x="366269" y="0"/>
+              <a:ext cx="1328520" cy="288270"/>
             </a:xfrm>
             <a:prstGeom prst="rect">
               <a:avLst/>
@@ -3402,41 +3841,44 @@
             <a:effectLst/>
             <a:extLst>
               <a:ext uri="{C572A759-6A51-4108-AA02-DFA0A04FC94B}">
-                <ma14:wrappingTextBoxFlag xmlns="" xmlns:m="http://schemas.openxmlformats.org/officeDocument/2006/math" xmlns:a14="http://schemas.microsoft.com/office/drawing/2010/main" xmlns:ma14="http://schemas.microsoft.com/office/mac/drawingml/2011/main" val="1"/>
+                <ma14:wrappingTextBoxFlag xmlns:ma14="http://schemas.microsoft.com/office/mac/drawingml/2011/main" xmlns:a14="http://schemas.microsoft.com/office/drawing/2010/main" xmlns:m="http://schemas.openxmlformats.org/officeDocument/2006/math" xmlns="" val="1"/>
               </a:ext>
             </a:extLst>
           </p:spPr>
           <p:txBody>
-            <a:bodyPr wrap="square" lIns="0" tIns="0" rIns="0" bIns="0" numCol="1" anchor="ctr">
+            <a:bodyPr wrap="square" lIns="50800" tIns="50800" rIns="50800" bIns="50800" numCol="1" anchor="ctr">
               <a:noAutofit/>
             </a:bodyPr>
             <a:lstStyle>
-              <a:lvl1pPr algn="ctr" defTabSz="457200">
-                <a:defRPr sz="800">
-                  <a:latin typeface="Helvetica Neue Light"/>
-                  <a:ea typeface="Helvetica Neue Light"/>
-                  <a:cs typeface="Helvetica Neue Light"/>
-                  <a:sym typeface="Helvetica Neue Light"/>
+              <a:lvl1pPr defTabSz="457200">
+                <a:defRPr sz="900">
+                  <a:solidFill>
+                    <a:srgbClr val="333333"/>
+                  </a:solidFill>
+                  <a:latin typeface="Helvetica Neue"/>
+                  <a:ea typeface="Helvetica Neue"/>
+                  <a:cs typeface="Helvetica Neue"/>
+                  <a:sym typeface="Helvetica Neue"/>
                 </a:defRPr>
               </a:lvl1pPr>
             </a:lstStyle>
             <a:p>
               <a:r>
-                <a:t>2010 = 2011</a:t>
+                <a:t>+1234 567 890</a:t>
               </a:r>
             </a:p>
           </p:txBody>
         </p:sp>
         <p:sp>
           <p:nvSpPr>
-            <p:cNvPr id="493" name="Enter your degree"/>
+            <p:cNvPr id="174" name="youremail@mail.com"/>
             <p:cNvSpPr txBox="1"/>
             <p:nvPr/>
           </p:nvSpPr>
           <p:spPr>
             <a:xfrm>
-              <a:off x="78622" y="1349216"/>
-              <a:ext cx="1684889" cy="259183"/>
+              <a:off x="366269" y="351362"/>
+              <a:ext cx="1748647" cy="288270"/>
             </a:xfrm>
             <a:prstGeom prst="rect">
               <a:avLst/>
@@ -3449,17 +3891,20 @@
             <a:effectLst/>
             <a:extLst>
               <a:ext uri="{C572A759-6A51-4108-AA02-DFA0A04FC94B}">
-                <ma14:wrappingTextBoxFlag xmlns="" xmlns:m="http://schemas.openxmlformats.org/officeDocument/2006/math" xmlns:a14="http://schemas.microsoft.com/office/drawing/2010/main" xmlns:ma14="http://schemas.microsoft.com/office/mac/drawingml/2011/main" val="1"/>
+                <ma14:wrappingTextBoxFlag xmlns:ma14="http://schemas.microsoft.com/office/mac/drawingml/2011/main" xmlns:a14="http://schemas.microsoft.com/office/drawing/2010/main" xmlns:m="http://schemas.openxmlformats.org/officeDocument/2006/math" xmlns="" val="1"/>
               </a:ext>
             </a:extLst>
           </p:spPr>
           <p:txBody>
-            <a:bodyPr wrap="square" lIns="0" tIns="0" rIns="0" bIns="0" numCol="1" anchor="ctr">
+            <a:bodyPr wrap="square" lIns="50800" tIns="50800" rIns="50800" bIns="50800" numCol="1" anchor="ctr">
               <a:noAutofit/>
             </a:bodyPr>
             <a:lstStyle>
-              <a:lvl1pPr algn="ctr" defTabSz="457200">
-                <a:defRPr sz="900" cap="all">
+              <a:lvl1pPr defTabSz="457200">
+                <a:defRPr sz="900">
+                  <a:solidFill>
+                    <a:srgbClr val="333333"/>
+                  </a:solidFill>
                   <a:latin typeface="Helvetica Neue"/>
                   <a:ea typeface="Helvetica Neue"/>
                   <a:cs typeface="Helvetica Neue"/>
@@ -3469,21 +3914,21 @@
             </a:lstStyle>
             <a:p>
               <a:r>
-                <a:t>Enter your degree</a:t>
+                <a:t>youremail@mail.com</a:t>
               </a:r>
             </a:p>
           </p:txBody>
         </p:sp>
         <p:sp>
           <p:nvSpPr>
-            <p:cNvPr id="494" name="University name"/>
+            <p:cNvPr id="175" name="www.yourwebsite.com"/>
             <p:cNvSpPr txBox="1"/>
             <p:nvPr/>
           </p:nvSpPr>
           <p:spPr>
             <a:xfrm>
-              <a:off x="0" y="1543626"/>
-              <a:ext cx="1825161" cy="259183"/>
+              <a:off x="366269" y="707665"/>
+              <a:ext cx="1748647" cy="288270"/>
             </a:xfrm>
             <a:prstGeom prst="rect">
               <a:avLst/>
@@ -3496,41 +3941,44 @@
             <a:effectLst/>
             <a:extLst>
               <a:ext uri="{C572A759-6A51-4108-AA02-DFA0A04FC94B}">
-                <ma14:wrappingTextBoxFlag xmlns="" xmlns:m="http://schemas.openxmlformats.org/officeDocument/2006/math" xmlns:a14="http://schemas.microsoft.com/office/drawing/2010/main" xmlns:ma14="http://schemas.microsoft.com/office/mac/drawingml/2011/main" val="1"/>
+                <ma14:wrappingTextBoxFlag xmlns:ma14="http://schemas.microsoft.com/office/mac/drawingml/2011/main" xmlns:a14="http://schemas.microsoft.com/office/drawing/2010/main" xmlns:m="http://schemas.openxmlformats.org/officeDocument/2006/math" xmlns="" val="1"/>
               </a:ext>
             </a:extLst>
           </p:spPr>
           <p:txBody>
-            <a:bodyPr wrap="square" lIns="0" tIns="0" rIns="0" bIns="0" numCol="1" anchor="ctr">
+            <a:bodyPr wrap="square" lIns="50800" tIns="50800" rIns="50800" bIns="50800" numCol="1" anchor="ctr">
               <a:noAutofit/>
             </a:bodyPr>
             <a:lstStyle>
-              <a:lvl1pPr algn="ctr" defTabSz="457200">
+              <a:lvl1pPr defTabSz="457200">
                 <a:defRPr sz="900">
-                  <a:latin typeface="Helvetica Neue Medium"/>
-                  <a:ea typeface="Helvetica Neue Medium"/>
-                  <a:cs typeface="Helvetica Neue Medium"/>
-                  <a:sym typeface="Helvetica Neue Medium"/>
+                  <a:solidFill>
+                    <a:srgbClr val="333333"/>
+                  </a:solidFill>
+                  <a:latin typeface="Helvetica Neue"/>
+                  <a:ea typeface="Helvetica Neue"/>
+                  <a:cs typeface="Helvetica Neue"/>
+                  <a:sym typeface="Helvetica Neue"/>
                 </a:defRPr>
               </a:lvl1pPr>
             </a:lstStyle>
             <a:p>
               <a:r>
-                <a:t>University name</a:t>
+                <a:t>www.yourwebsite.com</a:t>
               </a:r>
             </a:p>
           </p:txBody>
         </p:sp>
         <p:sp>
           <p:nvSpPr>
-            <p:cNvPr id="495" name="2010 = 2011"/>
+            <p:cNvPr id="176" name="Country, Zip Postal Code"/>
             <p:cNvSpPr txBox="1"/>
             <p:nvPr/>
           </p:nvSpPr>
           <p:spPr>
             <a:xfrm>
-              <a:off x="0" y="1725025"/>
-              <a:ext cx="1825161" cy="259182"/>
+              <a:off x="366269" y="1097995"/>
+              <a:ext cx="1525930" cy="288270"/>
             </a:xfrm>
             <a:prstGeom prst="rect">
               <a:avLst/>
@@ -3543,208 +3991,20 @@
             <a:effectLst/>
             <a:extLst>
               <a:ext uri="{C572A759-6A51-4108-AA02-DFA0A04FC94B}">
-                <ma14:wrappingTextBoxFlag xmlns="" xmlns:m="http://schemas.openxmlformats.org/officeDocument/2006/math" xmlns:a14="http://schemas.microsoft.com/office/drawing/2010/main" xmlns:ma14="http://schemas.microsoft.com/office/mac/drawingml/2011/main" val="1"/>
+                <ma14:wrappingTextBoxFlag xmlns:ma14="http://schemas.microsoft.com/office/mac/drawingml/2011/main" xmlns:a14="http://schemas.microsoft.com/office/drawing/2010/main" xmlns:m="http://schemas.openxmlformats.org/officeDocument/2006/math" xmlns="" val="1"/>
               </a:ext>
             </a:extLst>
           </p:spPr>
           <p:txBody>
-            <a:bodyPr wrap="square" lIns="0" tIns="0" rIns="0" bIns="0" numCol="1" anchor="ctr">
-              <a:noAutofit/>
-            </a:bodyPr>
-            <a:lstStyle>
-              <a:lvl1pPr algn="ctr" defTabSz="457200">
-                <a:defRPr sz="800">
-                  <a:latin typeface="Helvetica Neue Light"/>
-                  <a:ea typeface="Helvetica Neue Light"/>
-                  <a:cs typeface="Helvetica Neue Light"/>
-                  <a:sym typeface="Helvetica Neue Light"/>
-                </a:defRPr>
-              </a:lvl1pPr>
-            </a:lstStyle>
-            <a:p>
-              <a:r>
-                <a:t>2010 = 2011</a:t>
-              </a:r>
-            </a:p>
-          </p:txBody>
-        </p:sp>
-      </p:grpSp>
-      <p:sp>
-        <p:nvSpPr>
-          <p:cNvPr id="497" name="About me"/>
-          <p:cNvSpPr txBox="1"/>
-          <p:nvPr/>
-        </p:nvSpPr>
-        <p:spPr>
-          <a:xfrm>
-            <a:off x="3194269" y="2539275"/>
-            <a:ext cx="1544618" cy="270211"/>
-          </a:xfrm>
-          <a:prstGeom prst="rect">
-            <a:avLst/>
-          </a:prstGeom>
-          <a:ln w="12700">
-            <a:miter lim="400000"/>
-          </a:ln>
-          <a:extLst>
-            <a:ext uri="{C572A759-6A51-4108-AA02-DFA0A04FC94B}">
-              <ma14:wrappingTextBoxFlag xmlns="" xmlns:m="http://schemas.openxmlformats.org/officeDocument/2006/math" xmlns:a14="http://schemas.microsoft.com/office/drawing/2010/main" xmlns:ma14="http://schemas.microsoft.com/office/mac/drawingml/2011/main" val="1"/>
-            </a:ext>
-          </a:extLst>
-        </p:spPr>
-        <p:txBody>
-          <a:bodyPr lIns="0" tIns="0" rIns="0" bIns="0" anchor="ctr"/>
-          <a:lstStyle>
-            <a:lvl1pPr defTabSz="457200">
-              <a:defRPr sz="1200" cap="all" spc="432">
-                <a:latin typeface="Helvetica Neue Light"/>
-                <a:ea typeface="Helvetica Neue Light"/>
-                <a:cs typeface="Helvetica Neue Light"/>
-                <a:sym typeface="Helvetica Neue Light"/>
-              </a:defRPr>
-            </a:lvl1pPr>
-          </a:lstStyle>
-          <a:p>
-            <a:r>
-              <a:t>About me</a:t>
-            </a:r>
-          </a:p>
-        </p:txBody>
-      </p:sp>
-      <p:sp>
-        <p:nvSpPr>
-          <p:cNvPr id="498" name="Lorem ipsum dolor sit amet, consectetur adipiscing elit. Aliquam ac bibendum dui. Proin convallis libero id diam porta, facilisis varius velit tempus. Mauris semper, sem sit amet semper porttitor, lectus enim vehicula enim, vel scelerisque metus ligula i"/>
-          <p:cNvSpPr txBox="1"/>
-          <p:nvPr/>
-        </p:nvSpPr>
-        <p:spPr>
-          <a:xfrm>
-            <a:off x="3194269" y="2907125"/>
-            <a:ext cx="4213389" cy="634907"/>
-          </a:xfrm>
-          <a:prstGeom prst="rect">
-            <a:avLst/>
-          </a:prstGeom>
-          <a:ln w="12700">
-            <a:miter lim="400000"/>
-          </a:ln>
-          <a:extLst>
-            <a:ext uri="{C572A759-6A51-4108-AA02-DFA0A04FC94B}">
-              <ma14:wrappingTextBoxFlag xmlns="" xmlns:m="http://schemas.openxmlformats.org/officeDocument/2006/math" xmlns:a14="http://schemas.microsoft.com/office/drawing/2010/main" xmlns:ma14="http://schemas.microsoft.com/office/mac/drawingml/2011/main" val="1"/>
-            </a:ext>
-          </a:extLst>
-        </p:spPr>
-        <p:txBody>
-          <a:bodyPr lIns="0" tIns="0" rIns="0" bIns="0"/>
-          <a:lstStyle>
-            <a:lvl1pPr algn="just" defTabSz="457200">
-              <a:lnSpc>
-                <a:spcPct val="120000"/>
-              </a:lnSpc>
-              <a:defRPr sz="800">
-                <a:latin typeface="Helvetica Neue Light"/>
-                <a:ea typeface="Helvetica Neue Light"/>
-                <a:cs typeface="Helvetica Neue Light"/>
-                <a:sym typeface="Helvetica Neue Light"/>
-              </a:defRPr>
-            </a:lvl1pPr>
-          </a:lstStyle>
-          <a:p>
-            <a:r>
-              <a:t>Lorem ipsum dolor sit amet, consectetur adipiscing elit. Aliquam ac bibendum dui. Proin convallis libero id diam porta, facilisis varius velit tempus. Mauris semper, sem sit amet semper porttitor, lectus enim vehicula enim, vel scelerisque metus ligula id nibh. Nullam vitae sem fermentum, dignissim dui eget, luctus ex.</a:t>
-            </a:r>
-          </a:p>
-        </p:txBody>
-      </p:sp>
-      <p:sp>
-        <p:nvSpPr>
-          <p:cNvPr id="499" name="Work experience"/>
-          <p:cNvSpPr txBox="1"/>
-          <p:nvPr/>
-        </p:nvSpPr>
-        <p:spPr>
-          <a:xfrm>
-            <a:off x="3194269" y="3788330"/>
-            <a:ext cx="2668773" cy="270212"/>
-          </a:xfrm>
-          <a:prstGeom prst="rect">
-            <a:avLst/>
-          </a:prstGeom>
-          <a:ln w="12700">
-            <a:miter lim="400000"/>
-          </a:ln>
-          <a:extLst>
-            <a:ext uri="{C572A759-6A51-4108-AA02-DFA0A04FC94B}">
-              <ma14:wrappingTextBoxFlag xmlns="" xmlns:m="http://schemas.openxmlformats.org/officeDocument/2006/math" xmlns:a14="http://schemas.microsoft.com/office/drawing/2010/main" xmlns:ma14="http://schemas.microsoft.com/office/mac/drawingml/2011/main" val="1"/>
-            </a:ext>
-          </a:extLst>
-        </p:spPr>
-        <p:txBody>
-          <a:bodyPr lIns="0" tIns="0" rIns="0" bIns="0" anchor="ctr"/>
-          <a:lstStyle>
-            <a:lvl1pPr defTabSz="457200">
-              <a:defRPr sz="1200" cap="all" spc="432">
-                <a:latin typeface="Helvetica Neue Light"/>
-                <a:ea typeface="Helvetica Neue Light"/>
-                <a:cs typeface="Helvetica Neue Light"/>
-                <a:sym typeface="Helvetica Neue Light"/>
-              </a:defRPr>
-            </a:lvl1pPr>
-          </a:lstStyle>
-          <a:p>
-            <a:r>
-              <a:t>Work experience</a:t>
-            </a:r>
-          </a:p>
-        </p:txBody>
-      </p:sp>
-      <p:grpSp>
-        <p:nvGrpSpPr>
-          <p:cNvPr id="503" name="Сгруппировать"/>
-          <p:cNvGrpSpPr/>
-          <p:nvPr/>
-        </p:nvGrpSpPr>
-        <p:grpSpPr>
-          <a:xfrm>
-            <a:off x="3194269" y="4188180"/>
-            <a:ext cx="4226353" cy="894138"/>
-            <a:chOff x="0" y="0"/>
-            <a:chExt cx="4226351" cy="894136"/>
-          </a:xfrm>
-        </p:grpSpPr>
-        <p:sp>
-          <p:nvSpPr>
-            <p:cNvPr id="500" name="Job position here | company"/>
-            <p:cNvSpPr txBox="1"/>
-            <p:nvPr/>
-          </p:nvSpPr>
-          <p:spPr>
-            <a:xfrm>
-              <a:off x="-1" y="-1"/>
-              <a:ext cx="2242990" cy="259183"/>
-            </a:xfrm>
-            <a:prstGeom prst="rect">
-              <a:avLst/>
-            </a:prstGeom>
-            <a:noFill/>
-            <a:ln w="12700" cap="flat">
-              <a:noFill/>
-              <a:miter lim="400000"/>
-            </a:ln>
-            <a:effectLst/>
-            <a:extLst>
-              <a:ext uri="{C572A759-6A51-4108-AA02-DFA0A04FC94B}">
-                <ma14:wrappingTextBoxFlag xmlns="" xmlns:m="http://schemas.openxmlformats.org/officeDocument/2006/math" xmlns:a14="http://schemas.microsoft.com/office/drawing/2010/main" xmlns:ma14="http://schemas.microsoft.com/office/mac/drawingml/2011/main" val="1"/>
-              </a:ext>
-            </a:extLst>
-          </p:spPr>
-          <p:txBody>
-            <a:bodyPr wrap="square" lIns="0" tIns="0" rIns="0" bIns="0" numCol="1" anchor="ctr">
+            <a:bodyPr wrap="square" lIns="50800" tIns="50800" rIns="50800" bIns="50800" numCol="1" anchor="t">
               <a:noAutofit/>
             </a:bodyPr>
             <a:lstStyle>
               <a:lvl1pPr defTabSz="457200">
-                <a:defRPr sz="1000" cap="all" spc="50">
+                <a:defRPr sz="900">
+                  <a:solidFill>
+                    <a:srgbClr val="333333"/>
+                  </a:solidFill>
                   <a:latin typeface="Helvetica Neue"/>
                   <a:ea typeface="Helvetica Neue"/>
                   <a:cs typeface="Helvetica Neue"/>
@@ -3754,437 +4014,179 @@
             </a:lstStyle>
             <a:p>
               <a:r>
-                <a:t>Job position here | company</a:t>
+                <a:t>Country, Zip Postal Code</a:t>
               </a:r>
             </a:p>
           </p:txBody>
         </p:sp>
-        <p:sp>
-          <p:nvSpPr>
-            <p:cNvPr id="501" name="Lorem ipsum dolor sit amet, consectetur adipiscing elit. Aliquam ac bibendum dui. Proin convallis libero id diam porta, facilisis varius velit tempus. Mauris semper, sem sit amet semper porttitor, lectus enim vehicula enim, vel scelerisque metus ligula i"/>
-            <p:cNvSpPr txBox="1"/>
+        <p:pic>
+          <p:nvPicPr>
+            <p:cNvPr id="177" name="Group 10.png" descr="Group 10.png"/>
+            <p:cNvPicPr>
+              <a:picLocks noChangeAspect="1"/>
+            </p:cNvPicPr>
             <p:nvPr/>
-          </p:nvSpPr>
+          </p:nvPicPr>
+          <p:blipFill>
+            <a:blip r:embed="rId2"/>
+            <a:srcRect/>
+            <a:stretch>
+              <a:fillRect/>
+            </a:stretch>
+          </p:blipFill>
           <p:spPr>
             <a:xfrm>
-              <a:off x="0" y="259230"/>
-              <a:ext cx="4213388" cy="634907"/>
+              <a:off x="25618" y="372246"/>
+              <a:ext cx="275690" cy="275690"/>
             </a:xfrm>
             <a:prstGeom prst="rect">
               <a:avLst/>
             </a:prstGeom>
-            <a:noFill/>
             <a:ln w="12700" cap="flat">
               <a:noFill/>
               <a:miter lim="400000"/>
             </a:ln>
             <a:effectLst/>
-            <a:extLst>
-              <a:ext uri="{C572A759-6A51-4108-AA02-DFA0A04FC94B}">
-                <ma14:wrappingTextBoxFlag xmlns="" xmlns:m="http://schemas.openxmlformats.org/officeDocument/2006/math" xmlns:a14="http://schemas.microsoft.com/office/drawing/2010/main" xmlns:ma14="http://schemas.microsoft.com/office/mac/drawingml/2011/main" val="1"/>
-              </a:ext>
-            </a:extLst>
           </p:spPr>
-          <p:txBody>
-            <a:bodyPr wrap="square" lIns="0" tIns="0" rIns="0" bIns="0" numCol="1" anchor="t">
-              <a:noAutofit/>
-            </a:bodyPr>
-            <a:lstStyle>
-              <a:lvl1pPr algn="just" defTabSz="457200">
-                <a:lnSpc>
-                  <a:spcPct val="120000"/>
-                </a:lnSpc>
-                <a:defRPr sz="800">
-                  <a:latin typeface="Helvetica Neue Light"/>
-                  <a:ea typeface="Helvetica Neue Light"/>
-                  <a:cs typeface="Helvetica Neue Light"/>
-                  <a:sym typeface="Helvetica Neue Light"/>
-                </a:defRPr>
-              </a:lvl1pPr>
-            </a:lstStyle>
-            <a:p>
-              <a:r>
-                <a:t>Lorem ipsum dolor sit amet, consectetur adipiscing elit. Aliquam ac bibendum dui. Proin convallis libero id diam porta, facilisis varius velit tempus. Mauris semper, sem sit amet semper porttitor, lectus enim vehicula enim, vel scelerisque metus ligula id nibh. Nullam vitae sem fermentum, dignissim dui eget, luctus ex.</a:t>
-              </a:r>
-            </a:p>
-          </p:txBody>
-        </p:sp>
-        <p:sp>
-          <p:nvSpPr>
-            <p:cNvPr id="502" name="2011 = 2017"/>
-            <p:cNvSpPr txBox="1"/>
+        </p:pic>
+        <p:pic>
+          <p:nvPicPr>
+            <p:cNvPr id="178" name="Group 12.png" descr="Group 12.png"/>
+            <p:cNvPicPr>
+              <a:picLocks noChangeAspect="1"/>
+            </p:cNvPicPr>
             <p:nvPr/>
-          </p:nvSpPr>
+          </p:nvPicPr>
+          <p:blipFill>
+            <a:blip r:embed="rId3"/>
+            <a:srcRect l="9013" t="9013" r="9013" b="9013"/>
+            <a:stretch>
+              <a:fillRect/>
+            </a:stretch>
+          </p:blipFill>
           <p:spPr>
             <a:xfrm>
-              <a:off x="3369186" y="0"/>
-              <a:ext cx="857166" cy="259182"/>
+              <a:off x="0" y="1089893"/>
+              <a:ext cx="317353" cy="317353"/>
             </a:xfrm>
             <a:prstGeom prst="rect">
               <a:avLst/>
             </a:prstGeom>
-            <a:noFill/>
             <a:ln w="12700" cap="flat">
               <a:noFill/>
               <a:miter lim="400000"/>
             </a:ln>
             <a:effectLst/>
-            <a:extLst>
-              <a:ext uri="{C572A759-6A51-4108-AA02-DFA0A04FC94B}">
-                <ma14:wrappingTextBoxFlag xmlns="" xmlns:m="http://schemas.openxmlformats.org/officeDocument/2006/math" xmlns:a14="http://schemas.microsoft.com/office/drawing/2010/main" xmlns:ma14="http://schemas.microsoft.com/office/mac/drawingml/2011/main" val="1"/>
-              </a:ext>
-            </a:extLst>
           </p:spPr>
-          <p:txBody>
-            <a:bodyPr wrap="square" lIns="0" tIns="0" rIns="0" bIns="0" numCol="1" anchor="ctr">
-              <a:noAutofit/>
-            </a:bodyPr>
-            <a:lstStyle>
-              <a:lvl1pPr algn="r" defTabSz="457200">
-                <a:defRPr sz="800">
-                  <a:latin typeface="Helvetica Neue Light"/>
-                  <a:ea typeface="Helvetica Neue Light"/>
-                  <a:cs typeface="Helvetica Neue Light"/>
-                  <a:sym typeface="Helvetica Neue Light"/>
-                </a:defRPr>
-              </a:lvl1pPr>
-            </a:lstStyle>
-            <a:p>
-              <a:r>
-                <a:t>2011 = 2017</a:t>
-              </a:r>
-            </a:p>
-          </p:txBody>
-        </p:sp>
-      </p:grpSp>
-      <p:grpSp>
-        <p:nvGrpSpPr>
-          <p:cNvPr id="507" name="Сгруппировать"/>
-          <p:cNvGrpSpPr/>
-          <p:nvPr/>
-        </p:nvGrpSpPr>
-        <p:grpSpPr>
-          <a:xfrm>
-            <a:off x="3194269" y="5160100"/>
-            <a:ext cx="4226353" cy="894138"/>
-            <a:chOff x="0" y="0"/>
-            <a:chExt cx="4226351" cy="894136"/>
-          </a:xfrm>
-        </p:grpSpPr>
-        <p:sp>
-          <p:nvSpPr>
-            <p:cNvPr id="504" name="Job position here | company"/>
-            <p:cNvSpPr txBox="1"/>
+        </p:pic>
+        <p:pic>
+          <p:nvPicPr>
+            <p:cNvPr id="179" name="Group 13.png" descr="Group 13.png"/>
+            <p:cNvPicPr>
+              <a:picLocks noChangeAspect="1"/>
+            </p:cNvPicPr>
             <p:nvPr/>
-          </p:nvSpPr>
+          </p:nvPicPr>
+          <p:blipFill>
+            <a:blip r:embed="rId4"/>
+            <a:srcRect/>
+            <a:stretch>
+              <a:fillRect/>
+            </a:stretch>
+          </p:blipFill>
           <p:spPr>
             <a:xfrm>
-              <a:off x="-1" y="-1"/>
-              <a:ext cx="2403863" cy="259183"/>
+              <a:off x="26454" y="21720"/>
+              <a:ext cx="274017" cy="274017"/>
             </a:xfrm>
             <a:prstGeom prst="rect">
               <a:avLst/>
             </a:prstGeom>
-            <a:noFill/>
             <a:ln w="12700" cap="flat">
               <a:noFill/>
               <a:miter lim="400000"/>
             </a:ln>
             <a:effectLst/>
-            <a:extLst>
-              <a:ext uri="{C572A759-6A51-4108-AA02-DFA0A04FC94B}">
-                <ma14:wrappingTextBoxFlag xmlns="" xmlns:m="http://schemas.openxmlformats.org/officeDocument/2006/math" xmlns:a14="http://schemas.microsoft.com/office/drawing/2010/main" xmlns:ma14="http://schemas.microsoft.com/office/mac/drawingml/2011/main" val="1"/>
-              </a:ext>
-            </a:extLst>
           </p:spPr>
-          <p:txBody>
-            <a:bodyPr wrap="square" lIns="0" tIns="0" rIns="0" bIns="0" numCol="1" anchor="ctr">
-              <a:noAutofit/>
-            </a:bodyPr>
-            <a:lstStyle>
-              <a:lvl1pPr defTabSz="457200">
-                <a:defRPr sz="1000" cap="all" spc="50">
-                  <a:latin typeface="Helvetica Neue"/>
-                  <a:ea typeface="Helvetica Neue"/>
-                  <a:cs typeface="Helvetica Neue"/>
-                  <a:sym typeface="Helvetica Neue"/>
-                </a:defRPr>
-              </a:lvl1pPr>
-            </a:lstStyle>
-            <a:p>
-              <a:r>
-                <a:t>Job position here | company</a:t>
-              </a:r>
-            </a:p>
-          </p:txBody>
-        </p:sp>
-        <p:sp>
-          <p:nvSpPr>
-            <p:cNvPr id="505" name="Lorem ipsum dolor sit amet, consectetur adipiscing elit. Aliquam ac bibendum dui. Proin convallis libero id diam porta, facilisis varius velit tempus. Mauris semper, sem sit amet semper porttitor, lectus enim vehicula enim, vel scelerisque metus ligula i"/>
-            <p:cNvSpPr txBox="1"/>
+        </p:pic>
+        <p:pic>
+          <p:nvPicPr>
+            <p:cNvPr id="180" name="Group 11.png" descr="Group 11.png"/>
+            <p:cNvPicPr>
+              <a:picLocks noChangeAspect="1"/>
+            </p:cNvPicPr>
             <p:nvPr/>
-          </p:nvSpPr>
+          </p:nvPicPr>
+          <p:blipFill>
+            <a:blip r:embed="rId5"/>
+            <a:srcRect/>
+            <a:stretch>
+              <a:fillRect/>
+            </a:stretch>
+          </p:blipFill>
           <p:spPr>
             <a:xfrm>
-              <a:off x="0" y="259230"/>
-              <a:ext cx="4213388" cy="634907"/>
+              <a:off x="583" y="703513"/>
+              <a:ext cx="333706" cy="333707"/>
             </a:xfrm>
             <a:prstGeom prst="rect">
               <a:avLst/>
             </a:prstGeom>
-            <a:noFill/>
             <a:ln w="12700" cap="flat">
               <a:noFill/>
               <a:miter lim="400000"/>
             </a:ln>
             <a:effectLst/>
-            <a:extLst>
-              <a:ext uri="{C572A759-6A51-4108-AA02-DFA0A04FC94B}">
-                <ma14:wrappingTextBoxFlag xmlns="" xmlns:m="http://schemas.openxmlformats.org/officeDocument/2006/math" xmlns:a14="http://schemas.microsoft.com/office/drawing/2010/main" xmlns:ma14="http://schemas.microsoft.com/office/mac/drawingml/2011/main" val="1"/>
-              </a:ext>
-            </a:extLst>
           </p:spPr>
-          <p:txBody>
-            <a:bodyPr wrap="square" lIns="0" tIns="0" rIns="0" bIns="0" numCol="1" anchor="t">
-              <a:noAutofit/>
-            </a:bodyPr>
-            <a:lstStyle>
-              <a:lvl1pPr algn="just" defTabSz="457200">
-                <a:lnSpc>
-                  <a:spcPct val="120000"/>
-                </a:lnSpc>
-                <a:defRPr sz="800">
-                  <a:latin typeface="Helvetica Neue Light"/>
-                  <a:ea typeface="Helvetica Neue Light"/>
-                  <a:cs typeface="Helvetica Neue Light"/>
-                  <a:sym typeface="Helvetica Neue Light"/>
-                </a:defRPr>
-              </a:lvl1pPr>
-            </a:lstStyle>
-            <a:p>
-              <a:r>
-                <a:t>Lorem ipsum dolor sit amet, consectetur adipiscing elit. Aliquam ac bibendum dui. Proin convallis libero id diam porta, facilisis varius velit tempus. Mauris semper, sem sit amet semper porttitor, lectus enim vehicula enim, vel scelerisque metus ligula id nibh. Nullam vitae sem fermentum, dignissim dui eget, luctus ex.</a:t>
-              </a:r>
-            </a:p>
-          </p:txBody>
-        </p:sp>
-        <p:sp>
-          <p:nvSpPr>
-            <p:cNvPr id="506" name="2011 = 2017"/>
-            <p:cNvSpPr txBox="1"/>
-            <p:nvPr/>
-          </p:nvSpPr>
-          <p:spPr>
-            <a:xfrm>
-              <a:off x="3369186" y="0"/>
-              <a:ext cx="857166" cy="259182"/>
-            </a:xfrm>
-            <a:prstGeom prst="rect">
-              <a:avLst/>
-            </a:prstGeom>
-            <a:noFill/>
-            <a:ln w="12700" cap="flat">
-              <a:noFill/>
-              <a:miter lim="400000"/>
-            </a:ln>
-            <a:effectLst/>
-            <a:extLst>
-              <a:ext uri="{C572A759-6A51-4108-AA02-DFA0A04FC94B}">
-                <ma14:wrappingTextBoxFlag xmlns="" xmlns:m="http://schemas.openxmlformats.org/officeDocument/2006/math" xmlns:a14="http://schemas.microsoft.com/office/drawing/2010/main" xmlns:ma14="http://schemas.microsoft.com/office/mac/drawingml/2011/main" val="1"/>
-              </a:ext>
-            </a:extLst>
-          </p:spPr>
-          <p:txBody>
-            <a:bodyPr wrap="square" lIns="0" tIns="0" rIns="0" bIns="0" numCol="1" anchor="ctr">
-              <a:noAutofit/>
-            </a:bodyPr>
-            <a:lstStyle>
-              <a:lvl1pPr algn="r" defTabSz="457200">
-                <a:defRPr sz="800">
-                  <a:latin typeface="Helvetica Neue Light"/>
-                  <a:ea typeface="Helvetica Neue Light"/>
-                  <a:cs typeface="Helvetica Neue Light"/>
-                  <a:sym typeface="Helvetica Neue Light"/>
-                </a:defRPr>
-              </a:lvl1pPr>
-            </a:lstStyle>
-            <a:p>
-              <a:r>
-                <a:t>2011 = 2017</a:t>
-              </a:r>
-            </a:p>
-          </p:txBody>
-        </p:sp>
+        </p:pic>
       </p:grpSp>
-      <p:grpSp>
-        <p:nvGrpSpPr>
-          <p:cNvPr id="511" name="Сгруппировать"/>
-          <p:cNvGrpSpPr/>
+      <p:sp>
+        <p:nvSpPr>
+          <p:cNvPr id="182" name="Line"/>
+          <p:cNvSpPr/>
           <p:nvPr/>
-        </p:nvGrpSpPr>
-        <p:grpSpPr>
-          <a:xfrm>
-            <a:off x="3194269" y="6132020"/>
-            <a:ext cx="4226353" cy="894138"/>
-            <a:chOff x="0" y="0"/>
-            <a:chExt cx="4226351" cy="894136"/>
+        </p:nvSpPr>
+        <p:spPr>
+          <a:xfrm flipH="1" flipV="1">
+            <a:off x="675470" y="2506639"/>
+            <a:ext cx="4787794" cy="1"/>
           </a:xfrm>
-        </p:grpSpPr>
-        <p:sp>
-          <p:nvSpPr>
-            <p:cNvPr id="508" name="Job position here | company"/>
-            <p:cNvSpPr txBox="1"/>
-            <p:nvPr/>
-          </p:nvSpPr>
-          <p:spPr>
-            <a:xfrm>
-              <a:off x="-1" y="-1"/>
-              <a:ext cx="2369246" cy="259183"/>
-            </a:xfrm>
-            <a:prstGeom prst="rect">
-              <a:avLst/>
-            </a:prstGeom>
-            <a:noFill/>
-            <a:ln w="12700" cap="flat">
-              <a:noFill/>
-              <a:miter lim="400000"/>
-            </a:ln>
-            <a:effectLst/>
-            <a:extLst>
-              <a:ext uri="{C572A759-6A51-4108-AA02-DFA0A04FC94B}">
-                <ma14:wrappingTextBoxFlag xmlns="" xmlns:m="http://schemas.openxmlformats.org/officeDocument/2006/math" xmlns:a14="http://schemas.microsoft.com/office/drawing/2010/main" xmlns:ma14="http://schemas.microsoft.com/office/mac/drawingml/2011/main" val="1"/>
-              </a:ext>
-            </a:extLst>
-          </p:spPr>
-          <p:txBody>
-            <a:bodyPr wrap="square" lIns="0" tIns="0" rIns="0" bIns="0" numCol="1" anchor="ctr">
-              <a:noAutofit/>
-            </a:bodyPr>
-            <a:lstStyle>
-              <a:lvl1pPr defTabSz="457200">
-                <a:defRPr sz="1000" cap="all" spc="50">
-                  <a:latin typeface="Helvetica Neue"/>
-                  <a:ea typeface="Helvetica Neue"/>
-                  <a:cs typeface="Helvetica Neue"/>
-                  <a:sym typeface="Helvetica Neue"/>
-                </a:defRPr>
-              </a:lvl1pPr>
-            </a:lstStyle>
-            <a:p>
-              <a:r>
-                <a:t>Job position here | company</a:t>
-              </a:r>
-            </a:p>
-          </p:txBody>
-        </p:sp>
-        <p:sp>
-          <p:nvSpPr>
-            <p:cNvPr id="509" name="Lorem ipsum dolor sit amet, consectetur adipiscing elit. Aliquam ac bibendum dui. Proin convallis libero id diam porta, facilisis varius velit tempus. Mauris semper, sem sit amet semper porttitor, lectus enim vehicula enim, vel scelerisque metus ligula i"/>
-            <p:cNvSpPr txBox="1"/>
-            <p:nvPr/>
-          </p:nvSpPr>
-          <p:spPr>
-            <a:xfrm>
-              <a:off x="0" y="259230"/>
-              <a:ext cx="4213388" cy="634907"/>
-            </a:xfrm>
-            <a:prstGeom prst="rect">
-              <a:avLst/>
-            </a:prstGeom>
-            <a:noFill/>
-            <a:ln w="12700" cap="flat">
-              <a:noFill/>
-              <a:miter lim="400000"/>
-            </a:ln>
-            <a:effectLst/>
-            <a:extLst>
-              <a:ext uri="{C572A759-6A51-4108-AA02-DFA0A04FC94B}">
-                <ma14:wrappingTextBoxFlag xmlns="" xmlns:m="http://schemas.openxmlformats.org/officeDocument/2006/math" xmlns:a14="http://schemas.microsoft.com/office/drawing/2010/main" xmlns:ma14="http://schemas.microsoft.com/office/mac/drawingml/2011/main" val="1"/>
-              </a:ext>
-            </a:extLst>
-          </p:spPr>
-          <p:txBody>
-            <a:bodyPr wrap="square" lIns="0" tIns="0" rIns="0" bIns="0" numCol="1" anchor="t">
-              <a:noAutofit/>
-            </a:bodyPr>
-            <a:lstStyle>
-              <a:lvl1pPr algn="just" defTabSz="457200">
-                <a:lnSpc>
-                  <a:spcPct val="120000"/>
-                </a:lnSpc>
-                <a:defRPr sz="800">
-                  <a:latin typeface="Helvetica Neue Light"/>
-                  <a:ea typeface="Helvetica Neue Light"/>
-                  <a:cs typeface="Helvetica Neue Light"/>
-                  <a:sym typeface="Helvetica Neue Light"/>
-                </a:defRPr>
-              </a:lvl1pPr>
-            </a:lstStyle>
-            <a:p>
-              <a:r>
-                <a:t>Lorem ipsum dolor sit amet, consectetur adipiscing elit. Aliquam ac bibendum dui. Proin convallis libero id diam porta, facilisis varius velit tempus. Mauris semper, sem sit amet semper porttitor, lectus enim vehicula enim, vel scelerisque metus ligula id nibh. Nullam vitae sem fermentum, dignissim dui eget, luctus ex.</a:t>
-              </a:r>
-            </a:p>
-          </p:txBody>
-        </p:sp>
-        <p:sp>
-          <p:nvSpPr>
-            <p:cNvPr id="510" name="2011 = 2017"/>
-            <p:cNvSpPr txBox="1"/>
-            <p:nvPr/>
-          </p:nvSpPr>
-          <p:spPr>
-            <a:xfrm>
-              <a:off x="3369186" y="0"/>
-              <a:ext cx="857166" cy="259182"/>
-            </a:xfrm>
-            <a:prstGeom prst="rect">
-              <a:avLst/>
-            </a:prstGeom>
-            <a:noFill/>
-            <a:ln w="12700" cap="flat">
-              <a:noFill/>
-              <a:miter lim="400000"/>
-            </a:ln>
-            <a:effectLst/>
-            <a:extLst>
-              <a:ext uri="{C572A759-6A51-4108-AA02-DFA0A04FC94B}">
-                <ma14:wrappingTextBoxFlag xmlns="" xmlns:m="http://schemas.openxmlformats.org/officeDocument/2006/math" xmlns:a14="http://schemas.microsoft.com/office/drawing/2010/main" xmlns:ma14="http://schemas.microsoft.com/office/mac/drawingml/2011/main" val="1"/>
-              </a:ext>
-            </a:extLst>
-          </p:spPr>
-          <p:txBody>
-            <a:bodyPr wrap="square" lIns="0" tIns="0" rIns="0" bIns="0" numCol="1" anchor="ctr">
-              <a:noAutofit/>
-            </a:bodyPr>
-            <a:lstStyle>
-              <a:lvl1pPr algn="r" defTabSz="457200">
-                <a:defRPr sz="800">
-                  <a:latin typeface="Helvetica Neue Light"/>
-                  <a:ea typeface="Helvetica Neue Light"/>
-                  <a:cs typeface="Helvetica Neue Light"/>
-                  <a:sym typeface="Helvetica Neue Light"/>
-                </a:defRPr>
-              </a:lvl1pPr>
-            </a:lstStyle>
-            <a:p>
-              <a:r>
-                <a:t>2011 = 2017</a:t>
-              </a:r>
-            </a:p>
-          </p:txBody>
-        </p:sp>
-      </p:grpSp>
-      <p:sp>
-        <p:nvSpPr>
-          <p:cNvPr id="512" name="References"/>
+          <a:prstGeom prst="line">
+            <a:avLst/>
+          </a:prstGeom>
+          <a:ln w="12700">
+            <a:solidFill>
+              <a:srgbClr val="C8C8C8"/>
+            </a:solidFill>
+            <a:miter/>
+          </a:ln>
+        </p:spPr>
+        <p:txBody>
+          <a:bodyPr lIns="50800" tIns="50800" rIns="50800" bIns="50800"/>
+          <a:lstStyle/>
+          <a:p>
+            <a:pPr defTabSz="457200">
+              <a:defRPr sz="1100">
+                <a:latin typeface="Helvetica Neue"/>
+                <a:ea typeface="Helvetica Neue"/>
+                <a:cs typeface="Helvetica Neue"/>
+                <a:sym typeface="Helvetica Neue"/>
+              </a:defRPr>
+            </a:pPr>
+            <a:endParaRPr/>
+          </a:p>
+        </p:txBody>
+      </p:sp>
+      <p:sp>
+        <p:nvSpPr>
+          <p:cNvPr id="183" name="Education"/>
           <p:cNvSpPr txBox="1"/>
           <p:nvPr/>
         </p:nvSpPr>
         <p:spPr>
           <a:xfrm>
-            <a:off x="3194269" y="7305870"/>
-            <a:ext cx="2668773" cy="270212"/>
+            <a:off x="705983" y="4518428"/>
+            <a:ext cx="2298663" cy="447382"/>
           </a:xfrm>
           <a:prstGeom prst="rect">
             <a:avLst/>
@@ -4194,15 +4196,572 @@
           </a:ln>
           <a:extLst>
             <a:ext uri="{C572A759-6A51-4108-AA02-DFA0A04FC94B}">
-              <ma14:wrappingTextBoxFlag xmlns="" xmlns:m="http://schemas.openxmlformats.org/officeDocument/2006/math" xmlns:a14="http://schemas.microsoft.com/office/drawing/2010/main" xmlns:ma14="http://schemas.microsoft.com/office/mac/drawingml/2011/main" val="1"/>
+              <ma14:wrappingTextBoxFlag xmlns:ma14="http://schemas.microsoft.com/office/mac/drawingml/2011/main" xmlns:a14="http://schemas.microsoft.com/office/drawing/2010/main" xmlns:m="http://schemas.openxmlformats.org/officeDocument/2006/math" xmlns="" val="1"/>
             </a:ext>
           </a:extLst>
         </p:spPr>
         <p:txBody>
-          <a:bodyPr lIns="0" tIns="0" rIns="0" bIns="0" anchor="ctr"/>
+          <a:bodyPr lIns="50800" tIns="50800" rIns="50800" bIns="50800" anchor="ctr"/>
           <a:lstStyle>
             <a:lvl1pPr defTabSz="457200">
-              <a:defRPr sz="1200" cap="all" spc="432">
+              <a:defRPr sz="1300" cap="all" spc="455">
+                <a:solidFill>
+                  <a:srgbClr val="F77F00"/>
+                </a:solidFill>
+                <a:latin typeface="Helvetica Neue"/>
+                <a:ea typeface="Helvetica Neue"/>
+                <a:cs typeface="Helvetica Neue"/>
+                <a:sym typeface="Helvetica Neue"/>
+              </a:defRPr>
+            </a:lvl1pPr>
+          </a:lstStyle>
+          <a:p>
+            <a:r>
+              <a:t>Education</a:t>
+            </a:r>
+          </a:p>
+        </p:txBody>
+      </p:sp>
+      <p:sp>
+        <p:nvSpPr>
+          <p:cNvPr id="184" name="Line"/>
+          <p:cNvSpPr/>
+          <p:nvPr/>
+        </p:nvSpPr>
+        <p:spPr>
+          <a:xfrm flipH="1" flipV="1">
+            <a:off x="636523" y="4957706"/>
+            <a:ext cx="5968846" cy="1"/>
+          </a:xfrm>
+          <a:prstGeom prst="line">
+            <a:avLst/>
+          </a:prstGeom>
+          <a:ln w="12700">
+            <a:solidFill>
+              <a:srgbClr val="C8C8C8"/>
+            </a:solidFill>
+            <a:miter lim="400000"/>
+          </a:ln>
+        </p:spPr>
+        <p:txBody>
+          <a:bodyPr lIns="50800" tIns="50800" rIns="50800" bIns="50800"/>
+          <a:lstStyle/>
+          <a:p>
+            <a:pPr defTabSz="457200">
+              <a:defRPr sz="1100">
+                <a:latin typeface="Helvetica Neue"/>
+                <a:ea typeface="Helvetica Neue"/>
+                <a:cs typeface="Helvetica Neue"/>
+                <a:sym typeface="Helvetica Neue"/>
+              </a:defRPr>
+            </a:pPr>
+            <a:endParaRPr/>
+          </a:p>
+        </p:txBody>
+      </p:sp>
+      <p:sp>
+        <p:nvSpPr>
+          <p:cNvPr id="185" name="New York University | 2010-2014"/>
+          <p:cNvSpPr txBox="1"/>
+          <p:nvPr/>
+        </p:nvSpPr>
+        <p:spPr>
+          <a:xfrm>
+            <a:off x="766179" y="5231165"/>
+            <a:ext cx="2465645" cy="180739"/>
+          </a:xfrm>
+          <a:prstGeom prst="rect">
+            <a:avLst/>
+          </a:prstGeom>
+          <a:ln w="12700">
+            <a:miter lim="400000"/>
+          </a:ln>
+          <a:extLst>
+            <a:ext uri="{C572A759-6A51-4108-AA02-DFA0A04FC94B}">
+              <ma14:wrappingTextBoxFlag xmlns:ma14="http://schemas.microsoft.com/office/mac/drawingml/2011/main" xmlns:a14="http://schemas.microsoft.com/office/drawing/2010/main" xmlns:m="http://schemas.openxmlformats.org/officeDocument/2006/math" xmlns="" val="1"/>
+            </a:ext>
+          </a:extLst>
+        </p:spPr>
+        <p:txBody>
+          <a:bodyPr lIns="0" tIns="0" rIns="0" bIns="0"/>
+          <a:lstStyle>
+            <a:lvl1pPr defTabSz="457200">
+              <a:lnSpc>
+                <a:spcPct val="120000"/>
+              </a:lnSpc>
+              <a:defRPr sz="900">
+                <a:solidFill>
+                  <a:srgbClr val="333333"/>
+                </a:solidFill>
+                <a:latin typeface="Helvetica Neue"/>
+                <a:ea typeface="Helvetica Neue"/>
+                <a:cs typeface="Helvetica Neue"/>
+                <a:sym typeface="Helvetica Neue"/>
+              </a:defRPr>
+            </a:lvl1pPr>
+          </a:lstStyle>
+          <a:p>
+            <a:r>
+              <a:t>New York University | 2010-2014</a:t>
+            </a:r>
+          </a:p>
+        </p:txBody>
+      </p:sp>
+      <p:sp>
+        <p:nvSpPr>
+          <p:cNvPr id="186" name="Skills"/>
+          <p:cNvSpPr txBox="1"/>
+          <p:nvPr/>
+        </p:nvSpPr>
+        <p:spPr>
+          <a:xfrm>
+            <a:off x="697517" y="7060468"/>
+            <a:ext cx="2298662" cy="447383"/>
+          </a:xfrm>
+          <a:prstGeom prst="rect">
+            <a:avLst/>
+          </a:prstGeom>
+          <a:ln w="12700">
+            <a:miter lim="400000"/>
+          </a:ln>
+          <a:extLst>
+            <a:ext uri="{C572A759-6A51-4108-AA02-DFA0A04FC94B}">
+              <ma14:wrappingTextBoxFlag xmlns:ma14="http://schemas.microsoft.com/office/mac/drawingml/2011/main" xmlns:a14="http://schemas.microsoft.com/office/drawing/2010/main" xmlns:m="http://schemas.openxmlformats.org/officeDocument/2006/math" xmlns="" val="1"/>
+            </a:ext>
+          </a:extLst>
+        </p:spPr>
+        <p:txBody>
+          <a:bodyPr lIns="50800" tIns="50800" rIns="50800" bIns="50800" anchor="ctr"/>
+          <a:lstStyle>
+            <a:lvl1pPr defTabSz="457200">
+              <a:defRPr sz="1300" cap="all" spc="455">
+                <a:solidFill>
+                  <a:srgbClr val="F77F00"/>
+                </a:solidFill>
+                <a:latin typeface="Helvetica Neue"/>
+                <a:ea typeface="Helvetica Neue"/>
+                <a:cs typeface="Helvetica Neue"/>
+                <a:sym typeface="Helvetica Neue"/>
+              </a:defRPr>
+            </a:lvl1pPr>
+          </a:lstStyle>
+          <a:p>
+            <a:r>
+              <a:t>Skills</a:t>
+            </a:r>
+          </a:p>
+        </p:txBody>
+      </p:sp>
+      <p:sp>
+        <p:nvSpPr>
+          <p:cNvPr id="187" name="Line"/>
+          <p:cNvSpPr/>
+          <p:nvPr/>
+        </p:nvSpPr>
+        <p:spPr>
+          <a:xfrm flipH="1">
+            <a:off x="628057" y="7512446"/>
+            <a:ext cx="2204147" cy="1"/>
+          </a:xfrm>
+          <a:prstGeom prst="line">
+            <a:avLst/>
+          </a:prstGeom>
+          <a:ln w="12700">
+            <a:solidFill>
+              <a:srgbClr val="C8C8C8"/>
+            </a:solidFill>
+            <a:miter lim="400000"/>
+          </a:ln>
+        </p:spPr>
+        <p:txBody>
+          <a:bodyPr lIns="50800" tIns="50800" rIns="50800" bIns="50800"/>
+          <a:lstStyle/>
+          <a:p>
+            <a:pPr defTabSz="457200">
+              <a:defRPr sz="1100">
+                <a:latin typeface="Helvetica Neue"/>
+                <a:ea typeface="Helvetica Neue"/>
+                <a:cs typeface="Helvetica Neue"/>
+                <a:sym typeface="Helvetica Neue"/>
+              </a:defRPr>
+            </a:pPr>
+            <a:endParaRPr/>
+          </a:p>
+        </p:txBody>
+      </p:sp>
+      <p:sp>
+        <p:nvSpPr>
+          <p:cNvPr id="188" name="Extra skills"/>
+          <p:cNvSpPr txBox="1"/>
+          <p:nvPr/>
+        </p:nvSpPr>
+        <p:spPr>
+          <a:xfrm>
+            <a:off x="714450" y="9359732"/>
+            <a:ext cx="2298662" cy="447383"/>
+          </a:xfrm>
+          <a:prstGeom prst="rect">
+            <a:avLst/>
+          </a:prstGeom>
+          <a:ln w="12700">
+            <a:miter lim="400000"/>
+          </a:ln>
+          <a:extLst>
+            <a:ext uri="{C572A759-6A51-4108-AA02-DFA0A04FC94B}">
+              <ma14:wrappingTextBoxFlag xmlns:ma14="http://schemas.microsoft.com/office/mac/drawingml/2011/main" xmlns:a14="http://schemas.microsoft.com/office/drawing/2010/main" xmlns:m="http://schemas.openxmlformats.org/officeDocument/2006/math" xmlns="" val="1"/>
+            </a:ext>
+          </a:extLst>
+        </p:spPr>
+        <p:txBody>
+          <a:bodyPr lIns="50800" tIns="50800" rIns="50800" bIns="50800" anchor="ctr"/>
+          <a:lstStyle>
+            <a:lvl1pPr defTabSz="457200">
+              <a:defRPr sz="1300" cap="all" spc="455">
+                <a:solidFill>
+                  <a:srgbClr val="F77F00"/>
+                </a:solidFill>
+                <a:latin typeface="Helvetica Neue"/>
+                <a:ea typeface="Helvetica Neue"/>
+                <a:cs typeface="Helvetica Neue"/>
+                <a:sym typeface="Helvetica Neue"/>
+              </a:defRPr>
+            </a:lvl1pPr>
+          </a:lstStyle>
+          <a:p>
+            <a:r>
+              <a:t>Extra skills</a:t>
+            </a:r>
+          </a:p>
+        </p:txBody>
+      </p:sp>
+      <p:sp>
+        <p:nvSpPr>
+          <p:cNvPr id="189" name="Line"/>
+          <p:cNvSpPr/>
+          <p:nvPr/>
+        </p:nvSpPr>
+        <p:spPr>
+          <a:xfrm flipH="1">
+            <a:off x="644990" y="9811711"/>
+            <a:ext cx="2204147" cy="1"/>
+          </a:xfrm>
+          <a:prstGeom prst="line">
+            <a:avLst/>
+          </a:prstGeom>
+          <a:ln w="12700">
+            <a:solidFill>
+              <a:srgbClr val="C8C8C8"/>
+            </a:solidFill>
+            <a:miter lim="400000"/>
+          </a:ln>
+        </p:spPr>
+        <p:txBody>
+          <a:bodyPr lIns="50800" tIns="50800" rIns="50800" bIns="50800"/>
+          <a:lstStyle/>
+          <a:p>
+            <a:pPr defTabSz="457200">
+              <a:defRPr sz="1100">
+                <a:latin typeface="Helvetica Neue"/>
+                <a:ea typeface="Helvetica Neue"/>
+                <a:cs typeface="Helvetica Neue"/>
+                <a:sym typeface="Helvetica Neue"/>
+              </a:defRPr>
+            </a:pPr>
+            <a:endParaRPr/>
+          </a:p>
+        </p:txBody>
+      </p:sp>
+      <p:sp>
+        <p:nvSpPr>
+          <p:cNvPr id="190" name="Responsibilities:…"/>
+          <p:cNvSpPr txBox="1"/>
+          <p:nvPr/>
+        </p:nvSpPr>
+        <p:spPr>
+          <a:xfrm>
+            <a:off x="3103223" y="6937370"/>
+            <a:ext cx="4408465" cy="1047445"/>
+          </a:xfrm>
+          <a:prstGeom prst="rect">
+            <a:avLst/>
+          </a:prstGeom>
+          <a:ln w="12700">
+            <a:miter lim="400000"/>
+          </a:ln>
+          <a:extLst>
+            <a:ext uri="{C572A759-6A51-4108-AA02-DFA0A04FC94B}">
+              <ma14:wrappingTextBoxFlag xmlns:ma14="http://schemas.microsoft.com/office/mac/drawingml/2011/main" xmlns:a14="http://schemas.microsoft.com/office/drawing/2010/main" xmlns:m="http://schemas.openxmlformats.org/officeDocument/2006/math" xmlns="" val="1"/>
+            </a:ext>
+          </a:extLst>
+        </p:spPr>
+        <p:txBody>
+          <a:bodyPr lIns="0" tIns="0" rIns="0" bIns="0"/>
+          <a:lstStyle/>
+          <a:p>
+            <a:pPr algn="just" defTabSz="457200">
+              <a:lnSpc>
+                <a:spcPct val="130000"/>
+              </a:lnSpc>
+              <a:defRPr sz="900">
+                <a:solidFill>
+                  <a:srgbClr val="333333"/>
+                </a:solidFill>
+                <a:latin typeface="Helvetica Neue Light"/>
+                <a:ea typeface="Helvetica Neue Light"/>
+                <a:cs typeface="Helvetica Neue Light"/>
+                <a:sym typeface="Helvetica Neue Light"/>
+              </a:defRPr>
+            </a:pPr>
+            <a:r>
+              <a:rPr b="1">
+                <a:latin typeface="Helvetica Neue"/>
+                <a:ea typeface="Helvetica Neue"/>
+                <a:cs typeface="Helvetica Neue"/>
+                <a:sym typeface="Helvetica Neue"/>
+              </a:rPr>
+              <a:t>Responsibilities</a:t>
+            </a:r>
+            <a:r>
+              <a:t>:</a:t>
+            </a:r>
+          </a:p>
+          <a:p>
+            <a:pPr algn="just" defTabSz="457200">
+              <a:lnSpc>
+                <a:spcPct val="130000"/>
+              </a:lnSpc>
+              <a:defRPr sz="900">
+                <a:solidFill>
+                  <a:srgbClr val="333333"/>
+                </a:solidFill>
+                <a:latin typeface="Helvetica Neue Light"/>
+                <a:ea typeface="Helvetica Neue Light"/>
+                <a:cs typeface="Helvetica Neue Light"/>
+                <a:sym typeface="Helvetica Neue Light"/>
+              </a:defRPr>
+            </a:pPr>
+            <a:r>
+              <a:t>- Led a team of designers in the development of user-centric designs for various clients.</a:t>
+            </a:r>
+          </a:p>
+          <a:p>
+            <a:pPr algn="just" defTabSz="457200">
+              <a:lnSpc>
+                <a:spcPct val="130000"/>
+              </a:lnSpc>
+              <a:defRPr sz="900">
+                <a:solidFill>
+                  <a:srgbClr val="333333"/>
+                </a:solidFill>
+                <a:latin typeface="Helvetica Neue Light"/>
+                <a:ea typeface="Helvetica Neue Light"/>
+                <a:cs typeface="Helvetica Neue Light"/>
+                <a:sym typeface="Helvetica Neue Light"/>
+              </a:defRPr>
+            </a:pPr>
+            <a:r>
+              <a:t>- Collaborated with product managers to define user requirements and design solutions.</a:t>
+            </a:r>
+          </a:p>
+          <a:p>
+            <a:pPr algn="just" defTabSz="457200">
+              <a:lnSpc>
+                <a:spcPct val="130000"/>
+              </a:lnSpc>
+              <a:defRPr sz="900">
+                <a:solidFill>
+                  <a:srgbClr val="333333"/>
+                </a:solidFill>
+                <a:latin typeface="Helvetica Neue Light"/>
+                <a:ea typeface="Helvetica Neue Light"/>
+                <a:cs typeface="Helvetica Neue Light"/>
+                <a:sym typeface="Helvetica Neue Light"/>
+              </a:defRPr>
+            </a:pPr>
+            <a:r>
+              <a:t>- Enhanced user engagement by improving navigation and user flow.</a:t>
+            </a:r>
+          </a:p>
+        </p:txBody>
+      </p:sp>
+      <p:sp>
+        <p:nvSpPr>
+          <p:cNvPr id="191" name="Lead UX/UI Designer"/>
+          <p:cNvSpPr txBox="1"/>
+          <p:nvPr/>
+        </p:nvSpPr>
+        <p:spPr>
+          <a:xfrm>
+            <a:off x="3098263" y="6488693"/>
+            <a:ext cx="2465645" cy="164368"/>
+          </a:xfrm>
+          <a:prstGeom prst="rect">
+            <a:avLst/>
+          </a:prstGeom>
+          <a:ln w="12700">
+            <a:miter lim="400000"/>
+          </a:ln>
+          <a:extLst>
+            <a:ext uri="{C572A759-6A51-4108-AA02-DFA0A04FC94B}">
+              <ma14:wrappingTextBoxFlag xmlns:ma14="http://schemas.microsoft.com/office/mac/drawingml/2011/main" xmlns:a14="http://schemas.microsoft.com/office/drawing/2010/main" xmlns:m="http://schemas.openxmlformats.org/officeDocument/2006/math" xmlns="" val="1"/>
+            </a:ext>
+          </a:extLst>
+        </p:spPr>
+        <p:txBody>
+          <a:bodyPr lIns="0" tIns="0" rIns="0" bIns="0"/>
+          <a:lstStyle>
+            <a:lvl1pPr defTabSz="457200">
+              <a:lnSpc>
+                <a:spcPct val="120000"/>
+              </a:lnSpc>
+              <a:defRPr sz="900" b="1" cap="all" spc="45">
+                <a:solidFill>
+                  <a:srgbClr val="1D3557"/>
+                </a:solidFill>
+                <a:latin typeface="Helvetica Neue"/>
+                <a:ea typeface="Helvetica Neue"/>
+                <a:cs typeface="Helvetica Neue"/>
+                <a:sym typeface="Helvetica Neue"/>
+              </a:defRPr>
+            </a:lvl1pPr>
+          </a:lstStyle>
+          <a:p>
+            <a:r>
+              <a:t>Lead UX/UI Designer</a:t>
+            </a:r>
+          </a:p>
+        </p:txBody>
+      </p:sp>
+      <p:sp>
+        <p:nvSpPr>
+          <p:cNvPr id="192" name="ABC Design Studio | New York, NY | 2018-2022"/>
+          <p:cNvSpPr txBox="1"/>
+          <p:nvPr/>
+        </p:nvSpPr>
+        <p:spPr>
+          <a:xfrm>
+            <a:off x="3098263" y="6705969"/>
+            <a:ext cx="4418385" cy="164368"/>
+          </a:xfrm>
+          <a:prstGeom prst="rect">
+            <a:avLst/>
+          </a:prstGeom>
+          <a:ln w="12700">
+            <a:miter lim="400000"/>
+          </a:ln>
+          <a:extLst>
+            <a:ext uri="{C572A759-6A51-4108-AA02-DFA0A04FC94B}">
+              <ma14:wrappingTextBoxFlag xmlns:ma14="http://schemas.microsoft.com/office/mac/drawingml/2011/main" xmlns:a14="http://schemas.microsoft.com/office/drawing/2010/main" xmlns:m="http://schemas.openxmlformats.org/officeDocument/2006/math" xmlns="" val="1"/>
+            </a:ext>
+          </a:extLst>
+        </p:spPr>
+        <p:txBody>
+          <a:bodyPr lIns="0" tIns="0" rIns="0" bIns="0"/>
+          <a:lstStyle>
+            <a:lvl1pPr defTabSz="457200">
+              <a:lnSpc>
+                <a:spcPct val="120000"/>
+              </a:lnSpc>
+              <a:defRPr sz="900" cap="all">
+                <a:solidFill>
+                  <a:srgbClr val="333333"/>
+                </a:solidFill>
+                <a:latin typeface="Helvetica Neue"/>
+                <a:ea typeface="Helvetica Neue"/>
+                <a:cs typeface="Helvetica Neue"/>
+                <a:sym typeface="Helvetica Neue"/>
+              </a:defRPr>
+            </a:lvl1pPr>
+          </a:lstStyle>
+          <a:p>
+            <a:r>
+              <a:t>ABC Design Studio | New York, NY | 2018-2022</a:t>
+            </a:r>
+          </a:p>
+        </p:txBody>
+      </p:sp>
+      <p:sp>
+        <p:nvSpPr>
+          <p:cNvPr id="193" name="John Doe"/>
+          <p:cNvSpPr txBox="1"/>
+          <p:nvPr/>
+        </p:nvSpPr>
+        <p:spPr>
+          <a:xfrm>
+            <a:off x="3079248" y="8207264"/>
+            <a:ext cx="1899311" cy="164368"/>
+          </a:xfrm>
+          <a:prstGeom prst="rect">
+            <a:avLst/>
+          </a:prstGeom>
+          <a:ln w="12700">
+            <a:miter lim="400000"/>
+          </a:ln>
+          <a:extLst>
+            <a:ext uri="{C572A759-6A51-4108-AA02-DFA0A04FC94B}">
+              <ma14:wrappingTextBoxFlag xmlns:ma14="http://schemas.microsoft.com/office/mac/drawingml/2011/main" xmlns:a14="http://schemas.microsoft.com/office/drawing/2010/main" xmlns:m="http://schemas.openxmlformats.org/officeDocument/2006/math" xmlns="" val="1"/>
+            </a:ext>
+          </a:extLst>
+        </p:spPr>
+        <p:txBody>
+          <a:bodyPr lIns="0" tIns="0" rIns="0" bIns="0"/>
+          <a:lstStyle>
+            <a:lvl1pPr defTabSz="457200">
+              <a:lnSpc>
+                <a:spcPct val="120000"/>
+              </a:lnSpc>
+              <a:defRPr sz="900" b="1" cap="all" spc="45">
+                <a:solidFill>
+                  <a:srgbClr val="1D3557"/>
+                </a:solidFill>
+                <a:latin typeface="Helvetica Neue"/>
+                <a:ea typeface="Helvetica Neue"/>
+                <a:cs typeface="Helvetica Neue"/>
+                <a:sym typeface="Helvetica Neue"/>
+              </a:defRPr>
+            </a:lvl1pPr>
+          </a:lstStyle>
+          <a:p>
+            <a:r>
+              <a:t>John Doe</a:t>
+            </a:r>
+          </a:p>
+        </p:txBody>
+      </p:sp>
+      <p:sp>
+        <p:nvSpPr>
+          <p:cNvPr id="194" name="Creative Director"/>
+          <p:cNvSpPr txBox="1"/>
+          <p:nvPr/>
+        </p:nvSpPr>
+        <p:spPr>
+          <a:xfrm>
+            <a:off x="3079248" y="8424540"/>
+            <a:ext cx="1249796" cy="164369"/>
+          </a:xfrm>
+          <a:prstGeom prst="rect">
+            <a:avLst/>
+          </a:prstGeom>
+          <a:ln w="12700">
+            <a:miter lim="400000"/>
+          </a:ln>
+          <a:extLst>
+            <a:ext uri="{C572A759-6A51-4108-AA02-DFA0A04FC94B}">
+              <ma14:wrappingTextBoxFlag xmlns:ma14="http://schemas.microsoft.com/office/mac/drawingml/2011/main" xmlns:a14="http://schemas.microsoft.com/office/drawing/2010/main" xmlns:m="http://schemas.openxmlformats.org/officeDocument/2006/math" xmlns="" val="1"/>
+            </a:ext>
+          </a:extLst>
+        </p:spPr>
+        <p:txBody>
+          <a:bodyPr lIns="0" tIns="0" rIns="0" bIns="0"/>
+          <a:lstStyle>
+            <a:lvl1pPr defTabSz="457200">
+              <a:lnSpc>
+                <a:spcPct val="120000"/>
+              </a:lnSpc>
+              <a:defRPr sz="900" cap="all" spc="45">
+                <a:solidFill>
+                  <a:srgbClr val="333333"/>
+                </a:solidFill>
                 <a:latin typeface="Helvetica Neue Light"/>
                 <a:ea typeface="Helvetica Neue Light"/>
                 <a:cs typeface="Helvetica Neue Light"/>
@@ -4212,21 +4771,21 @@
           </a:lstStyle>
           <a:p>
             <a:r>
-              <a:t>References</a:t>
-            </a:r>
-          </a:p>
-        </p:txBody>
-      </p:sp>
-      <p:sp>
-        <p:nvSpPr>
-          <p:cNvPr id="513" name="Andrew Garcia"/>
+              <a:t>Creative Director</a:t>
+            </a:r>
+          </a:p>
+        </p:txBody>
+      </p:sp>
+      <p:sp>
+        <p:nvSpPr>
+          <p:cNvPr id="195" name="XYZ Agency"/>
           <p:cNvSpPr txBox="1"/>
           <p:nvPr/>
         </p:nvSpPr>
         <p:spPr>
           <a:xfrm>
-            <a:off x="3194269" y="7705720"/>
-            <a:ext cx="1825162" cy="259183"/>
+            <a:off x="3079248" y="8623555"/>
+            <a:ext cx="2092604" cy="164369"/>
           </a:xfrm>
           <a:prstGeom prst="rect">
             <a:avLst/>
@@ -4236,15 +4795,176 @@
           </a:ln>
           <a:extLst>
             <a:ext uri="{C572A759-6A51-4108-AA02-DFA0A04FC94B}">
-              <ma14:wrappingTextBoxFlag xmlns="" xmlns:m="http://schemas.openxmlformats.org/officeDocument/2006/math" xmlns:a14="http://schemas.microsoft.com/office/drawing/2010/main" xmlns:ma14="http://schemas.microsoft.com/office/mac/drawingml/2011/main" val="1"/>
+              <ma14:wrappingTextBoxFlag xmlns:ma14="http://schemas.microsoft.com/office/mac/drawingml/2011/main" xmlns:a14="http://schemas.microsoft.com/office/drawing/2010/main" xmlns:m="http://schemas.openxmlformats.org/officeDocument/2006/math" xmlns="" val="1"/>
             </a:ext>
           </a:extLst>
         </p:spPr>
         <p:txBody>
-          <a:bodyPr lIns="0" tIns="0" rIns="0" bIns="0" anchor="ctr"/>
+          <a:bodyPr lIns="0" tIns="0" rIns="0" bIns="0"/>
+          <a:lstStyle/>
+          <a:p>
+            <a:pPr defTabSz="457200">
+              <a:lnSpc>
+                <a:spcPct val="120000"/>
+              </a:lnSpc>
+              <a:defRPr sz="700" cap="all" spc="35">
+                <a:latin typeface="Helvetica Neue Light"/>
+                <a:ea typeface="Helvetica Neue Light"/>
+                <a:cs typeface="Helvetica Neue Light"/>
+                <a:sym typeface="Helvetica Neue Light"/>
+              </a:defRPr>
+            </a:pPr>
+            <a:r>
+              <a:t>XYZ </a:t>
+            </a:r>
+            <a:r>
+              <a:rPr>
+                <a:solidFill>
+                  <a:srgbClr val="333333"/>
+                </a:solidFill>
+              </a:rPr>
+              <a:t>Agency</a:t>
+            </a:r>
+          </a:p>
+        </p:txBody>
+      </p:sp>
+      <p:sp>
+        <p:nvSpPr>
+          <p:cNvPr id="196" name="johndoe@xyzagency.com"/>
+          <p:cNvSpPr txBox="1"/>
+          <p:nvPr/>
+        </p:nvSpPr>
+        <p:spPr>
+          <a:xfrm>
+            <a:off x="3079248" y="8774695"/>
+            <a:ext cx="1782186" cy="127658"/>
+          </a:xfrm>
+          <a:prstGeom prst="rect">
+            <a:avLst/>
+          </a:prstGeom>
+          <a:ln w="12700">
+            <a:miter lim="400000"/>
+          </a:ln>
+          <a:extLst>
+            <a:ext uri="{C572A759-6A51-4108-AA02-DFA0A04FC94B}">
+              <ma14:wrappingTextBoxFlag xmlns:ma14="http://schemas.microsoft.com/office/mac/drawingml/2011/main" xmlns:a14="http://schemas.microsoft.com/office/drawing/2010/main" xmlns:m="http://schemas.openxmlformats.org/officeDocument/2006/math" xmlns="" val="1"/>
+            </a:ext>
+          </a:extLst>
+        </p:spPr>
+        <p:txBody>
+          <a:bodyPr lIns="0" tIns="0" rIns="0" bIns="0"/>
           <a:lstStyle>
             <a:lvl1pPr defTabSz="457200">
-              <a:defRPr sz="1000" cap="all" spc="50">
+              <a:lnSpc>
+                <a:spcPct val="120000"/>
+              </a:lnSpc>
+              <a:defRPr sz="800" spc="40">
+                <a:solidFill>
+                  <a:srgbClr val="333333"/>
+                </a:solidFill>
+                <a:latin typeface="Helvetica Neue Light"/>
+                <a:ea typeface="Helvetica Neue Light"/>
+                <a:cs typeface="Helvetica Neue Light"/>
+                <a:sym typeface="Helvetica Neue Light"/>
+              </a:defRPr>
+            </a:lvl1pPr>
+          </a:lstStyle>
+          <a:p>
+            <a:r>
+              <a:t>johndoe@xyzagency.com</a:t>
+            </a:r>
+          </a:p>
+        </p:txBody>
+      </p:sp>
+      <p:sp>
+        <p:nvSpPr>
+          <p:cNvPr id="197" name="+1234 567 890"/>
+          <p:cNvSpPr txBox="1"/>
+          <p:nvPr/>
+        </p:nvSpPr>
+        <p:spPr>
+          <a:xfrm>
+            <a:off x="3079248" y="8945016"/>
+            <a:ext cx="1782186" cy="127658"/>
+          </a:xfrm>
+          <a:prstGeom prst="rect">
+            <a:avLst/>
+          </a:prstGeom>
+          <a:ln w="12700">
+            <a:miter lim="400000"/>
+          </a:ln>
+          <a:extLst>
+            <a:ext uri="{C572A759-6A51-4108-AA02-DFA0A04FC94B}">
+              <ma14:wrappingTextBoxFlag xmlns:ma14="http://schemas.microsoft.com/office/mac/drawingml/2011/main" xmlns:a14="http://schemas.microsoft.com/office/drawing/2010/main" xmlns:m="http://schemas.openxmlformats.org/officeDocument/2006/math" xmlns="" val="1"/>
+            </a:ext>
+          </a:extLst>
+        </p:spPr>
+        <p:txBody>
+          <a:bodyPr lIns="0" tIns="0" rIns="0" bIns="0"/>
+          <a:lstStyle/>
+          <a:p>
+            <a:pPr defTabSz="457200">
+              <a:lnSpc>
+                <a:spcPct val="120000"/>
+              </a:lnSpc>
+              <a:defRPr sz="800" spc="40">
+                <a:latin typeface="Helvetica Neue Light"/>
+                <a:ea typeface="Helvetica Neue Light"/>
+                <a:cs typeface="Helvetica Neue Light"/>
+                <a:sym typeface="Helvetica Neue Light"/>
+              </a:defRPr>
+            </a:pPr>
+            <a:r>
+              <a:t>+1234 </a:t>
+            </a:r>
+            <a:r>
+              <a:rPr>
+                <a:solidFill>
+                  <a:srgbClr val="333333"/>
+                </a:solidFill>
+              </a:rPr>
+              <a:t>567</a:t>
+            </a:r>
+            <a:r>
+              <a:t> 890</a:t>
+            </a:r>
+          </a:p>
+        </p:txBody>
+      </p:sp>
+      <p:sp>
+        <p:nvSpPr>
+          <p:cNvPr id="198" name="John Doe"/>
+          <p:cNvSpPr txBox="1"/>
+          <p:nvPr/>
+        </p:nvSpPr>
+        <p:spPr>
+          <a:xfrm>
+            <a:off x="4861433" y="8207264"/>
+            <a:ext cx="1899311" cy="164368"/>
+          </a:xfrm>
+          <a:prstGeom prst="rect">
+            <a:avLst/>
+          </a:prstGeom>
+          <a:ln w="12700">
+            <a:miter lim="400000"/>
+          </a:ln>
+          <a:extLst>
+            <a:ext uri="{C572A759-6A51-4108-AA02-DFA0A04FC94B}">
+              <ma14:wrappingTextBoxFlag xmlns:ma14="http://schemas.microsoft.com/office/mac/drawingml/2011/main" xmlns:a14="http://schemas.microsoft.com/office/drawing/2010/main" xmlns:m="http://schemas.openxmlformats.org/officeDocument/2006/math" xmlns="" val="1"/>
+            </a:ext>
+          </a:extLst>
+        </p:spPr>
+        <p:txBody>
+          <a:bodyPr lIns="0" tIns="0" rIns="0" bIns="0"/>
+          <a:lstStyle>
+            <a:lvl1pPr defTabSz="457200">
+              <a:lnSpc>
+                <a:spcPct val="120000"/>
+              </a:lnSpc>
+              <a:defRPr sz="900" b="1" cap="all" spc="45">
+                <a:solidFill>
+                  <a:srgbClr val="1D3557"/>
+                </a:solidFill>
                 <a:latin typeface="Helvetica Neue"/>
                 <a:ea typeface="Helvetica Neue"/>
                 <a:cs typeface="Helvetica Neue"/>
@@ -4254,21 +4974,21 @@
           </a:lstStyle>
           <a:p>
             <a:r>
-              <a:t>Andrew Garcia</a:t>
-            </a:r>
-          </a:p>
-        </p:txBody>
-      </p:sp>
-      <p:sp>
-        <p:nvSpPr>
-          <p:cNvPr id="514" name="Lorem ipsum dolor sit amet, consectetur adipiscing elit. Aliquam ac bibendum dui. Proin convallis libero id diam porta, facilisis varius velit tempus. scelerisque metus ligula id nibh. Nullam vitae sem fermentum, dignissim dui eget."/>
+              <a:t>John Doe</a:t>
+            </a:r>
+          </a:p>
+        </p:txBody>
+      </p:sp>
+      <p:sp>
+        <p:nvSpPr>
+          <p:cNvPr id="199" name="Creative Director"/>
           <p:cNvSpPr txBox="1"/>
           <p:nvPr/>
         </p:nvSpPr>
         <p:spPr>
           <a:xfrm>
-            <a:off x="3194269" y="8133336"/>
-            <a:ext cx="4213389" cy="910644"/>
+            <a:off x="4861433" y="8424540"/>
+            <a:ext cx="1249796" cy="164369"/>
           </a:xfrm>
           <a:prstGeom prst="rect">
             <a:avLst/>
@@ -4278,18 +4998,21 @@
           </a:ln>
           <a:extLst>
             <a:ext uri="{C572A759-6A51-4108-AA02-DFA0A04FC94B}">
-              <ma14:wrappingTextBoxFlag xmlns="" xmlns:m="http://schemas.openxmlformats.org/officeDocument/2006/math" xmlns:a14="http://schemas.microsoft.com/office/drawing/2010/main" xmlns:ma14="http://schemas.microsoft.com/office/mac/drawingml/2011/main" val="1"/>
+              <ma14:wrappingTextBoxFlag xmlns:ma14="http://schemas.microsoft.com/office/mac/drawingml/2011/main" xmlns:a14="http://schemas.microsoft.com/office/drawing/2010/main" xmlns:m="http://schemas.openxmlformats.org/officeDocument/2006/math" xmlns="" val="1"/>
             </a:ext>
           </a:extLst>
         </p:spPr>
         <p:txBody>
           <a:bodyPr lIns="0" tIns="0" rIns="0" bIns="0"/>
           <a:lstStyle>
-            <a:lvl1pPr algn="just" defTabSz="457200">
+            <a:lvl1pPr defTabSz="457200">
               <a:lnSpc>
                 <a:spcPct val="120000"/>
               </a:lnSpc>
-              <a:defRPr sz="800">
+              <a:defRPr sz="900" cap="all" spc="45">
+                <a:solidFill>
+                  <a:srgbClr val="333333"/>
+                </a:solidFill>
                 <a:latin typeface="Helvetica Neue Light"/>
                 <a:ea typeface="Helvetica Neue Light"/>
                 <a:cs typeface="Helvetica Neue Light"/>
@@ -4299,21 +5022,21 @@
           </a:lstStyle>
           <a:p>
             <a:r>
-              <a:t>Lorem ipsum dolor sit amet, consectetur adipiscing elit. Aliquam ac bibendum dui. Proin convallis libero id diam porta, facilisis varius velit tempus. scelerisque metus ligula id nibh. Nullam vitae sem fermentum, dignissim dui eget.</a:t>
-            </a:r>
-          </a:p>
-        </p:txBody>
-      </p:sp>
-      <p:sp>
-        <p:nvSpPr>
-          <p:cNvPr id="515" name="Personal manager"/>
+              <a:t>Creative Director</a:t>
+            </a:r>
+          </a:p>
+        </p:txBody>
+      </p:sp>
+      <p:sp>
+        <p:nvSpPr>
+          <p:cNvPr id="200" name="XYZ Agency"/>
           <p:cNvSpPr txBox="1"/>
           <p:nvPr/>
         </p:nvSpPr>
         <p:spPr>
           <a:xfrm>
-            <a:off x="3194269" y="7874155"/>
-            <a:ext cx="857166" cy="259182"/>
+            <a:off x="4861433" y="8623555"/>
+            <a:ext cx="2092603" cy="164369"/>
           </a:xfrm>
           <a:prstGeom prst="rect">
             <a:avLst/>
@@ -4323,15 +5046,21 @@
           </a:ln>
           <a:extLst>
             <a:ext uri="{C572A759-6A51-4108-AA02-DFA0A04FC94B}">
-              <ma14:wrappingTextBoxFlag xmlns="" xmlns:m="http://schemas.openxmlformats.org/officeDocument/2006/math" xmlns:a14="http://schemas.microsoft.com/office/drawing/2010/main" xmlns:ma14="http://schemas.microsoft.com/office/mac/drawingml/2011/main" val="1"/>
+              <ma14:wrappingTextBoxFlag xmlns:ma14="http://schemas.microsoft.com/office/mac/drawingml/2011/main" xmlns:a14="http://schemas.microsoft.com/office/drawing/2010/main" xmlns:m="http://schemas.openxmlformats.org/officeDocument/2006/math" xmlns="" val="1"/>
             </a:ext>
           </a:extLst>
         </p:spPr>
         <p:txBody>
-          <a:bodyPr lIns="0" tIns="0" rIns="0" bIns="0" anchor="ctr"/>
+          <a:bodyPr lIns="0" tIns="0" rIns="0" bIns="0"/>
           <a:lstStyle>
             <a:lvl1pPr defTabSz="457200">
-              <a:defRPr sz="800">
+              <a:lnSpc>
+                <a:spcPct val="120000"/>
+              </a:lnSpc>
+              <a:defRPr sz="700" cap="all" spc="35">
+                <a:solidFill>
+                  <a:srgbClr val="333333"/>
+                </a:solidFill>
                 <a:latin typeface="Helvetica Neue Light"/>
                 <a:ea typeface="Helvetica Neue Light"/>
                 <a:cs typeface="Helvetica Neue Light"/>
@@ -4341,40 +5070,774 @@
           </a:lstStyle>
           <a:p>
             <a:r>
-              <a:t>Personal manager</a:t>
-            </a:r>
-          </a:p>
-        </p:txBody>
-      </p:sp>
-      <p:sp>
-        <p:nvSpPr>
-          <p:cNvPr id="516" name="Прямоугольник"/>
-          <p:cNvSpPr/>
+              <a:t>XYZ Agency</a:t>
+            </a:r>
+          </a:p>
+        </p:txBody>
+      </p:sp>
+      <p:sp>
+        <p:nvSpPr>
+          <p:cNvPr id="201" name="johndoe@xyzagency.com"/>
+          <p:cNvSpPr txBox="1"/>
           <p:nvPr/>
         </p:nvSpPr>
         <p:spPr>
           <a:xfrm>
-            <a:off x="715645" y="4987719"/>
-            <a:ext cx="1842134" cy="448474"/>
+            <a:off x="4861433" y="8774695"/>
+            <a:ext cx="1782186" cy="127658"/>
           </a:xfrm>
           <a:prstGeom prst="rect">
             <a:avLst/>
           </a:prstGeom>
-          <a:solidFill>
-            <a:srgbClr val="FFFFFF"/>
-          </a:solidFill>
-          <a:ln w="3175">
+          <a:ln w="12700">
             <a:miter lim="400000"/>
           </a:ln>
-        </p:spPr>
-        <p:txBody>
-          <a:bodyPr lIns="50800" tIns="50800" rIns="50800" bIns="50800" anchor="ctr"/>
+          <a:extLst>
+            <a:ext uri="{C572A759-6A51-4108-AA02-DFA0A04FC94B}">
+              <ma14:wrappingTextBoxFlag xmlns:ma14="http://schemas.microsoft.com/office/mac/drawingml/2011/main" xmlns:a14="http://schemas.microsoft.com/office/drawing/2010/main" xmlns:m="http://schemas.openxmlformats.org/officeDocument/2006/math" xmlns="" val="1"/>
+            </a:ext>
+          </a:extLst>
+        </p:spPr>
+        <p:txBody>
+          <a:bodyPr lIns="0" tIns="0" rIns="0" bIns="0"/>
+          <a:lstStyle>
+            <a:lvl1pPr defTabSz="457200">
+              <a:lnSpc>
+                <a:spcPct val="120000"/>
+              </a:lnSpc>
+              <a:defRPr sz="800" spc="40">
+                <a:solidFill>
+                  <a:srgbClr val="333333"/>
+                </a:solidFill>
+                <a:latin typeface="Helvetica Neue Light"/>
+                <a:ea typeface="Helvetica Neue Light"/>
+                <a:cs typeface="Helvetica Neue Light"/>
+                <a:sym typeface="Helvetica Neue Light"/>
+              </a:defRPr>
+            </a:lvl1pPr>
+          </a:lstStyle>
+          <a:p>
+            <a:r>
+              <a:t>johndoe@xyzagency.com</a:t>
+            </a:r>
+          </a:p>
+        </p:txBody>
+      </p:sp>
+      <p:sp>
+        <p:nvSpPr>
+          <p:cNvPr id="202" name="+1234 567 890"/>
+          <p:cNvSpPr txBox="1"/>
+          <p:nvPr/>
+        </p:nvSpPr>
+        <p:spPr>
+          <a:xfrm>
+            <a:off x="4861433" y="8945016"/>
+            <a:ext cx="1782186" cy="127658"/>
+          </a:xfrm>
+          <a:prstGeom prst="rect">
+            <a:avLst/>
+          </a:prstGeom>
+          <a:ln w="12700">
+            <a:miter lim="400000"/>
+          </a:ln>
+          <a:extLst>
+            <a:ext uri="{C572A759-6A51-4108-AA02-DFA0A04FC94B}">
+              <ma14:wrappingTextBoxFlag xmlns:ma14="http://schemas.microsoft.com/office/mac/drawingml/2011/main" xmlns:a14="http://schemas.microsoft.com/office/drawing/2010/main" xmlns:m="http://schemas.openxmlformats.org/officeDocument/2006/math" xmlns="" val="1"/>
+            </a:ext>
+          </a:extLst>
+        </p:spPr>
+        <p:txBody>
+          <a:bodyPr lIns="0" tIns="0" rIns="0" bIns="0"/>
+          <a:lstStyle>
+            <a:lvl1pPr defTabSz="457200">
+              <a:lnSpc>
+                <a:spcPct val="120000"/>
+              </a:lnSpc>
+              <a:defRPr sz="800" spc="40">
+                <a:solidFill>
+                  <a:srgbClr val="333333"/>
+                </a:solidFill>
+                <a:latin typeface="Helvetica Neue Light"/>
+                <a:ea typeface="Helvetica Neue Light"/>
+                <a:cs typeface="Helvetica Neue Light"/>
+                <a:sym typeface="Helvetica Neue Light"/>
+              </a:defRPr>
+            </a:lvl1pPr>
+          </a:lstStyle>
+          <a:p>
+            <a:r>
+              <a:t>+1234 567 890</a:t>
+            </a:r>
+          </a:p>
+        </p:txBody>
+      </p:sp>
+      <p:sp>
+        <p:nvSpPr>
+          <p:cNvPr id="203" name="John Doe"/>
+          <p:cNvSpPr txBox="1"/>
+          <p:nvPr/>
+        </p:nvSpPr>
+        <p:spPr>
+          <a:xfrm>
+            <a:off x="3079248" y="9331144"/>
+            <a:ext cx="1899311" cy="164368"/>
+          </a:xfrm>
+          <a:prstGeom prst="rect">
+            <a:avLst/>
+          </a:prstGeom>
+          <a:ln w="12700">
+            <a:miter lim="400000"/>
+          </a:ln>
+          <a:extLst>
+            <a:ext uri="{C572A759-6A51-4108-AA02-DFA0A04FC94B}">
+              <ma14:wrappingTextBoxFlag xmlns:ma14="http://schemas.microsoft.com/office/mac/drawingml/2011/main" xmlns:a14="http://schemas.microsoft.com/office/drawing/2010/main" xmlns:m="http://schemas.openxmlformats.org/officeDocument/2006/math" xmlns="" val="1"/>
+            </a:ext>
+          </a:extLst>
+        </p:spPr>
+        <p:txBody>
+          <a:bodyPr lIns="0" tIns="0" rIns="0" bIns="0"/>
+          <a:lstStyle>
+            <a:lvl1pPr defTabSz="457200">
+              <a:lnSpc>
+                <a:spcPct val="120000"/>
+              </a:lnSpc>
+              <a:defRPr sz="900" b="1" cap="all" spc="45">
+                <a:solidFill>
+                  <a:srgbClr val="1D3557"/>
+                </a:solidFill>
+                <a:latin typeface="Helvetica Neue"/>
+                <a:ea typeface="Helvetica Neue"/>
+                <a:cs typeface="Helvetica Neue"/>
+                <a:sym typeface="Helvetica Neue"/>
+              </a:defRPr>
+            </a:lvl1pPr>
+          </a:lstStyle>
+          <a:p>
+            <a:r>
+              <a:t>John Doe</a:t>
+            </a:r>
+          </a:p>
+        </p:txBody>
+      </p:sp>
+      <p:sp>
+        <p:nvSpPr>
+          <p:cNvPr id="204" name="Creative Director"/>
+          <p:cNvSpPr txBox="1"/>
+          <p:nvPr/>
+        </p:nvSpPr>
+        <p:spPr>
+          <a:xfrm>
+            <a:off x="3079248" y="9548421"/>
+            <a:ext cx="1249796" cy="164368"/>
+          </a:xfrm>
+          <a:prstGeom prst="rect">
+            <a:avLst/>
+          </a:prstGeom>
+          <a:ln w="12700">
+            <a:miter lim="400000"/>
+          </a:ln>
+          <a:extLst>
+            <a:ext uri="{C572A759-6A51-4108-AA02-DFA0A04FC94B}">
+              <ma14:wrappingTextBoxFlag xmlns:ma14="http://schemas.microsoft.com/office/mac/drawingml/2011/main" xmlns:a14="http://schemas.microsoft.com/office/drawing/2010/main" xmlns:m="http://schemas.openxmlformats.org/officeDocument/2006/math" xmlns="" val="1"/>
+            </a:ext>
+          </a:extLst>
+        </p:spPr>
+        <p:txBody>
+          <a:bodyPr lIns="0" tIns="0" rIns="0" bIns="0"/>
+          <a:lstStyle>
+            <a:lvl1pPr defTabSz="457200">
+              <a:lnSpc>
+                <a:spcPct val="120000"/>
+              </a:lnSpc>
+              <a:defRPr sz="900" cap="all" spc="45">
+                <a:solidFill>
+                  <a:srgbClr val="333333"/>
+                </a:solidFill>
+                <a:latin typeface="Helvetica Neue Light"/>
+                <a:ea typeface="Helvetica Neue Light"/>
+                <a:cs typeface="Helvetica Neue Light"/>
+                <a:sym typeface="Helvetica Neue Light"/>
+              </a:defRPr>
+            </a:lvl1pPr>
+          </a:lstStyle>
+          <a:p>
+            <a:r>
+              <a:t>Creative Director</a:t>
+            </a:r>
+          </a:p>
+        </p:txBody>
+      </p:sp>
+      <p:sp>
+        <p:nvSpPr>
+          <p:cNvPr id="205" name="XYZ Agency"/>
+          <p:cNvSpPr txBox="1"/>
+          <p:nvPr/>
+        </p:nvSpPr>
+        <p:spPr>
+          <a:xfrm>
+            <a:off x="3079248" y="9747436"/>
+            <a:ext cx="2092604" cy="164368"/>
+          </a:xfrm>
+          <a:prstGeom prst="rect">
+            <a:avLst/>
+          </a:prstGeom>
+          <a:ln w="12700">
+            <a:miter lim="400000"/>
+          </a:ln>
+          <a:extLst>
+            <a:ext uri="{C572A759-6A51-4108-AA02-DFA0A04FC94B}">
+              <ma14:wrappingTextBoxFlag xmlns:ma14="http://schemas.microsoft.com/office/mac/drawingml/2011/main" xmlns:a14="http://schemas.microsoft.com/office/drawing/2010/main" xmlns:m="http://schemas.openxmlformats.org/officeDocument/2006/math" xmlns="" val="1"/>
+            </a:ext>
+          </a:extLst>
+        </p:spPr>
+        <p:txBody>
+          <a:bodyPr lIns="0" tIns="0" rIns="0" bIns="0"/>
+          <a:lstStyle>
+            <a:lvl1pPr defTabSz="457200">
+              <a:lnSpc>
+                <a:spcPct val="120000"/>
+              </a:lnSpc>
+              <a:defRPr sz="700" cap="all" spc="35">
+                <a:solidFill>
+                  <a:srgbClr val="333333"/>
+                </a:solidFill>
+                <a:latin typeface="Helvetica Neue Light"/>
+                <a:ea typeface="Helvetica Neue Light"/>
+                <a:cs typeface="Helvetica Neue Light"/>
+                <a:sym typeface="Helvetica Neue Light"/>
+              </a:defRPr>
+            </a:lvl1pPr>
+          </a:lstStyle>
+          <a:p>
+            <a:r>
+              <a:t>XYZ Agency</a:t>
+            </a:r>
+          </a:p>
+        </p:txBody>
+      </p:sp>
+      <p:sp>
+        <p:nvSpPr>
+          <p:cNvPr id="206" name="johndoe@xyzagency.com"/>
+          <p:cNvSpPr txBox="1"/>
+          <p:nvPr/>
+        </p:nvSpPr>
+        <p:spPr>
+          <a:xfrm>
+            <a:off x="3079248" y="9898575"/>
+            <a:ext cx="1782186" cy="127658"/>
+          </a:xfrm>
+          <a:prstGeom prst="rect">
+            <a:avLst/>
+          </a:prstGeom>
+          <a:ln w="12700">
+            <a:miter lim="400000"/>
+          </a:ln>
+          <a:extLst>
+            <a:ext uri="{C572A759-6A51-4108-AA02-DFA0A04FC94B}">
+              <ma14:wrappingTextBoxFlag xmlns:ma14="http://schemas.microsoft.com/office/mac/drawingml/2011/main" xmlns:a14="http://schemas.microsoft.com/office/drawing/2010/main" xmlns:m="http://schemas.openxmlformats.org/officeDocument/2006/math" xmlns="" val="1"/>
+            </a:ext>
+          </a:extLst>
+        </p:spPr>
+        <p:txBody>
+          <a:bodyPr lIns="0" tIns="0" rIns="0" bIns="0"/>
+          <a:lstStyle>
+            <a:lvl1pPr defTabSz="457200">
+              <a:lnSpc>
+                <a:spcPct val="120000"/>
+              </a:lnSpc>
+              <a:defRPr sz="800" spc="40">
+                <a:solidFill>
+                  <a:srgbClr val="333333"/>
+                </a:solidFill>
+                <a:latin typeface="Helvetica Neue Light"/>
+                <a:ea typeface="Helvetica Neue Light"/>
+                <a:cs typeface="Helvetica Neue Light"/>
+                <a:sym typeface="Helvetica Neue Light"/>
+              </a:defRPr>
+            </a:lvl1pPr>
+          </a:lstStyle>
+          <a:p>
+            <a:r>
+              <a:t>johndoe@xyzagency.com</a:t>
+            </a:r>
+          </a:p>
+        </p:txBody>
+      </p:sp>
+      <p:sp>
+        <p:nvSpPr>
+          <p:cNvPr id="207" name="+1234 567 890"/>
+          <p:cNvSpPr txBox="1"/>
+          <p:nvPr/>
+        </p:nvSpPr>
+        <p:spPr>
+          <a:xfrm>
+            <a:off x="3079248" y="10068896"/>
+            <a:ext cx="1782186" cy="127658"/>
+          </a:xfrm>
+          <a:prstGeom prst="rect">
+            <a:avLst/>
+          </a:prstGeom>
+          <a:ln w="12700">
+            <a:miter lim="400000"/>
+          </a:ln>
+          <a:extLst>
+            <a:ext uri="{C572A759-6A51-4108-AA02-DFA0A04FC94B}">
+              <ma14:wrappingTextBoxFlag xmlns:ma14="http://schemas.microsoft.com/office/mac/drawingml/2011/main" xmlns:a14="http://schemas.microsoft.com/office/drawing/2010/main" xmlns:m="http://schemas.openxmlformats.org/officeDocument/2006/math" xmlns="" val="1"/>
+            </a:ext>
+          </a:extLst>
+        </p:spPr>
+        <p:txBody>
+          <a:bodyPr lIns="0" tIns="0" rIns="0" bIns="0"/>
+          <a:lstStyle>
+            <a:lvl1pPr defTabSz="457200">
+              <a:lnSpc>
+                <a:spcPct val="120000"/>
+              </a:lnSpc>
+              <a:defRPr sz="800" spc="40">
+                <a:solidFill>
+                  <a:srgbClr val="333333"/>
+                </a:solidFill>
+                <a:latin typeface="Helvetica Neue Light"/>
+                <a:ea typeface="Helvetica Neue Light"/>
+                <a:cs typeface="Helvetica Neue Light"/>
+                <a:sym typeface="Helvetica Neue Light"/>
+              </a:defRPr>
+            </a:lvl1pPr>
+          </a:lstStyle>
+          <a:p>
+            <a:r>
+              <a:t>+1234 567 890</a:t>
+            </a:r>
+          </a:p>
+        </p:txBody>
+      </p:sp>
+      <p:sp>
+        <p:nvSpPr>
+          <p:cNvPr id="208" name="John Doe"/>
+          <p:cNvSpPr txBox="1"/>
+          <p:nvPr/>
+        </p:nvSpPr>
+        <p:spPr>
+          <a:xfrm>
+            <a:off x="4861433" y="9328902"/>
+            <a:ext cx="1899311" cy="164368"/>
+          </a:xfrm>
+          <a:prstGeom prst="rect">
+            <a:avLst/>
+          </a:prstGeom>
+          <a:ln w="12700">
+            <a:miter lim="400000"/>
+          </a:ln>
+          <a:extLst>
+            <a:ext uri="{C572A759-6A51-4108-AA02-DFA0A04FC94B}">
+              <ma14:wrappingTextBoxFlag xmlns:ma14="http://schemas.microsoft.com/office/mac/drawingml/2011/main" xmlns:a14="http://schemas.microsoft.com/office/drawing/2010/main" xmlns:m="http://schemas.openxmlformats.org/officeDocument/2006/math" xmlns="" val="1"/>
+            </a:ext>
+          </a:extLst>
+        </p:spPr>
+        <p:txBody>
+          <a:bodyPr lIns="0" tIns="0" rIns="0" bIns="0"/>
+          <a:lstStyle>
+            <a:lvl1pPr defTabSz="457200">
+              <a:lnSpc>
+                <a:spcPct val="120000"/>
+              </a:lnSpc>
+              <a:defRPr sz="900" b="1" cap="all" spc="45">
+                <a:solidFill>
+                  <a:srgbClr val="1D3557"/>
+                </a:solidFill>
+                <a:latin typeface="Helvetica Neue"/>
+                <a:ea typeface="Helvetica Neue"/>
+                <a:cs typeface="Helvetica Neue"/>
+                <a:sym typeface="Helvetica Neue"/>
+              </a:defRPr>
+            </a:lvl1pPr>
+          </a:lstStyle>
+          <a:p>
+            <a:r>
+              <a:t>John Doe</a:t>
+            </a:r>
+          </a:p>
+        </p:txBody>
+      </p:sp>
+      <p:sp>
+        <p:nvSpPr>
+          <p:cNvPr id="209" name="Creative Director"/>
+          <p:cNvSpPr txBox="1"/>
+          <p:nvPr/>
+        </p:nvSpPr>
+        <p:spPr>
+          <a:xfrm>
+            <a:off x="4861433" y="9546179"/>
+            <a:ext cx="1249796" cy="164368"/>
+          </a:xfrm>
+          <a:prstGeom prst="rect">
+            <a:avLst/>
+          </a:prstGeom>
+          <a:ln w="12700">
+            <a:miter lim="400000"/>
+          </a:ln>
+          <a:extLst>
+            <a:ext uri="{C572A759-6A51-4108-AA02-DFA0A04FC94B}">
+              <ma14:wrappingTextBoxFlag xmlns:ma14="http://schemas.microsoft.com/office/mac/drawingml/2011/main" xmlns:a14="http://schemas.microsoft.com/office/drawing/2010/main" xmlns:m="http://schemas.openxmlformats.org/officeDocument/2006/math" xmlns="" val="1"/>
+            </a:ext>
+          </a:extLst>
+        </p:spPr>
+        <p:txBody>
+          <a:bodyPr lIns="0" tIns="0" rIns="0" bIns="0"/>
+          <a:lstStyle>
+            <a:lvl1pPr defTabSz="457200">
+              <a:lnSpc>
+                <a:spcPct val="120000"/>
+              </a:lnSpc>
+              <a:defRPr sz="900" cap="all" spc="45">
+                <a:solidFill>
+                  <a:srgbClr val="333333"/>
+                </a:solidFill>
+                <a:latin typeface="Helvetica Neue Light"/>
+                <a:ea typeface="Helvetica Neue Light"/>
+                <a:cs typeface="Helvetica Neue Light"/>
+                <a:sym typeface="Helvetica Neue Light"/>
+              </a:defRPr>
+            </a:lvl1pPr>
+          </a:lstStyle>
+          <a:p>
+            <a:r>
+              <a:t>Creative Director</a:t>
+            </a:r>
+          </a:p>
+        </p:txBody>
+      </p:sp>
+      <p:sp>
+        <p:nvSpPr>
+          <p:cNvPr id="210" name="XYZ Agency"/>
+          <p:cNvSpPr txBox="1"/>
+          <p:nvPr/>
+        </p:nvSpPr>
+        <p:spPr>
+          <a:xfrm>
+            <a:off x="4861433" y="9745194"/>
+            <a:ext cx="2092603" cy="164368"/>
+          </a:xfrm>
+          <a:prstGeom prst="rect">
+            <a:avLst/>
+          </a:prstGeom>
+          <a:ln w="12700">
+            <a:miter lim="400000"/>
+          </a:ln>
+          <a:extLst>
+            <a:ext uri="{C572A759-6A51-4108-AA02-DFA0A04FC94B}">
+              <ma14:wrappingTextBoxFlag xmlns:ma14="http://schemas.microsoft.com/office/mac/drawingml/2011/main" xmlns:a14="http://schemas.microsoft.com/office/drawing/2010/main" xmlns:m="http://schemas.openxmlformats.org/officeDocument/2006/math" xmlns="" val="1"/>
+            </a:ext>
+          </a:extLst>
+        </p:spPr>
+        <p:txBody>
+          <a:bodyPr lIns="0" tIns="0" rIns="0" bIns="0"/>
+          <a:lstStyle>
+            <a:lvl1pPr defTabSz="457200">
+              <a:lnSpc>
+                <a:spcPct val="120000"/>
+              </a:lnSpc>
+              <a:defRPr sz="700" cap="all" spc="35">
+                <a:solidFill>
+                  <a:srgbClr val="333333"/>
+                </a:solidFill>
+                <a:latin typeface="Helvetica Neue Light"/>
+                <a:ea typeface="Helvetica Neue Light"/>
+                <a:cs typeface="Helvetica Neue Light"/>
+                <a:sym typeface="Helvetica Neue Light"/>
+              </a:defRPr>
+            </a:lvl1pPr>
+          </a:lstStyle>
+          <a:p>
+            <a:r>
+              <a:t>XYZ Agency</a:t>
+            </a:r>
+          </a:p>
+        </p:txBody>
+      </p:sp>
+      <p:sp>
+        <p:nvSpPr>
+          <p:cNvPr id="211" name="johndoe@xyzagency.com"/>
+          <p:cNvSpPr txBox="1"/>
+          <p:nvPr/>
+        </p:nvSpPr>
+        <p:spPr>
+          <a:xfrm>
+            <a:off x="4861433" y="9896333"/>
+            <a:ext cx="1782186" cy="127659"/>
+          </a:xfrm>
+          <a:prstGeom prst="rect">
+            <a:avLst/>
+          </a:prstGeom>
+          <a:ln w="12700">
+            <a:miter lim="400000"/>
+          </a:ln>
+          <a:extLst>
+            <a:ext uri="{C572A759-6A51-4108-AA02-DFA0A04FC94B}">
+              <ma14:wrappingTextBoxFlag xmlns:ma14="http://schemas.microsoft.com/office/mac/drawingml/2011/main" xmlns:a14="http://schemas.microsoft.com/office/drawing/2010/main" xmlns:m="http://schemas.openxmlformats.org/officeDocument/2006/math" xmlns="" val="1"/>
+            </a:ext>
+          </a:extLst>
+        </p:spPr>
+        <p:txBody>
+          <a:bodyPr lIns="0" tIns="0" rIns="0" bIns="0"/>
+          <a:lstStyle>
+            <a:lvl1pPr defTabSz="457200">
+              <a:lnSpc>
+                <a:spcPct val="120000"/>
+              </a:lnSpc>
+              <a:defRPr sz="800" spc="40">
+                <a:solidFill>
+                  <a:srgbClr val="333333"/>
+                </a:solidFill>
+                <a:latin typeface="Helvetica Neue Light"/>
+                <a:ea typeface="Helvetica Neue Light"/>
+                <a:cs typeface="Helvetica Neue Light"/>
+                <a:sym typeface="Helvetica Neue Light"/>
+              </a:defRPr>
+            </a:lvl1pPr>
+          </a:lstStyle>
+          <a:p>
+            <a:r>
+              <a:t>johndoe@xyzagency.com</a:t>
+            </a:r>
+          </a:p>
+        </p:txBody>
+      </p:sp>
+      <p:sp>
+        <p:nvSpPr>
+          <p:cNvPr id="212" name="+1234 567 890"/>
+          <p:cNvSpPr txBox="1"/>
+          <p:nvPr/>
+        </p:nvSpPr>
+        <p:spPr>
+          <a:xfrm>
+            <a:off x="4861433" y="10066654"/>
+            <a:ext cx="1782186" cy="127658"/>
+          </a:xfrm>
+          <a:prstGeom prst="rect">
+            <a:avLst/>
+          </a:prstGeom>
+          <a:ln w="12700">
+            <a:miter lim="400000"/>
+          </a:ln>
+          <a:extLst>
+            <a:ext uri="{C572A759-6A51-4108-AA02-DFA0A04FC94B}">
+              <ma14:wrappingTextBoxFlag xmlns:ma14="http://schemas.microsoft.com/office/mac/drawingml/2011/main" xmlns:a14="http://schemas.microsoft.com/office/drawing/2010/main" xmlns:m="http://schemas.openxmlformats.org/officeDocument/2006/math" xmlns="" val="1"/>
+            </a:ext>
+          </a:extLst>
+        </p:spPr>
+        <p:txBody>
+          <a:bodyPr lIns="0" tIns="0" rIns="0" bIns="0"/>
+          <a:lstStyle>
+            <a:lvl1pPr defTabSz="457200">
+              <a:lnSpc>
+                <a:spcPct val="120000"/>
+              </a:lnSpc>
+              <a:defRPr sz="800" spc="40">
+                <a:solidFill>
+                  <a:srgbClr val="333333"/>
+                </a:solidFill>
+                <a:latin typeface="Helvetica Neue Light"/>
+                <a:ea typeface="Helvetica Neue Light"/>
+                <a:cs typeface="Helvetica Neue Light"/>
+                <a:sym typeface="Helvetica Neue Light"/>
+              </a:defRPr>
+            </a:lvl1pPr>
+          </a:lstStyle>
+          <a:p>
+            <a:r>
+              <a:t>+1234 567 890</a:t>
+            </a:r>
+          </a:p>
+        </p:txBody>
+      </p:sp>
+      <p:sp>
+        <p:nvSpPr>
+          <p:cNvPr id="213" name="Bachelor of Design"/>
+          <p:cNvSpPr txBox="1"/>
+          <p:nvPr/>
+        </p:nvSpPr>
+        <p:spPr>
+          <a:xfrm>
+            <a:off x="766179" y="5066200"/>
+            <a:ext cx="2465645" cy="164368"/>
+          </a:xfrm>
+          <a:prstGeom prst="rect">
+            <a:avLst/>
+          </a:prstGeom>
+          <a:ln w="12700">
+            <a:miter lim="400000"/>
+          </a:ln>
+          <a:extLst>
+            <a:ext uri="{C572A759-6A51-4108-AA02-DFA0A04FC94B}">
+              <ma14:wrappingTextBoxFlag xmlns:ma14="http://schemas.microsoft.com/office/mac/drawingml/2011/main" xmlns:a14="http://schemas.microsoft.com/office/drawing/2010/main" xmlns:m="http://schemas.openxmlformats.org/officeDocument/2006/math" xmlns="" val="1"/>
+            </a:ext>
+          </a:extLst>
+        </p:spPr>
+        <p:txBody>
+          <a:bodyPr lIns="0" tIns="0" rIns="0" bIns="0"/>
+          <a:lstStyle>
+            <a:lvl1pPr defTabSz="457200">
+              <a:lnSpc>
+                <a:spcPct val="120000"/>
+              </a:lnSpc>
+              <a:defRPr sz="900" b="1" cap="all" spc="45">
+                <a:solidFill>
+                  <a:srgbClr val="1D3557"/>
+                </a:solidFill>
+                <a:latin typeface="Helvetica Neue"/>
+                <a:ea typeface="Helvetica Neue"/>
+                <a:cs typeface="Helvetica Neue"/>
+                <a:sym typeface="Helvetica Neue"/>
+              </a:defRPr>
+            </a:lvl1pPr>
+          </a:lstStyle>
+          <a:p>
+            <a:r>
+              <a:t>Bachelor of Design</a:t>
+            </a:r>
+          </a:p>
+        </p:txBody>
+      </p:sp>
+      <p:sp>
+        <p:nvSpPr>
+          <p:cNvPr id="214" name="Relevant Coursework: User-Centered Design, Interaction Design, Typography,.…"/>
+          <p:cNvSpPr txBox="1"/>
+          <p:nvPr/>
+        </p:nvSpPr>
+        <p:spPr>
+          <a:xfrm>
+            <a:off x="766179" y="5450004"/>
+            <a:ext cx="1967581" cy="1622779"/>
+          </a:xfrm>
+          <a:prstGeom prst="rect">
+            <a:avLst/>
+          </a:prstGeom>
+          <a:ln w="12700">
+            <a:miter lim="400000"/>
+          </a:ln>
+          <a:extLst>
+            <a:ext uri="{C572A759-6A51-4108-AA02-DFA0A04FC94B}">
+              <ma14:wrappingTextBoxFlag xmlns:ma14="http://schemas.microsoft.com/office/mac/drawingml/2011/main" xmlns:a14="http://schemas.microsoft.com/office/drawing/2010/main" xmlns:m="http://schemas.openxmlformats.org/officeDocument/2006/math" xmlns="" val="1"/>
+            </a:ext>
+          </a:extLst>
+        </p:spPr>
+        <p:txBody>
+          <a:bodyPr lIns="0" tIns="0" rIns="0" bIns="0"/>
           <a:lstStyle/>
           <a:p>
-            <a:pPr algn="ctr" defTabSz="584200">
-              <a:defRPr sz="1200">
+            <a:pPr marL="90236" indent="-90236" defTabSz="457200">
+              <a:lnSpc>
+                <a:spcPct val="120000"/>
+              </a:lnSpc>
+              <a:buSzPct val="100000"/>
+              <a:buChar char="•"/>
+              <a:defRPr sz="900" b="1">
                 <a:solidFill>
-                  <a:srgbClr val="FFFFFF"/>
+                  <a:srgbClr val="333333"/>
+                </a:solidFill>
+                <a:latin typeface="Helvetica Neue"/>
+                <a:ea typeface="Helvetica Neue"/>
+                <a:cs typeface="Helvetica Neue"/>
+                <a:sym typeface="Helvetica Neue"/>
+              </a:defRPr>
+            </a:pPr>
+            <a:r>
+              <a:t>Relevant Coursework: </a:t>
+            </a:r>
+            <a:r>
+              <a:rPr b="0"/>
+              <a:t>User-Centered Design, Interaction Design, Typography,.</a:t>
+            </a:r>
+          </a:p>
+          <a:p>
+            <a:pPr marL="90236" indent="-90236" defTabSz="457200">
+              <a:lnSpc>
+                <a:spcPct val="120000"/>
+              </a:lnSpc>
+              <a:buSzPct val="100000"/>
+              <a:buChar char="•"/>
+              <a:defRPr sz="900">
+                <a:solidFill>
+                  <a:srgbClr val="333333"/>
+                </a:solidFill>
+                <a:latin typeface="Helvetica Neue"/>
+                <a:ea typeface="Helvetica Neue"/>
+                <a:cs typeface="Helvetica Neue"/>
+                <a:sym typeface="Helvetica Neue"/>
+              </a:defRPr>
+            </a:pPr>
+            <a:r>
+              <a:rPr b="1"/>
+              <a:t>Key Projects:</a:t>
+            </a:r>
+            <a:r>
+              <a:t> Developed a mobile app interface for a capstone project, which was.</a:t>
+            </a:r>
+          </a:p>
+          <a:p>
+            <a:pPr marL="90236" indent="-90236" defTabSz="457200">
+              <a:lnSpc>
+                <a:spcPct val="120000"/>
+              </a:lnSpc>
+              <a:buSzPct val="100000"/>
+              <a:buChar char="•"/>
+              <a:defRPr sz="900">
+                <a:solidFill>
+                  <a:srgbClr val="333333"/>
+                </a:solidFill>
+                <a:latin typeface="Helvetica Neue"/>
+                <a:ea typeface="Helvetica Neue"/>
+                <a:cs typeface="Helvetica Neue"/>
+                <a:sym typeface="Helvetica Neue"/>
+              </a:defRPr>
+            </a:pPr>
+            <a:r>
+              <a:rPr b="1"/>
+              <a:t>Achievements:</a:t>
+            </a:r>
+            <a:r>
+              <a:t> Graduated with Honors (Dean’s List in 2012, 2013, 2014), and received.</a:t>
+            </a:r>
+          </a:p>
+        </p:txBody>
+      </p:sp>
+      <p:sp>
+        <p:nvSpPr>
+          <p:cNvPr id="215" name="Agile Methodologies…"/>
+          <p:cNvSpPr txBox="1"/>
+          <p:nvPr/>
+        </p:nvSpPr>
+        <p:spPr>
+          <a:xfrm>
+            <a:off x="774646" y="9890842"/>
+            <a:ext cx="1967580" cy="1622779"/>
+          </a:xfrm>
+          <a:prstGeom prst="rect">
+            <a:avLst/>
+          </a:prstGeom>
+          <a:ln w="12700">
+            <a:miter lim="400000"/>
+          </a:ln>
+          <a:extLst>
+            <a:ext uri="{C572A759-6A51-4108-AA02-DFA0A04FC94B}">
+              <ma14:wrappingTextBoxFlag xmlns:ma14="http://schemas.microsoft.com/office/mac/drawingml/2011/main" xmlns:a14="http://schemas.microsoft.com/office/drawing/2010/main" xmlns:m="http://schemas.openxmlformats.org/officeDocument/2006/math" xmlns="" val="1"/>
+            </a:ext>
+          </a:extLst>
+        </p:spPr>
+        <p:txBody>
+          <a:bodyPr lIns="0" tIns="0" rIns="0" bIns="0"/>
+          <a:lstStyle/>
+          <a:p>
+            <a:pPr marL="90236" indent="-90236" defTabSz="457200">
+              <a:lnSpc>
+                <a:spcPct val="120000"/>
+              </a:lnSpc>
+              <a:buSzPct val="100000"/>
+              <a:buChar char="•"/>
+              <a:defRPr sz="900">
+                <a:solidFill>
+                  <a:srgbClr val="333333"/>
                 </a:solidFill>
                 <a:latin typeface="Helvetica Neue Medium"/>
                 <a:ea typeface="Helvetica Neue Medium"/>
@@ -4382,20 +5845,43 @@
                 <a:sym typeface="Helvetica Neue Medium"/>
               </a:defRPr>
             </a:pPr>
-            <a:endParaRPr/>
-          </a:p>
-        </p:txBody>
-      </p:sp>
-      <p:sp>
-        <p:nvSpPr>
-          <p:cNvPr id="517" name="Skills"/>
+            <a:r>
+              <a:t>Agile Methodologies</a:t>
+            </a:r>
+          </a:p>
+          <a:p>
+            <a:pPr marL="90236" indent="-90236" defTabSz="457200">
+              <a:lnSpc>
+                <a:spcPct val="120000"/>
+              </a:lnSpc>
+              <a:buSzPct val="100000"/>
+              <a:buChar char="•"/>
+              <a:defRPr sz="900">
+                <a:solidFill>
+                  <a:srgbClr val="333333"/>
+                </a:solidFill>
+                <a:latin typeface="Helvetica Neue Medium"/>
+                <a:ea typeface="Helvetica Neue Medium"/>
+                <a:cs typeface="Helvetica Neue Medium"/>
+                <a:sym typeface="Helvetica Neue Medium"/>
+              </a:defRPr>
+            </a:pPr>
+            <a:r>
+              <a:t>Frontend Development</a:t>
+            </a:r>
+          </a:p>
+        </p:txBody>
+      </p:sp>
+      <p:sp>
+        <p:nvSpPr>
+          <p:cNvPr id="216" name="UI/UX Design (Advanced)…"/>
           <p:cNvSpPr txBox="1"/>
           <p:nvPr/>
         </p:nvSpPr>
         <p:spPr>
           <a:xfrm>
-            <a:off x="864403" y="5076850"/>
-            <a:ext cx="1544617" cy="270212"/>
+            <a:off x="754807" y="7644902"/>
+            <a:ext cx="1967580" cy="1622779"/>
           </a:xfrm>
           <a:prstGeom prst="rect">
             <a:avLst/>
@@ -4405,799 +5891,115 @@
           </a:ln>
           <a:extLst>
             <a:ext uri="{C572A759-6A51-4108-AA02-DFA0A04FC94B}">
-              <ma14:wrappingTextBoxFlag xmlns="" xmlns:m="http://schemas.openxmlformats.org/officeDocument/2006/math" xmlns:a14="http://schemas.microsoft.com/office/drawing/2010/main" xmlns:ma14="http://schemas.microsoft.com/office/mac/drawingml/2011/main" val="1"/>
+              <ma14:wrappingTextBoxFlag xmlns:ma14="http://schemas.microsoft.com/office/mac/drawingml/2011/main" xmlns:a14="http://schemas.microsoft.com/office/drawing/2010/main" xmlns:m="http://schemas.openxmlformats.org/officeDocument/2006/math" xmlns="" val="1"/>
             </a:ext>
           </a:extLst>
         </p:spPr>
         <p:txBody>
-          <a:bodyPr lIns="0" tIns="0" rIns="0" bIns="0" anchor="ctr"/>
-          <a:lstStyle>
-            <a:lvl1pPr algn="ctr" defTabSz="457200">
-              <a:defRPr sz="1200" cap="all" spc="432">
-                <a:latin typeface="Helvetica Neue Light"/>
-                <a:ea typeface="Helvetica Neue Light"/>
-                <a:cs typeface="Helvetica Neue Light"/>
-                <a:sym typeface="Helvetica Neue Light"/>
+          <a:bodyPr lIns="0" tIns="0" rIns="0" bIns="0"/>
+          <a:lstStyle/>
+          <a:p>
+            <a:pPr marL="90236" indent="-90236" defTabSz="457200">
+              <a:lnSpc>
+                <a:spcPct val="120000"/>
+              </a:lnSpc>
+              <a:buSzPct val="100000"/>
+              <a:buChar char="•"/>
+              <a:defRPr sz="900">
+                <a:solidFill>
+                  <a:srgbClr val="333333"/>
+                </a:solidFill>
+                <a:latin typeface="Helvetica Neue Medium"/>
+                <a:ea typeface="Helvetica Neue Medium"/>
+                <a:cs typeface="Helvetica Neue Medium"/>
+                <a:sym typeface="Helvetica Neue Medium"/>
               </a:defRPr>
-            </a:lvl1pPr>
-          </a:lstStyle>
-          <a:p>
-            <a:r>
-              <a:t>Skills</a:t>
-            </a:r>
-          </a:p>
-        </p:txBody>
-      </p:sp>
-      <p:sp>
-        <p:nvSpPr>
-          <p:cNvPr id="518" name="Role change"/>
-          <p:cNvSpPr txBox="1"/>
+            </a:pPr>
+            <a:r>
+              <a:t>UI/UX Design (Advanced)</a:t>
+            </a:r>
+          </a:p>
+          <a:p>
+            <a:pPr marL="90236" indent="-90236" defTabSz="457200">
+              <a:lnSpc>
+                <a:spcPct val="120000"/>
+              </a:lnSpc>
+              <a:buSzPct val="100000"/>
+              <a:buChar char="•"/>
+              <a:defRPr sz="900">
+                <a:solidFill>
+                  <a:srgbClr val="333333"/>
+                </a:solidFill>
+                <a:latin typeface="Helvetica Neue Medium"/>
+                <a:ea typeface="Helvetica Neue Medium"/>
+                <a:cs typeface="Helvetica Neue Medium"/>
+                <a:sym typeface="Helvetica Neue Medium"/>
+              </a:defRPr>
+            </a:pPr>
+            <a:r>
+              <a:t>Prototyping (Expert)</a:t>
+            </a:r>
+          </a:p>
+          <a:p>
+            <a:pPr marL="90236" indent="-90236" defTabSz="457200">
+              <a:lnSpc>
+                <a:spcPct val="120000"/>
+              </a:lnSpc>
+              <a:buSzPct val="100000"/>
+              <a:buChar char="•"/>
+              <a:defRPr sz="900">
+                <a:solidFill>
+                  <a:srgbClr val="333333"/>
+                </a:solidFill>
+                <a:latin typeface="Helvetica Neue Medium"/>
+                <a:ea typeface="Helvetica Neue Medium"/>
+                <a:cs typeface="Helvetica Neue Medium"/>
+                <a:sym typeface="Helvetica Neue Medium"/>
+              </a:defRPr>
+            </a:pPr>
+            <a:r>
+              <a:t>Adobe Suite (Advanced)</a:t>
+            </a:r>
+          </a:p>
+        </p:txBody>
+      </p:sp>
+      <p:sp>
+        <p:nvSpPr>
+          <p:cNvPr id="217" name="Line"/>
+          <p:cNvSpPr/>
           <p:nvPr/>
         </p:nvSpPr>
         <p:spPr>
-          <a:xfrm>
-            <a:off x="824280" y="5607217"/>
-            <a:ext cx="1624863" cy="259182"/>
+          <a:xfrm flipH="1">
+            <a:off x="2834926" y="8114326"/>
+            <a:ext cx="1572040" cy="1"/>
           </a:xfrm>
-          <a:prstGeom prst="rect">
+          <a:prstGeom prst="line">
             <a:avLst/>
           </a:prstGeom>
           <a:ln w="12700">
+            <a:solidFill>
+              <a:srgbClr val="C8C8C8"/>
+            </a:solidFill>
             <a:miter lim="400000"/>
           </a:ln>
-          <a:extLst>
-            <a:ext uri="{C572A759-6A51-4108-AA02-DFA0A04FC94B}">
-              <ma14:wrappingTextBoxFlag xmlns="" xmlns:m="http://schemas.openxmlformats.org/officeDocument/2006/math" xmlns:a14="http://schemas.microsoft.com/office/drawing/2010/main" xmlns:ma14="http://schemas.microsoft.com/office/mac/drawingml/2011/main" val="1"/>
-            </a:ext>
-          </a:extLst>
-        </p:spPr>
-        <p:txBody>
-          <a:bodyPr lIns="0" tIns="0" rIns="0" bIns="0" anchor="ctr"/>
-          <a:lstStyle>
-            <a:lvl1pPr algn="ctr" defTabSz="457200">
-              <a:defRPr sz="900" cap="all" spc="45">
-                <a:latin typeface="Helvetica Neue Light"/>
-                <a:ea typeface="Helvetica Neue Light"/>
-                <a:cs typeface="Helvetica Neue Light"/>
-                <a:sym typeface="Helvetica Neue Light"/>
-              </a:defRPr>
-            </a:lvl1pPr>
-          </a:lstStyle>
-          <a:p>
-            <a:r>
-              <a:t>Role change</a:t>
-            </a:r>
-          </a:p>
-        </p:txBody>
-      </p:sp>
-      <p:sp>
-        <p:nvSpPr>
-          <p:cNvPr id="519" name="Risk managment"/>
-          <p:cNvSpPr txBox="1"/>
-          <p:nvPr/>
-        </p:nvSpPr>
-        <p:spPr>
-          <a:xfrm>
-            <a:off x="824280" y="5932398"/>
-            <a:ext cx="1624863" cy="259183"/>
-          </a:xfrm>
-          <a:prstGeom prst="rect">
-            <a:avLst/>
-          </a:prstGeom>
-          <a:ln w="12700">
-            <a:miter lim="400000"/>
-          </a:ln>
-          <a:extLst>
-            <a:ext uri="{C572A759-6A51-4108-AA02-DFA0A04FC94B}">
-              <ma14:wrappingTextBoxFlag xmlns="" xmlns:m="http://schemas.openxmlformats.org/officeDocument/2006/math" xmlns:a14="http://schemas.microsoft.com/office/drawing/2010/main" xmlns:ma14="http://schemas.microsoft.com/office/mac/drawingml/2011/main" val="1"/>
-            </a:ext>
-          </a:extLst>
-        </p:spPr>
-        <p:txBody>
-          <a:bodyPr lIns="0" tIns="0" rIns="0" bIns="0" anchor="ctr"/>
-          <a:lstStyle>
-            <a:lvl1pPr algn="ctr" defTabSz="457200">
-              <a:defRPr sz="900" cap="all" spc="45">
-                <a:latin typeface="Helvetica Neue Light"/>
-                <a:ea typeface="Helvetica Neue Light"/>
-                <a:cs typeface="Helvetica Neue Light"/>
-                <a:sym typeface="Helvetica Neue Light"/>
-              </a:defRPr>
-            </a:lvl1pPr>
-          </a:lstStyle>
-          <a:p>
-            <a:r>
-              <a:t>Risk managment</a:t>
-            </a:r>
-          </a:p>
-        </p:txBody>
-      </p:sp>
-      <p:sp>
-        <p:nvSpPr>
-          <p:cNvPr id="520" name="Project design"/>
-          <p:cNvSpPr txBox="1"/>
-          <p:nvPr/>
-        </p:nvSpPr>
-        <p:spPr>
-          <a:xfrm>
-            <a:off x="824280" y="6257580"/>
-            <a:ext cx="1624863" cy="259182"/>
-          </a:xfrm>
-          <a:prstGeom prst="rect">
-            <a:avLst/>
-          </a:prstGeom>
-          <a:ln w="12700">
-            <a:miter lim="400000"/>
-          </a:ln>
-          <a:extLst>
-            <a:ext uri="{C572A759-6A51-4108-AA02-DFA0A04FC94B}">
-              <ma14:wrappingTextBoxFlag xmlns="" xmlns:m="http://schemas.openxmlformats.org/officeDocument/2006/math" xmlns:a14="http://schemas.microsoft.com/office/drawing/2010/main" xmlns:ma14="http://schemas.microsoft.com/office/mac/drawingml/2011/main" val="1"/>
-            </a:ext>
-          </a:extLst>
-        </p:spPr>
-        <p:txBody>
-          <a:bodyPr lIns="0" tIns="0" rIns="0" bIns="0" anchor="ctr"/>
-          <a:lstStyle>
-            <a:lvl1pPr algn="ctr" defTabSz="457200">
-              <a:defRPr sz="900" cap="all" spc="45">
-                <a:latin typeface="Helvetica Neue Light"/>
-                <a:ea typeface="Helvetica Neue Light"/>
-                <a:cs typeface="Helvetica Neue Light"/>
-                <a:sym typeface="Helvetica Neue Light"/>
-              </a:defRPr>
-            </a:lvl1pPr>
-          </a:lstStyle>
-          <a:p>
-            <a:r>
-              <a:t>Project design</a:t>
-            </a:r>
-          </a:p>
-        </p:txBody>
-      </p:sp>
-      <p:sp>
-        <p:nvSpPr>
-          <p:cNvPr id="521" name="Quality control"/>
-          <p:cNvSpPr txBox="1"/>
-          <p:nvPr/>
-        </p:nvSpPr>
-        <p:spPr>
-          <a:xfrm>
-            <a:off x="824280" y="6469034"/>
-            <a:ext cx="1624863" cy="486636"/>
-          </a:xfrm>
-          <a:prstGeom prst="rect">
-            <a:avLst/>
-          </a:prstGeom>
-          <a:ln w="12700">
-            <a:miter lim="400000"/>
-          </a:ln>
-          <a:extLst>
-            <a:ext uri="{C572A759-6A51-4108-AA02-DFA0A04FC94B}">
-              <ma14:wrappingTextBoxFlag xmlns="" xmlns:m="http://schemas.openxmlformats.org/officeDocument/2006/math" xmlns:a14="http://schemas.microsoft.com/office/drawing/2010/main" xmlns:ma14="http://schemas.microsoft.com/office/mac/drawingml/2011/main" val="1"/>
-            </a:ext>
-          </a:extLst>
-        </p:spPr>
-        <p:txBody>
-          <a:bodyPr lIns="0" tIns="0" rIns="0" bIns="0" anchor="ctr"/>
-          <a:lstStyle>
-            <a:lvl1pPr algn="ctr" defTabSz="457200">
-              <a:defRPr sz="900" cap="all" spc="45">
-                <a:latin typeface="Helvetica Neue Light"/>
-                <a:ea typeface="Helvetica Neue Light"/>
-                <a:cs typeface="Helvetica Neue Light"/>
-                <a:sym typeface="Helvetica Neue Light"/>
-              </a:defRPr>
-            </a:lvl1pPr>
-          </a:lstStyle>
-          <a:p>
-            <a:r>
-              <a:t>Quality control</a:t>
-            </a:r>
-          </a:p>
-        </p:txBody>
-      </p:sp>
-      <p:sp>
-        <p:nvSpPr>
-          <p:cNvPr id="522" name="Andrew Garcia"/>
-          <p:cNvSpPr txBox="1"/>
-          <p:nvPr/>
-        </p:nvSpPr>
-        <p:spPr>
-          <a:xfrm>
-            <a:off x="3194269" y="8716904"/>
-            <a:ext cx="1825162" cy="259183"/>
-          </a:xfrm>
-          <a:prstGeom prst="rect">
-            <a:avLst/>
-          </a:prstGeom>
-          <a:ln w="12700">
-            <a:miter lim="400000"/>
-          </a:ln>
-          <a:extLst>
-            <a:ext uri="{C572A759-6A51-4108-AA02-DFA0A04FC94B}">
-              <ma14:wrappingTextBoxFlag xmlns="" xmlns:m="http://schemas.openxmlformats.org/officeDocument/2006/math" xmlns:a14="http://schemas.microsoft.com/office/drawing/2010/main" xmlns:ma14="http://schemas.microsoft.com/office/mac/drawingml/2011/main" val="1"/>
-            </a:ext>
-          </a:extLst>
-        </p:spPr>
-        <p:txBody>
-          <a:bodyPr lIns="0" tIns="0" rIns="0" bIns="0" anchor="ctr"/>
-          <a:lstStyle>
-            <a:lvl1pPr defTabSz="457200">
-              <a:defRPr sz="1000" cap="all" spc="50">
+        </p:spPr>
+        <p:txBody>
+          <a:bodyPr lIns="50800" tIns="50800" rIns="50800" bIns="50800"/>
+          <a:lstStyle/>
+          <a:p>
+            <a:pPr defTabSz="457200">
+              <a:defRPr sz="1100">
                 <a:latin typeface="Helvetica Neue"/>
                 <a:ea typeface="Helvetica Neue"/>
                 <a:cs typeface="Helvetica Neue"/>
                 <a:sym typeface="Helvetica Neue"/>
               </a:defRPr>
-            </a:lvl1pPr>
-          </a:lstStyle>
-          <a:p>
-            <a:r>
-              <a:t>Andrew Garcia</a:t>
-            </a:r>
-          </a:p>
-        </p:txBody>
-      </p:sp>
-      <p:sp>
-        <p:nvSpPr>
-          <p:cNvPr id="523" name="Lorem ipsum dolor sit amet, consectetur adipiscing elit. Aliquam ac bibendum dui. Proin convallis libero id diam porta, facilisis varius velit tempus. scelerisque metus ligula id nibh. Nullam vitae sem fermentum, dignissim dui eget."/>
-          <p:cNvSpPr txBox="1"/>
-          <p:nvPr/>
-        </p:nvSpPr>
-        <p:spPr>
-          <a:xfrm>
-            <a:off x="3194269" y="9144521"/>
-            <a:ext cx="4213389" cy="910644"/>
-          </a:xfrm>
-          <a:prstGeom prst="rect">
-            <a:avLst/>
-          </a:prstGeom>
-          <a:ln w="12700">
-            <a:miter lim="400000"/>
-          </a:ln>
-          <a:extLst>
-            <a:ext uri="{C572A759-6A51-4108-AA02-DFA0A04FC94B}">
-              <ma14:wrappingTextBoxFlag xmlns="" xmlns:m="http://schemas.openxmlformats.org/officeDocument/2006/math" xmlns:a14="http://schemas.microsoft.com/office/drawing/2010/main" xmlns:ma14="http://schemas.microsoft.com/office/mac/drawingml/2011/main" val="1"/>
-            </a:ext>
-          </a:extLst>
-        </p:spPr>
-        <p:txBody>
-          <a:bodyPr lIns="0" tIns="0" rIns="0" bIns="0"/>
-          <a:lstStyle>
-            <a:lvl1pPr algn="just" defTabSz="457200">
-              <a:lnSpc>
-                <a:spcPct val="120000"/>
-              </a:lnSpc>
-              <a:defRPr sz="800">
-                <a:latin typeface="Helvetica Neue Light"/>
-                <a:ea typeface="Helvetica Neue Light"/>
-                <a:cs typeface="Helvetica Neue Light"/>
-                <a:sym typeface="Helvetica Neue Light"/>
-              </a:defRPr>
-            </a:lvl1pPr>
-          </a:lstStyle>
-          <a:p>
-            <a:r>
-              <a:t>Lorem ipsum dolor sit amet, consectetur adipiscing elit. Aliquam ac bibendum dui. Proin convallis libero id diam porta, facilisis varius velit tempus. scelerisque metus ligula id nibh. Nullam vitae sem fermentum, dignissim dui eget.</a:t>
-            </a:r>
-          </a:p>
-        </p:txBody>
-      </p:sp>
-      <p:sp>
-        <p:nvSpPr>
-          <p:cNvPr id="524" name="Personal manager"/>
-          <p:cNvSpPr txBox="1"/>
-          <p:nvPr/>
-        </p:nvSpPr>
-        <p:spPr>
-          <a:xfrm>
-            <a:off x="3194269" y="8885339"/>
-            <a:ext cx="857166" cy="259183"/>
-          </a:xfrm>
-          <a:prstGeom prst="rect">
-            <a:avLst/>
-          </a:prstGeom>
-          <a:ln w="12700">
-            <a:miter lim="400000"/>
-          </a:ln>
-          <a:extLst>
-            <a:ext uri="{C572A759-6A51-4108-AA02-DFA0A04FC94B}">
-              <ma14:wrappingTextBoxFlag xmlns="" xmlns:m="http://schemas.openxmlformats.org/officeDocument/2006/math" xmlns:a14="http://schemas.microsoft.com/office/drawing/2010/main" xmlns:ma14="http://schemas.microsoft.com/office/mac/drawingml/2011/main" val="1"/>
-            </a:ext>
-          </a:extLst>
-        </p:spPr>
-        <p:txBody>
-          <a:bodyPr lIns="0" tIns="0" rIns="0" bIns="0" anchor="ctr"/>
-          <a:lstStyle>
-            <a:lvl1pPr defTabSz="457200">
-              <a:defRPr sz="800">
-                <a:latin typeface="Helvetica Neue Light"/>
-                <a:ea typeface="Helvetica Neue Light"/>
-                <a:cs typeface="Helvetica Neue Light"/>
-                <a:sym typeface="Helvetica Neue Light"/>
-              </a:defRPr>
-            </a:lvl1pPr>
-          </a:lstStyle>
-          <a:p>
-            <a:r>
-              <a:t>Personal manager</a:t>
-            </a:r>
-          </a:p>
-        </p:txBody>
-      </p:sp>
-      <p:sp>
-        <p:nvSpPr>
-          <p:cNvPr id="525" name="Andrew Garcia"/>
-          <p:cNvSpPr txBox="1"/>
-          <p:nvPr/>
-        </p:nvSpPr>
-        <p:spPr>
-          <a:xfrm>
-            <a:off x="3194269" y="9766981"/>
-            <a:ext cx="1825162" cy="259183"/>
-          </a:xfrm>
-          <a:prstGeom prst="rect">
-            <a:avLst/>
-          </a:prstGeom>
-          <a:ln w="12700">
-            <a:miter lim="400000"/>
-          </a:ln>
-          <a:extLst>
-            <a:ext uri="{C572A759-6A51-4108-AA02-DFA0A04FC94B}">
-              <ma14:wrappingTextBoxFlag xmlns="" xmlns:m="http://schemas.openxmlformats.org/officeDocument/2006/math" xmlns:a14="http://schemas.microsoft.com/office/drawing/2010/main" xmlns:ma14="http://schemas.microsoft.com/office/mac/drawingml/2011/main" val="1"/>
-            </a:ext>
-          </a:extLst>
-        </p:spPr>
-        <p:txBody>
-          <a:bodyPr lIns="0" tIns="0" rIns="0" bIns="0" anchor="ctr"/>
-          <a:lstStyle>
-            <a:lvl1pPr defTabSz="457200">
-              <a:defRPr sz="1000" cap="all" spc="50">
-                <a:latin typeface="Helvetica Neue"/>
-                <a:ea typeface="Helvetica Neue"/>
-                <a:cs typeface="Helvetica Neue"/>
-                <a:sym typeface="Helvetica Neue"/>
-              </a:defRPr>
-            </a:lvl1pPr>
-          </a:lstStyle>
-          <a:p>
-            <a:r>
-              <a:t>Andrew Garcia</a:t>
-            </a:r>
-          </a:p>
-        </p:txBody>
-      </p:sp>
-      <p:sp>
-        <p:nvSpPr>
-          <p:cNvPr id="526" name="Lorem ipsum dolor sit amet, consectetur adipiscing elit. Aliquam ac bibendum dui. Proin convallis libero id diam porta, facilisis varius velit tempus. scelerisque metus ligula id nibh. Nullam vitae sem fermentum, dignissim dui eget."/>
-          <p:cNvSpPr txBox="1"/>
-          <p:nvPr/>
-        </p:nvSpPr>
-        <p:spPr>
-          <a:xfrm>
-            <a:off x="3194269" y="10194597"/>
-            <a:ext cx="4213389" cy="486637"/>
-          </a:xfrm>
-          <a:prstGeom prst="rect">
-            <a:avLst/>
-          </a:prstGeom>
-          <a:ln w="12700">
-            <a:miter lim="400000"/>
-          </a:ln>
-          <a:extLst>
-            <a:ext uri="{C572A759-6A51-4108-AA02-DFA0A04FC94B}">
-              <ma14:wrappingTextBoxFlag xmlns="" xmlns:m="http://schemas.openxmlformats.org/officeDocument/2006/math" xmlns:a14="http://schemas.microsoft.com/office/drawing/2010/main" xmlns:ma14="http://schemas.microsoft.com/office/mac/drawingml/2011/main" val="1"/>
-            </a:ext>
-          </a:extLst>
-        </p:spPr>
-        <p:txBody>
-          <a:bodyPr lIns="0" tIns="0" rIns="0" bIns="0"/>
-          <a:lstStyle>
-            <a:lvl1pPr algn="just" defTabSz="457200">
-              <a:lnSpc>
-                <a:spcPct val="120000"/>
-              </a:lnSpc>
-              <a:defRPr sz="800">
-                <a:latin typeface="Helvetica Neue Light"/>
-                <a:ea typeface="Helvetica Neue Light"/>
-                <a:cs typeface="Helvetica Neue Light"/>
-                <a:sym typeface="Helvetica Neue Light"/>
-              </a:defRPr>
-            </a:lvl1pPr>
-          </a:lstStyle>
-          <a:p>
-            <a:r>
-              <a:t>Lorem ipsum dolor sit amet, consectetur adipiscing elit. Aliquam ac bibendum dui. Proin convallis libero id diam porta, facilisis varius velit tempus. scelerisque metus ligula id nibh. Nullam vitae sem fermentum, dignissim dui eget.</a:t>
-            </a:r>
-          </a:p>
-        </p:txBody>
-      </p:sp>
-      <p:sp>
-        <p:nvSpPr>
-          <p:cNvPr id="527" name="Personal manager"/>
-          <p:cNvSpPr txBox="1"/>
-          <p:nvPr/>
-        </p:nvSpPr>
-        <p:spPr>
-          <a:xfrm>
-            <a:off x="3194269" y="9935416"/>
-            <a:ext cx="857166" cy="259182"/>
-          </a:xfrm>
-          <a:prstGeom prst="rect">
-            <a:avLst/>
-          </a:prstGeom>
-          <a:ln w="12700">
-            <a:miter lim="400000"/>
-          </a:ln>
-          <a:extLst>
-            <a:ext uri="{C572A759-6A51-4108-AA02-DFA0A04FC94B}">
-              <ma14:wrappingTextBoxFlag xmlns="" xmlns:m="http://schemas.openxmlformats.org/officeDocument/2006/math" xmlns:a14="http://schemas.microsoft.com/office/drawing/2010/main" xmlns:ma14="http://schemas.microsoft.com/office/mac/drawingml/2011/main" val="1"/>
-            </a:ext>
-          </a:extLst>
-        </p:spPr>
-        <p:txBody>
-          <a:bodyPr lIns="0" tIns="0" rIns="0" bIns="0" anchor="ctr"/>
-          <a:lstStyle>
-            <a:lvl1pPr defTabSz="457200">
-              <a:defRPr sz="800">
-                <a:latin typeface="Helvetica Neue Light"/>
-                <a:ea typeface="Helvetica Neue Light"/>
-                <a:cs typeface="Helvetica Neue Light"/>
-                <a:sym typeface="Helvetica Neue Light"/>
-              </a:defRPr>
-            </a:lvl1pPr>
-          </a:lstStyle>
-          <a:p>
-            <a:r>
-              <a:t>Personal manager</a:t>
-            </a:r>
-          </a:p>
-        </p:txBody>
-      </p:sp>
-      <p:grpSp>
-        <p:nvGrpSpPr>
-          <p:cNvPr id="535" name="Сгруппировать"/>
-          <p:cNvGrpSpPr/>
-          <p:nvPr/>
-        </p:nvGrpSpPr>
-        <p:grpSpPr>
-          <a:xfrm>
-            <a:off x="715645" y="7379681"/>
-            <a:ext cx="1842134" cy="2204222"/>
-            <a:chOff x="0" y="0"/>
-            <a:chExt cx="1842133" cy="2204221"/>
-          </a:xfrm>
-        </p:grpSpPr>
-        <p:sp>
-          <p:nvSpPr>
-            <p:cNvPr id="528" name="Прямоугольник"/>
-            <p:cNvSpPr/>
-            <p:nvPr/>
-          </p:nvSpPr>
-          <p:spPr>
-            <a:xfrm>
-              <a:off x="0" y="0"/>
-              <a:ext cx="1842134" cy="448474"/>
-            </a:xfrm>
-            <a:prstGeom prst="rect">
-              <a:avLst/>
-            </a:prstGeom>
-            <a:solidFill>
-              <a:srgbClr val="FFFFFF"/>
-            </a:solidFill>
-            <a:ln w="12700" cap="flat">
-              <a:solidFill>
-                <a:srgbClr val="FFFFFF"/>
-              </a:solidFill>
-              <a:prstDash val="solid"/>
-              <a:miter lim="400000"/>
-            </a:ln>
-            <a:effectLst/>
-          </p:spPr>
-          <p:txBody>
-            <a:bodyPr wrap="square" lIns="50800" tIns="50800" rIns="50800" bIns="50800" numCol="1" anchor="ctr">
-              <a:noAutofit/>
-            </a:bodyPr>
-            <a:lstStyle/>
-            <a:p>
-              <a:pPr algn="ctr" defTabSz="584200">
-                <a:defRPr sz="1200">
-                  <a:solidFill>
-                    <a:srgbClr val="FFFFFF"/>
-                  </a:solidFill>
-                  <a:latin typeface="Helvetica Neue Medium"/>
-                  <a:ea typeface="Helvetica Neue Medium"/>
-                  <a:cs typeface="Helvetica Neue Medium"/>
-                  <a:sym typeface="Helvetica Neue Medium"/>
-                </a:defRPr>
-              </a:pPr>
-              <a:endParaRPr/>
-            </a:p>
-          </p:txBody>
-        </p:sp>
-        <p:sp>
-          <p:nvSpPr>
-            <p:cNvPr id="529" name="Hobbys"/>
-            <p:cNvSpPr txBox="1"/>
-            <p:nvPr/>
-          </p:nvSpPr>
-          <p:spPr>
-            <a:xfrm>
-              <a:off x="148758" y="89131"/>
-              <a:ext cx="1544617" cy="270212"/>
-            </a:xfrm>
-            <a:prstGeom prst="rect">
-              <a:avLst/>
-            </a:prstGeom>
-            <a:noFill/>
-            <a:ln w="12700" cap="flat">
-              <a:noFill/>
-              <a:miter lim="400000"/>
-            </a:ln>
-            <a:effectLst/>
-            <a:extLst>
-              <a:ext uri="{C572A759-6A51-4108-AA02-DFA0A04FC94B}">
-                <ma14:wrappingTextBoxFlag xmlns="" xmlns:m="http://schemas.openxmlformats.org/officeDocument/2006/math" xmlns:a14="http://schemas.microsoft.com/office/drawing/2010/main" xmlns:ma14="http://schemas.microsoft.com/office/mac/drawingml/2011/main" val="1"/>
-              </a:ext>
-            </a:extLst>
-          </p:spPr>
-          <p:txBody>
-            <a:bodyPr wrap="square" lIns="0" tIns="0" rIns="0" bIns="0" numCol="1" anchor="ctr">
-              <a:noAutofit/>
-            </a:bodyPr>
-            <a:lstStyle>
-              <a:lvl1pPr algn="ctr" defTabSz="457200">
-                <a:defRPr sz="1200" cap="all" spc="432">
-                  <a:latin typeface="Helvetica Neue Light"/>
-                  <a:ea typeface="Helvetica Neue Light"/>
-                  <a:cs typeface="Helvetica Neue Light"/>
-                  <a:sym typeface="Helvetica Neue Light"/>
-                </a:defRPr>
-              </a:lvl1pPr>
-            </a:lstStyle>
-            <a:p>
-              <a:r>
-                <a:t>Hobbys</a:t>
-              </a:r>
-            </a:p>
-          </p:txBody>
-        </p:sp>
-        <p:sp>
-          <p:nvSpPr>
-            <p:cNvPr id="530" name="Video games"/>
-            <p:cNvSpPr txBox="1"/>
-            <p:nvPr/>
-          </p:nvSpPr>
-          <p:spPr>
-            <a:xfrm>
-              <a:off x="108635" y="619497"/>
-              <a:ext cx="1624863" cy="259183"/>
-            </a:xfrm>
-            <a:prstGeom prst="rect">
-              <a:avLst/>
-            </a:prstGeom>
-            <a:noFill/>
-            <a:ln w="12700" cap="flat">
-              <a:noFill/>
-              <a:miter lim="400000"/>
-            </a:ln>
-            <a:effectLst/>
-            <a:extLst>
-              <a:ext uri="{C572A759-6A51-4108-AA02-DFA0A04FC94B}">
-                <ma14:wrappingTextBoxFlag xmlns="" xmlns:m="http://schemas.openxmlformats.org/officeDocument/2006/math" xmlns:a14="http://schemas.microsoft.com/office/drawing/2010/main" xmlns:ma14="http://schemas.microsoft.com/office/mac/drawingml/2011/main" val="1"/>
-              </a:ext>
-            </a:extLst>
-          </p:spPr>
-          <p:txBody>
-            <a:bodyPr wrap="square" lIns="0" tIns="0" rIns="0" bIns="0" numCol="1" anchor="ctr">
-              <a:noAutofit/>
-            </a:bodyPr>
-            <a:lstStyle>
-              <a:lvl1pPr algn="ctr" defTabSz="457200">
-                <a:defRPr sz="900" cap="all" spc="45">
-                  <a:latin typeface="Helvetica Neue Light"/>
-                  <a:ea typeface="Helvetica Neue Light"/>
-                  <a:cs typeface="Helvetica Neue Light"/>
-                  <a:sym typeface="Helvetica Neue Light"/>
-                </a:defRPr>
-              </a:lvl1pPr>
-            </a:lstStyle>
-            <a:p>
-              <a:r>
-                <a:t>Video games</a:t>
-              </a:r>
-            </a:p>
-          </p:txBody>
-        </p:sp>
-        <p:sp>
-          <p:nvSpPr>
-            <p:cNvPr id="531" name="Walking"/>
-            <p:cNvSpPr txBox="1"/>
-            <p:nvPr/>
-          </p:nvSpPr>
-          <p:spPr>
-            <a:xfrm>
-              <a:off x="108635" y="909110"/>
-              <a:ext cx="1624863" cy="259183"/>
-            </a:xfrm>
-            <a:prstGeom prst="rect">
-              <a:avLst/>
-            </a:prstGeom>
-            <a:noFill/>
-            <a:ln w="12700" cap="flat">
-              <a:noFill/>
-              <a:miter lim="400000"/>
-            </a:ln>
-            <a:effectLst/>
-            <a:extLst>
-              <a:ext uri="{C572A759-6A51-4108-AA02-DFA0A04FC94B}">
-                <ma14:wrappingTextBoxFlag xmlns="" xmlns:m="http://schemas.openxmlformats.org/officeDocument/2006/math" xmlns:a14="http://schemas.microsoft.com/office/drawing/2010/main" xmlns:ma14="http://schemas.microsoft.com/office/mac/drawingml/2011/main" val="1"/>
-              </a:ext>
-            </a:extLst>
-          </p:spPr>
-          <p:txBody>
-            <a:bodyPr wrap="square" lIns="0" tIns="0" rIns="0" bIns="0" numCol="1" anchor="ctr">
-              <a:noAutofit/>
-            </a:bodyPr>
-            <a:lstStyle>
-              <a:lvl1pPr algn="ctr" defTabSz="457200">
-                <a:defRPr sz="900" cap="all" spc="45">
-                  <a:latin typeface="Helvetica Neue Light"/>
-                  <a:ea typeface="Helvetica Neue Light"/>
-                  <a:cs typeface="Helvetica Neue Light"/>
-                  <a:sym typeface="Helvetica Neue Light"/>
-                </a:defRPr>
-              </a:lvl1pPr>
-            </a:lstStyle>
-            <a:p>
-              <a:r>
-                <a:t>Walking</a:t>
-              </a:r>
-            </a:p>
-          </p:txBody>
-        </p:sp>
-        <p:sp>
-          <p:nvSpPr>
-            <p:cNvPr id="532" name="Creative"/>
-            <p:cNvSpPr txBox="1"/>
-            <p:nvPr/>
-          </p:nvSpPr>
-          <p:spPr>
-            <a:xfrm>
-              <a:off x="108635" y="1198722"/>
-              <a:ext cx="1624863" cy="259183"/>
-            </a:xfrm>
-            <a:prstGeom prst="rect">
-              <a:avLst/>
-            </a:prstGeom>
-            <a:noFill/>
-            <a:ln w="12700" cap="flat">
-              <a:noFill/>
-              <a:miter lim="400000"/>
-            </a:ln>
-            <a:effectLst/>
-            <a:extLst>
-              <a:ext uri="{C572A759-6A51-4108-AA02-DFA0A04FC94B}">
-                <ma14:wrappingTextBoxFlag xmlns="" xmlns:m="http://schemas.openxmlformats.org/officeDocument/2006/math" xmlns:a14="http://schemas.microsoft.com/office/drawing/2010/main" xmlns:ma14="http://schemas.microsoft.com/office/mac/drawingml/2011/main" val="1"/>
-              </a:ext>
-            </a:extLst>
-          </p:spPr>
-          <p:txBody>
-            <a:bodyPr wrap="square" lIns="0" tIns="0" rIns="0" bIns="0" numCol="1" anchor="ctr">
-              <a:noAutofit/>
-            </a:bodyPr>
-            <a:lstStyle>
-              <a:lvl1pPr algn="ctr" defTabSz="457200">
-                <a:defRPr sz="900" cap="all" spc="45">
-                  <a:latin typeface="Helvetica Neue Light"/>
-                  <a:ea typeface="Helvetica Neue Light"/>
-                  <a:cs typeface="Helvetica Neue Light"/>
-                  <a:sym typeface="Helvetica Neue Light"/>
-                </a:defRPr>
-              </a:lvl1pPr>
-            </a:lstStyle>
-            <a:p>
-              <a:r>
-                <a:t>Creative</a:t>
-              </a:r>
-            </a:p>
-          </p:txBody>
-        </p:sp>
-        <p:sp>
-          <p:nvSpPr>
-            <p:cNvPr id="533" name="Web-design"/>
-            <p:cNvSpPr txBox="1"/>
-            <p:nvPr/>
-          </p:nvSpPr>
-          <p:spPr>
-            <a:xfrm>
-              <a:off x="108635" y="1488336"/>
-              <a:ext cx="1624863" cy="259183"/>
-            </a:xfrm>
-            <a:prstGeom prst="rect">
-              <a:avLst/>
-            </a:prstGeom>
-            <a:noFill/>
-            <a:ln w="12700" cap="flat">
-              <a:noFill/>
-              <a:miter lim="400000"/>
-            </a:ln>
-            <a:effectLst/>
-            <a:extLst>
-              <a:ext uri="{C572A759-6A51-4108-AA02-DFA0A04FC94B}">
-                <ma14:wrappingTextBoxFlag xmlns="" xmlns:m="http://schemas.openxmlformats.org/officeDocument/2006/math" xmlns:a14="http://schemas.microsoft.com/office/drawing/2010/main" xmlns:ma14="http://schemas.microsoft.com/office/mac/drawingml/2011/main" val="1"/>
-              </a:ext>
-            </a:extLst>
-          </p:spPr>
-          <p:txBody>
-            <a:bodyPr wrap="square" lIns="0" tIns="0" rIns="0" bIns="0" numCol="1" anchor="ctr">
-              <a:noAutofit/>
-            </a:bodyPr>
-            <a:lstStyle>
-              <a:lvl1pPr algn="ctr" defTabSz="457200">
-                <a:defRPr sz="900" cap="all" spc="45">
-                  <a:latin typeface="Helvetica Neue Light"/>
-                  <a:ea typeface="Helvetica Neue Light"/>
-                  <a:cs typeface="Helvetica Neue Light"/>
-                  <a:sym typeface="Helvetica Neue Light"/>
-                </a:defRPr>
-              </a:lvl1pPr>
-            </a:lstStyle>
-            <a:p>
-              <a:r>
-                <a:t>Web-design</a:t>
-              </a:r>
-            </a:p>
-          </p:txBody>
-        </p:sp>
-        <p:sp>
-          <p:nvSpPr>
-            <p:cNvPr id="534" name="Adventures"/>
-            <p:cNvSpPr txBox="1"/>
-            <p:nvPr/>
-          </p:nvSpPr>
-          <p:spPr>
-            <a:xfrm>
-              <a:off x="108635" y="1610857"/>
-              <a:ext cx="1624863" cy="593365"/>
-            </a:xfrm>
-            <a:prstGeom prst="rect">
-              <a:avLst/>
-            </a:prstGeom>
-            <a:noFill/>
-            <a:ln w="12700" cap="flat">
-              <a:noFill/>
-              <a:miter lim="400000"/>
-            </a:ln>
-            <a:effectLst/>
-            <a:extLst>
-              <a:ext uri="{C572A759-6A51-4108-AA02-DFA0A04FC94B}">
-                <ma14:wrappingTextBoxFlag xmlns="" xmlns:m="http://schemas.openxmlformats.org/officeDocument/2006/math" xmlns:a14="http://schemas.microsoft.com/office/drawing/2010/main" xmlns:ma14="http://schemas.microsoft.com/office/mac/drawingml/2011/main" val="1"/>
-              </a:ext>
-            </a:extLst>
-          </p:spPr>
-          <p:txBody>
-            <a:bodyPr wrap="square" lIns="0" tIns="0" rIns="0" bIns="0" numCol="1" anchor="ctr">
-              <a:noAutofit/>
-            </a:bodyPr>
-            <a:lstStyle>
-              <a:lvl1pPr algn="ctr" defTabSz="457200">
-                <a:defRPr sz="900" cap="all" spc="45">
-                  <a:latin typeface="Helvetica Neue Light"/>
-                  <a:ea typeface="Helvetica Neue Light"/>
-                  <a:cs typeface="Helvetica Neue Light"/>
-                  <a:sym typeface="Helvetica Neue Light"/>
-                </a:defRPr>
-              </a:lvl1pPr>
-            </a:lstStyle>
-            <a:p>
-              <a:r>
-                <a:t>Adventures</a:t>
-              </a:r>
-            </a:p>
-          </p:txBody>
-        </p:sp>
-      </p:grpSp>
+            </a:pPr>
+            <a:endParaRPr/>
+          </a:p>
+        </p:txBody>
+      </p:sp>
     </p:spTree>
   </p:cSld>
   <p:clrMapOvr>
